--- a/Web-Lecture-05.pptx
+++ b/Web-Lecture-05.pptx
@@ -7,17 +7,24 @@
   <p:sldIdLst>
     <p:sldId id="256" r:id="rId2"/>
     <p:sldId id="272" r:id="rId3"/>
-    <p:sldId id="264" r:id="rId4"/>
+    <p:sldId id="273" r:id="rId4"/>
+    <p:sldId id="274" r:id="rId5"/>
+    <p:sldId id="275" r:id="rId6"/>
+    <p:sldId id="276" r:id="rId7"/>
+    <p:sldId id="277" r:id="rId8"/>
+    <p:sldId id="278" r:id="rId9"/>
+    <p:sldId id="279" r:id="rId10"/>
+    <p:sldId id="264" r:id="rId11"/>
   </p:sldIdLst>
   <p:sldSz cx="18288000" cy="10287000"/>
   <p:notesSz cx="6858000" cy="9144000"/>
   <p:embeddedFontLst>
     <p:embeddedFont>
       <p:font typeface="Constantia" panose="02030602050306030303" pitchFamily="18" charset="0"/>
-      <p:regular r:id="rId5"/>
-      <p:bold r:id="rId6"/>
-      <p:italic r:id="rId7"/>
-      <p:boldItalic r:id="rId8"/>
+      <p:regular r:id="rId12"/>
+      <p:bold r:id="rId13"/>
+      <p:italic r:id="rId14"/>
+      <p:boldItalic r:id="rId15"/>
     </p:embeddedFont>
   </p:embeddedFontLst>
   <p:defaultTextStyle>
@@ -314,7 +321,7 @@
             <a:fld id="{1D8BD707-D9CF-40AE-B4C6-C98DA3205C09}" type="datetimeFigureOut">
               <a:rPr lang="en-US" smtClean="0"/>
               <a:pPr/>
-              <a:t>12/9/2024</a:t>
+              <a:t>12/16/2024</a:t>
             </a:fld>
             <a:endParaRPr lang="en-US"/>
           </a:p>
@@ -479,7 +486,7 @@
             <a:fld id="{1D8BD707-D9CF-40AE-B4C6-C98DA3205C09}" type="datetimeFigureOut">
               <a:rPr lang="en-US" smtClean="0"/>
               <a:pPr/>
-              <a:t>12/9/2024</a:t>
+              <a:t>12/16/2024</a:t>
             </a:fld>
             <a:endParaRPr lang="en-US"/>
           </a:p>
@@ -654,7 +661,7 @@
             <a:fld id="{1D8BD707-D9CF-40AE-B4C6-C98DA3205C09}" type="datetimeFigureOut">
               <a:rPr lang="en-US" smtClean="0"/>
               <a:pPr/>
-              <a:t>12/9/2024</a:t>
+              <a:t>12/16/2024</a:t>
             </a:fld>
             <a:endParaRPr lang="en-US"/>
           </a:p>
@@ -819,7 +826,7 @@
             <a:fld id="{1D8BD707-D9CF-40AE-B4C6-C98DA3205C09}" type="datetimeFigureOut">
               <a:rPr lang="en-US" smtClean="0"/>
               <a:pPr/>
-              <a:t>12/9/2024</a:t>
+              <a:t>12/16/2024</a:t>
             </a:fld>
             <a:endParaRPr lang="en-US"/>
           </a:p>
@@ -1061,7 +1068,7 @@
             <a:fld id="{1D8BD707-D9CF-40AE-B4C6-C98DA3205C09}" type="datetimeFigureOut">
               <a:rPr lang="en-US" smtClean="0"/>
               <a:pPr/>
-              <a:t>12/9/2024</a:t>
+              <a:t>12/16/2024</a:t>
             </a:fld>
             <a:endParaRPr lang="en-US"/>
           </a:p>
@@ -1343,7 +1350,7 @@
             <a:fld id="{1D8BD707-D9CF-40AE-B4C6-C98DA3205C09}" type="datetimeFigureOut">
               <a:rPr lang="en-US" smtClean="0"/>
               <a:pPr/>
-              <a:t>12/9/2024</a:t>
+              <a:t>12/16/2024</a:t>
             </a:fld>
             <a:endParaRPr lang="en-US"/>
           </a:p>
@@ -1759,7 +1766,7 @@
             <a:fld id="{1D8BD707-D9CF-40AE-B4C6-C98DA3205C09}" type="datetimeFigureOut">
               <a:rPr lang="en-US" smtClean="0"/>
               <a:pPr/>
-              <a:t>12/9/2024</a:t>
+              <a:t>12/16/2024</a:t>
             </a:fld>
             <a:endParaRPr lang="en-US"/>
           </a:p>
@@ -1873,7 +1880,7 @@
             <a:fld id="{1D8BD707-D9CF-40AE-B4C6-C98DA3205C09}" type="datetimeFigureOut">
               <a:rPr lang="en-US" smtClean="0"/>
               <a:pPr/>
-              <a:t>12/9/2024</a:t>
+              <a:t>12/16/2024</a:t>
             </a:fld>
             <a:endParaRPr lang="en-US"/>
           </a:p>
@@ -1965,7 +1972,7 @@
             <a:fld id="{1D8BD707-D9CF-40AE-B4C6-C98DA3205C09}" type="datetimeFigureOut">
               <a:rPr lang="en-US" smtClean="0"/>
               <a:pPr/>
-              <a:t>12/9/2024</a:t>
+              <a:t>12/16/2024</a:t>
             </a:fld>
             <a:endParaRPr lang="en-US"/>
           </a:p>
@@ -2237,7 +2244,7 @@
             <a:fld id="{1D8BD707-D9CF-40AE-B4C6-C98DA3205C09}" type="datetimeFigureOut">
               <a:rPr lang="en-US" smtClean="0"/>
               <a:pPr/>
-              <a:t>12/9/2024</a:t>
+              <a:t>12/16/2024</a:t>
             </a:fld>
             <a:endParaRPr lang="en-US"/>
           </a:p>
@@ -2486,7 +2493,7 @@
             <a:fld id="{1D8BD707-D9CF-40AE-B4C6-C98DA3205C09}" type="datetimeFigureOut">
               <a:rPr lang="en-US" smtClean="0"/>
               <a:pPr/>
-              <a:t>12/9/2024</a:t>
+              <a:t>12/16/2024</a:t>
             </a:fld>
             <a:endParaRPr lang="en-US"/>
           </a:p>
@@ -2694,7 +2701,7 @@
             <a:fld id="{1D8BD707-D9CF-40AE-B4C6-C98DA3205C09}" type="datetimeFigureOut">
               <a:rPr lang="en-US" smtClean="0"/>
               <a:pPr/>
-              <a:t>12/9/2024</a:t>
+              <a:t>12/16/2024</a:t>
             </a:fld>
             <a:endParaRPr lang="en-US"/>
           </a:p>
@@ -3200,8 +3207,8 @@
         </p:nvSpPr>
         <p:spPr>
           <a:xfrm>
-            <a:off x="5410193" y="3385279"/>
-            <a:ext cx="7467611" cy="674031"/>
+            <a:off x="4976364" y="3668503"/>
+            <a:ext cx="8335269" cy="674031"/>
           </a:xfrm>
           <a:prstGeom prst="rect">
             <a:avLst/>
@@ -3228,7 +3235,7 @@
                 <a:cs typeface="Lato Bold"/>
                 <a:sym typeface="Lato Bold"/>
               </a:rPr>
-              <a:t>Web Design &amp; Programming</a:t>
+              <a:t>Web Design &amp; Web Programming</a:t>
             </a:r>
           </a:p>
         </p:txBody>
@@ -3923,37 +3930,13 @@
       </p:grpSp>
       <p:sp>
         <p:nvSpPr>
-          <p:cNvPr id="31" name="AutoShape 31"/>
-          <p:cNvSpPr/>
-          <p:nvPr/>
-        </p:nvSpPr>
-        <p:spPr>
-          <a:xfrm>
-            <a:off x="8911345" y="6081939"/>
-            <a:ext cx="465310" cy="0"/>
-          </a:xfrm>
-          <a:prstGeom prst="line">
-            <a:avLst/>
-          </a:prstGeom>
-          <a:ln w="38100" cap="flat">
-            <a:solidFill>
-              <a:srgbClr val="000000"/>
-            </a:solidFill>
-            <a:prstDash val="solid"/>
-            <a:headEnd type="none" w="sm" len="sm"/>
-            <a:tailEnd type="none" w="sm" len="sm"/>
-          </a:ln>
-        </p:spPr>
-      </p:sp>
-      <p:sp>
-        <p:nvSpPr>
           <p:cNvPr id="32" name="TextBox 32"/>
           <p:cNvSpPr txBox="1"/>
           <p:nvPr/>
         </p:nvSpPr>
         <p:spPr>
           <a:xfrm>
-            <a:off x="7829252" y="6720114"/>
+            <a:off x="7829252" y="7742003"/>
             <a:ext cx="2629495" cy="382211"/>
           </a:xfrm>
           <a:prstGeom prst="rect">
@@ -3982,6 +3965,53 @@
                 <a:sym typeface="Lato"/>
               </a:rPr>
               <a:t>Mr. Umar Khayyam</a:t>
+            </a:r>
+          </a:p>
+        </p:txBody>
+      </p:sp>
+      <p:sp>
+        <p:nvSpPr>
+          <p:cNvPr id="33" name="TextBox 6">
+            <a:extLst>
+              <a:ext uri="{FF2B5EF4-FFF2-40B4-BE49-F238E27FC236}">
+                <a16:creationId xmlns:a16="http://schemas.microsoft.com/office/drawing/2014/main" id="{03BE0321-D4A9-157D-3804-26AEE88FBD34}"/>
+              </a:ext>
+            </a:extLst>
+          </p:cNvPr>
+          <p:cNvSpPr txBox="1"/>
+          <p:nvPr/>
+        </p:nvSpPr>
+        <p:spPr>
+          <a:xfrm>
+            <a:off x="4976364" y="5513162"/>
+            <a:ext cx="8335269" cy="674031"/>
+          </a:xfrm>
+          <a:prstGeom prst="rect">
+            <a:avLst/>
+          </a:prstGeom>
+        </p:spPr>
+        <p:txBody>
+          <a:bodyPr wrap="square" lIns="0" tIns="0" rIns="0" bIns="0" rtlCol="0" anchor="t">
+            <a:spAutoFit/>
+          </a:bodyPr>
+          <a:lstStyle/>
+          <a:p>
+            <a:pPr algn="ctr">
+              <a:lnSpc>
+                <a:spcPts val="5600"/>
+              </a:lnSpc>
+            </a:pPr>
+            <a:r>
+              <a:rPr lang="en-US" sz="4000" b="1" dirty="0">
+                <a:solidFill>
+                  <a:srgbClr val="2E2E2E"/>
+                </a:solidFill>
+                <a:latin typeface="Constantia" panose="02030602050306030303" pitchFamily="18" charset="0"/>
+                <a:ea typeface="Lato Bold"/>
+                <a:cs typeface="Lato Bold"/>
+                <a:sym typeface="Lato Bold"/>
+              </a:rPr>
+              <a:t>DHTML, JavaScript Basics</a:t>
             </a:r>
           </a:p>
         </p:txBody>
@@ -4189,6 +4219,97 @@
                       </p:childTnLst>
                     </p:cTn>
                   </p:par>
+                  <p:par>
+                    <p:cTn id="16" fill="hold">
+                      <p:stCondLst>
+                        <p:cond delay="indefinite"/>
+                      </p:stCondLst>
+                      <p:childTnLst>
+                        <p:par>
+                          <p:cTn id="17" fill="hold">
+                            <p:stCondLst>
+                              <p:cond delay="0"/>
+                            </p:stCondLst>
+                            <p:childTnLst>
+                              <p:par>
+                                <p:cTn id="18" presetID="2" presetClass="entr" presetSubtype="4" fill="hold" grpId="0" nodeType="clickEffect">
+                                  <p:stCondLst>
+                                    <p:cond delay="0"/>
+                                  </p:stCondLst>
+                                  <p:childTnLst>
+                                    <p:set>
+                                      <p:cBhvr>
+                                        <p:cTn id="19" dur="1" fill="hold">
+                                          <p:stCondLst>
+                                            <p:cond delay="0"/>
+                                          </p:stCondLst>
+                                        </p:cTn>
+                                        <p:tgtEl>
+                                          <p:spTgt spid="33"/>
+                                        </p:tgtEl>
+                                        <p:attrNameLst>
+                                          <p:attrName>style.visibility</p:attrName>
+                                        </p:attrNameLst>
+                                      </p:cBhvr>
+                                      <p:to>
+                                        <p:strVal val="visible"/>
+                                      </p:to>
+                                    </p:set>
+                                    <p:anim calcmode="lin" valueType="num">
+                                      <p:cBhvr additive="base">
+                                        <p:cTn id="20" dur="500" fill="hold"/>
+                                        <p:tgtEl>
+                                          <p:spTgt spid="33"/>
+                                        </p:tgtEl>
+                                        <p:attrNameLst>
+                                          <p:attrName>ppt_x</p:attrName>
+                                        </p:attrNameLst>
+                                      </p:cBhvr>
+                                      <p:tavLst>
+                                        <p:tav tm="0">
+                                          <p:val>
+                                            <p:strVal val="#ppt_x"/>
+                                          </p:val>
+                                        </p:tav>
+                                        <p:tav tm="100000">
+                                          <p:val>
+                                            <p:strVal val="#ppt_x"/>
+                                          </p:val>
+                                        </p:tav>
+                                      </p:tavLst>
+                                    </p:anim>
+                                    <p:anim calcmode="lin" valueType="num">
+                                      <p:cBhvr additive="base">
+                                        <p:cTn id="21" dur="500" fill="hold"/>
+                                        <p:tgtEl>
+                                          <p:spTgt spid="33"/>
+                                        </p:tgtEl>
+                                        <p:attrNameLst>
+                                          <p:attrName>ppt_y</p:attrName>
+                                        </p:attrNameLst>
+                                      </p:cBhvr>
+                                      <p:tavLst>
+                                        <p:tav tm="0">
+                                          <p:val>
+                                            <p:strVal val="1+#ppt_h/2"/>
+                                          </p:val>
+                                        </p:tav>
+                                        <p:tav tm="100000">
+                                          <p:val>
+                                            <p:strVal val="#ppt_y"/>
+                                          </p:val>
+                                        </p:tav>
+                                      </p:tavLst>
+                                    </p:anim>
+                                  </p:childTnLst>
+                                </p:cTn>
+                              </p:par>
+                            </p:childTnLst>
+                          </p:cTn>
+                        </p:par>
+                      </p:childTnLst>
+                    </p:cTn>
+                  </p:par>
                 </p:childTnLst>
               </p:cTn>
               <p:prevCondLst>
@@ -4213,6 +4334,420 @@
     <p:bldLst>
       <p:bldP spid="5" grpId="0"/>
       <p:bldP spid="6" grpId="0"/>
+      <p:bldP spid="33" grpId="0"/>
+    </p:bldLst>
+  </p:timing>
+</p:sld>
+</file>
+
+<file path=ppt/slides/slide10.xml><?xml version="1.0" encoding="utf-8"?>
+<p:sld xmlns:a="http://schemas.openxmlformats.org/drawingml/2006/main" xmlns:r="http://schemas.openxmlformats.org/officeDocument/2006/relationships" xmlns:p="http://schemas.openxmlformats.org/presentationml/2006/main">
+  <p:cSld>
+    <p:spTree>
+      <p:nvGrpSpPr>
+        <p:cNvPr id="1" name=""/>
+        <p:cNvGrpSpPr/>
+        <p:nvPr/>
+      </p:nvGrpSpPr>
+      <p:grpSpPr>
+        <a:xfrm>
+          <a:off x="0" y="0"/>
+          <a:ext cx="0" cy="0"/>
+          <a:chOff x="0" y="0"/>
+          <a:chExt cx="0" cy="0"/>
+        </a:xfrm>
+      </p:grpSpPr>
+      <p:grpSp>
+        <p:nvGrpSpPr>
+          <p:cNvPr id="2" name="Group 2"/>
+          <p:cNvGrpSpPr/>
+          <p:nvPr/>
+        </p:nvGrpSpPr>
+        <p:grpSpPr>
+          <a:xfrm>
+            <a:off x="1588329" y="2113980"/>
+            <a:ext cx="2878700" cy="6059040"/>
+            <a:chOff x="0" y="0"/>
+            <a:chExt cx="758176" cy="1595797"/>
+          </a:xfrm>
+        </p:grpSpPr>
+        <p:sp>
+          <p:nvSpPr>
+            <p:cNvPr id="3" name="Freeform 3"/>
+            <p:cNvSpPr/>
+            <p:nvPr/>
+          </p:nvSpPr>
+          <p:spPr>
+            <a:xfrm>
+              <a:off x="0" y="0"/>
+              <a:ext cx="758176" cy="1595797"/>
+            </a:xfrm>
+            <a:custGeom>
+              <a:avLst/>
+              <a:gdLst/>
+              <a:ahLst/>
+              <a:cxnLst/>
+              <a:rect l="l" t="t" r="r" b="b"/>
+              <a:pathLst>
+                <a:path w="758176" h="1595797">
+                  <a:moveTo>
+                    <a:pt x="0" y="0"/>
+                  </a:moveTo>
+                  <a:lnTo>
+                    <a:pt x="758176" y="0"/>
+                  </a:lnTo>
+                  <a:lnTo>
+                    <a:pt x="758176" y="1595797"/>
+                  </a:lnTo>
+                  <a:lnTo>
+                    <a:pt x="0" y="1595797"/>
+                  </a:lnTo>
+                  <a:close/>
+                </a:path>
+              </a:pathLst>
+            </a:custGeom>
+            <a:solidFill>
+              <a:srgbClr val="FFC2CA"/>
+            </a:solidFill>
+          </p:spPr>
+        </p:sp>
+        <p:sp>
+          <p:nvSpPr>
+            <p:cNvPr id="4" name="TextBox 4"/>
+            <p:cNvSpPr txBox="1"/>
+            <p:nvPr/>
+          </p:nvSpPr>
+          <p:spPr>
+            <a:xfrm>
+              <a:off x="0" y="-38100"/>
+              <a:ext cx="758176" cy="1633897"/>
+            </a:xfrm>
+            <a:prstGeom prst="rect">
+              <a:avLst/>
+            </a:prstGeom>
+          </p:spPr>
+          <p:txBody>
+            <a:bodyPr lIns="50800" tIns="50800" rIns="50800" bIns="50800" rtlCol="0" anchor="ctr"/>
+            <a:lstStyle/>
+            <a:p>
+              <a:pPr algn="ctr">
+                <a:lnSpc>
+                  <a:spcPts val="2659"/>
+                </a:lnSpc>
+              </a:pPr>
+              <a:endParaRPr/>
+            </a:p>
+          </p:txBody>
+        </p:sp>
+      </p:grpSp>
+      <p:sp>
+        <p:nvSpPr>
+          <p:cNvPr id="5" name="TextBox 5"/>
+          <p:cNvSpPr txBox="1"/>
+          <p:nvPr/>
+        </p:nvSpPr>
+        <p:spPr>
+          <a:xfrm>
+            <a:off x="3724086" y="4173487"/>
+            <a:ext cx="7653319" cy="1795363"/>
+          </a:xfrm>
+          <a:prstGeom prst="rect">
+            <a:avLst/>
+          </a:prstGeom>
+        </p:spPr>
+        <p:txBody>
+          <a:bodyPr lIns="0" tIns="0" rIns="0" bIns="0" rtlCol="0" anchor="t">
+            <a:spAutoFit/>
+          </a:bodyPr>
+          <a:lstStyle/>
+          <a:p>
+            <a:pPr algn="l">
+              <a:lnSpc>
+                <a:spcPts val="13999"/>
+              </a:lnSpc>
+            </a:pPr>
+            <a:r>
+              <a:rPr lang="en-US" sz="13000" b="1" u="sng" dirty="0">
+                <a:solidFill>
+                  <a:srgbClr val="2E2E2E"/>
+                </a:solidFill>
+                <a:latin typeface="Constantia" panose="02030602050306030303" pitchFamily="18" charset="0"/>
+                <a:ea typeface="Lato Bold"/>
+                <a:cs typeface="Lato Bold"/>
+                <a:sym typeface="Lato Bold"/>
+              </a:rPr>
+              <a:t>Q &amp; A</a:t>
+            </a:r>
+          </a:p>
+        </p:txBody>
+      </p:sp>
+      <p:grpSp>
+        <p:nvGrpSpPr>
+          <p:cNvPr id="6" name="Group 6"/>
+          <p:cNvGrpSpPr/>
+          <p:nvPr/>
+        </p:nvGrpSpPr>
+        <p:grpSpPr>
+          <a:xfrm>
+            <a:off x="17259300" y="3803885"/>
+            <a:ext cx="1028700" cy="5454415"/>
+            <a:chOff x="0" y="0"/>
+            <a:chExt cx="270933" cy="1436554"/>
+          </a:xfrm>
+        </p:grpSpPr>
+        <p:sp>
+          <p:nvSpPr>
+            <p:cNvPr id="7" name="Freeform 7"/>
+            <p:cNvSpPr/>
+            <p:nvPr/>
+          </p:nvSpPr>
+          <p:spPr>
+            <a:xfrm>
+              <a:off x="0" y="0"/>
+              <a:ext cx="270933" cy="1436554"/>
+            </a:xfrm>
+            <a:custGeom>
+              <a:avLst/>
+              <a:gdLst/>
+              <a:ahLst/>
+              <a:cxnLst/>
+              <a:rect l="l" t="t" r="r" b="b"/>
+              <a:pathLst>
+                <a:path w="270933" h="1436554">
+                  <a:moveTo>
+                    <a:pt x="0" y="0"/>
+                  </a:moveTo>
+                  <a:lnTo>
+                    <a:pt x="270933" y="0"/>
+                  </a:lnTo>
+                  <a:lnTo>
+                    <a:pt x="270933" y="1436554"/>
+                  </a:lnTo>
+                  <a:lnTo>
+                    <a:pt x="0" y="1436554"/>
+                  </a:lnTo>
+                  <a:close/>
+                </a:path>
+              </a:pathLst>
+            </a:custGeom>
+            <a:solidFill>
+              <a:srgbClr val="FFC2CA"/>
+            </a:solidFill>
+          </p:spPr>
+        </p:sp>
+        <p:sp>
+          <p:nvSpPr>
+            <p:cNvPr id="8" name="TextBox 8"/>
+            <p:cNvSpPr txBox="1"/>
+            <p:nvPr/>
+          </p:nvSpPr>
+          <p:spPr>
+            <a:xfrm>
+              <a:off x="0" y="-38100"/>
+              <a:ext cx="270933" cy="1474654"/>
+            </a:xfrm>
+            <a:prstGeom prst="rect">
+              <a:avLst/>
+            </a:prstGeom>
+          </p:spPr>
+          <p:txBody>
+            <a:bodyPr lIns="50800" tIns="50800" rIns="50800" bIns="50800" rtlCol="0" anchor="ctr"/>
+            <a:lstStyle/>
+            <a:p>
+              <a:pPr algn="ctr">
+                <a:lnSpc>
+                  <a:spcPts val="2659"/>
+                </a:lnSpc>
+              </a:pPr>
+              <a:endParaRPr/>
+            </a:p>
+          </p:txBody>
+        </p:sp>
+      </p:grpSp>
+      <p:sp>
+        <p:nvSpPr>
+          <p:cNvPr id="10" name="TextBox 10"/>
+          <p:cNvSpPr txBox="1"/>
+          <p:nvPr/>
+        </p:nvSpPr>
+        <p:spPr>
+          <a:xfrm>
+            <a:off x="5320274" y="3756260"/>
+            <a:ext cx="3536394" cy="373692"/>
+          </a:xfrm>
+          <a:prstGeom prst="rect">
+            <a:avLst/>
+          </a:prstGeom>
+        </p:spPr>
+        <p:txBody>
+          <a:bodyPr lIns="0" tIns="0" rIns="0" bIns="0" rtlCol="0" anchor="t">
+            <a:spAutoFit/>
+          </a:bodyPr>
+          <a:lstStyle/>
+          <a:p>
+            <a:pPr algn="l">
+              <a:lnSpc>
+                <a:spcPts val="2940"/>
+              </a:lnSpc>
+            </a:pPr>
+            <a:r>
+              <a:rPr lang="en-US" sz="2800" b="1" dirty="0">
+                <a:solidFill>
+                  <a:srgbClr val="796292"/>
+                </a:solidFill>
+                <a:latin typeface="Constantia" panose="02030602050306030303" pitchFamily="18" charset="0"/>
+                <a:ea typeface="Lato Bold"/>
+                <a:cs typeface="Lato Bold"/>
+                <a:sym typeface="Lato Bold"/>
+              </a:rPr>
+              <a:t>Lecture Completed!</a:t>
+            </a:r>
+          </a:p>
+        </p:txBody>
+      </p:sp>
+    </p:spTree>
+  </p:cSld>
+  <p:clrMapOvr>
+    <a:masterClrMapping/>
+  </p:clrMapOvr>
+  <p:timing>
+    <p:tnLst>
+      <p:par>
+        <p:cTn id="1" dur="indefinite" restart="never" nodeType="tmRoot">
+          <p:childTnLst>
+            <p:seq concurrent="1" nextAc="seek">
+              <p:cTn id="2" dur="indefinite" nodeType="mainSeq">
+                <p:childTnLst>
+                  <p:par>
+                    <p:cTn id="3" fill="hold">
+                      <p:stCondLst>
+                        <p:cond delay="indefinite"/>
+                      </p:stCondLst>
+                      <p:childTnLst>
+                        <p:par>
+                          <p:cTn id="4" fill="hold">
+                            <p:stCondLst>
+                              <p:cond delay="0"/>
+                            </p:stCondLst>
+                            <p:childTnLst>
+                              <p:par>
+                                <p:cTn id="5" presetID="22" presetClass="entr" presetSubtype="4" fill="hold" grpId="0" nodeType="clickEffect">
+                                  <p:stCondLst>
+                                    <p:cond delay="0"/>
+                                  </p:stCondLst>
+                                  <p:childTnLst>
+                                    <p:set>
+                                      <p:cBhvr>
+                                        <p:cTn id="6" dur="1" fill="hold">
+                                          <p:stCondLst>
+                                            <p:cond delay="0"/>
+                                          </p:stCondLst>
+                                        </p:cTn>
+                                        <p:tgtEl>
+                                          <p:spTgt spid="10"/>
+                                        </p:tgtEl>
+                                        <p:attrNameLst>
+                                          <p:attrName>style.visibility</p:attrName>
+                                        </p:attrNameLst>
+                                      </p:cBhvr>
+                                      <p:to>
+                                        <p:strVal val="visible"/>
+                                      </p:to>
+                                    </p:set>
+                                    <p:animEffect transition="in" filter="wipe(down)">
+                                      <p:cBhvr>
+                                        <p:cTn id="7" dur="500"/>
+                                        <p:tgtEl>
+                                          <p:spTgt spid="10"/>
+                                        </p:tgtEl>
+                                      </p:cBhvr>
+                                    </p:animEffect>
+                                  </p:childTnLst>
+                                </p:cTn>
+                              </p:par>
+                            </p:childTnLst>
+                          </p:cTn>
+                        </p:par>
+                      </p:childTnLst>
+                    </p:cTn>
+                  </p:par>
+                  <p:par>
+                    <p:cTn id="8" fill="hold">
+                      <p:stCondLst>
+                        <p:cond delay="indefinite"/>
+                      </p:stCondLst>
+                      <p:childTnLst>
+                        <p:par>
+                          <p:cTn id="9" fill="hold">
+                            <p:stCondLst>
+                              <p:cond delay="0"/>
+                            </p:stCondLst>
+                            <p:childTnLst>
+                              <p:par>
+                                <p:cTn id="10" presetID="22" presetClass="entr" presetSubtype="4" fill="hold" grpId="0" nodeType="clickEffect">
+                                  <p:stCondLst>
+                                    <p:cond delay="0"/>
+                                  </p:stCondLst>
+                                  <p:childTnLst>
+                                    <p:set>
+                                      <p:cBhvr>
+                                        <p:cTn id="11" dur="1" fill="hold">
+                                          <p:stCondLst>
+                                            <p:cond delay="0"/>
+                                          </p:stCondLst>
+                                        </p:cTn>
+                                        <p:tgtEl>
+                                          <p:spTgt spid="5"/>
+                                        </p:tgtEl>
+                                        <p:attrNameLst>
+                                          <p:attrName>style.visibility</p:attrName>
+                                        </p:attrNameLst>
+                                      </p:cBhvr>
+                                      <p:to>
+                                        <p:strVal val="visible"/>
+                                      </p:to>
+                                    </p:set>
+                                    <p:animEffect transition="in" filter="wipe(down)">
+                                      <p:cBhvr>
+                                        <p:cTn id="12" dur="500"/>
+                                        <p:tgtEl>
+                                          <p:spTgt spid="5"/>
+                                        </p:tgtEl>
+                                      </p:cBhvr>
+                                    </p:animEffect>
+                                  </p:childTnLst>
+                                </p:cTn>
+                              </p:par>
+                            </p:childTnLst>
+                          </p:cTn>
+                        </p:par>
+                      </p:childTnLst>
+                    </p:cTn>
+                  </p:par>
+                </p:childTnLst>
+              </p:cTn>
+              <p:prevCondLst>
+                <p:cond evt="onPrev" delay="0">
+                  <p:tgtEl>
+                    <p:sldTgt/>
+                  </p:tgtEl>
+                </p:cond>
+              </p:prevCondLst>
+              <p:nextCondLst>
+                <p:cond evt="onNext" delay="0">
+                  <p:tgtEl>
+                    <p:sldTgt/>
+                  </p:tgtEl>
+                </p:cond>
+              </p:nextCondLst>
+            </p:seq>
+          </p:childTnLst>
+        </p:cTn>
+      </p:par>
+    </p:tnLst>
+    <p:bldLst>
+      <p:bldP spid="5" grpId="0"/>
+      <p:bldP spid="10" grpId="0"/>
     </p:bldLst>
   </p:timing>
 </p:sld>
@@ -4479,7 +5014,7 @@
               <a:rPr lang="en-US" sz="6000" b="1" dirty="0">
                 <a:latin typeface="Constantia" panose="02030602050306030303" pitchFamily="18" charset="0"/>
               </a:rPr>
-              <a:t>Dreamweaver</a:t>
+              <a:t>DHTML</a:t>
             </a:r>
             <a:endParaRPr lang="en-US" sz="5000" b="1" spc="-100" dirty="0">
               <a:solidFill>
@@ -4508,7 +5043,7 @@
         <p:spPr>
           <a:xfrm>
             <a:off x="1821331" y="2180291"/>
-            <a:ext cx="14325600" cy="6771084"/>
+            <a:ext cx="14325600" cy="5539978"/>
           </a:xfrm>
           <a:prstGeom prst="rect">
             <a:avLst/>
@@ -4520,109 +5055,82 @@
           </a:bodyPr>
           <a:lstStyle/>
           <a:p>
-            <a:pPr marL="457200" indent="-457200" algn="just">
-              <a:buFont typeface="Wingdings" panose="05000000000000000000" pitchFamily="2" charset="2"/>
-              <a:buChar char="q"/>
-            </a:pPr>
+            <a:pPr lvl="1" algn="just"/>
+            <a:r>
+              <a:rPr lang="en-US" sz="4000" b="1" dirty="0">
+                <a:latin typeface="Constantia" panose="02030602050306030303" pitchFamily="18" charset="0"/>
+              </a:rPr>
+              <a:t>DHTML </a:t>
+            </a:r>
             <a:r>
               <a:rPr lang="en-US" sz="4000" dirty="0">
                 <a:latin typeface="Constantia" panose="02030602050306030303" pitchFamily="18" charset="0"/>
               </a:rPr>
-              <a:t>A professional web design &amp; development tool by Adobe.</a:t>
-            </a:r>
-          </a:p>
-          <a:p>
-            <a:pPr marL="457200" indent="-457200" algn="just">
-              <a:buFont typeface="Wingdings" panose="05000000000000000000" pitchFamily="2" charset="2"/>
-              <a:buChar char="q"/>
-            </a:pPr>
-            <a:endParaRPr lang="en-US" sz="4000" dirty="0">
-              <a:latin typeface="Constantia" panose="02030602050306030303" pitchFamily="18" charset="0"/>
-            </a:endParaRPr>
-          </a:p>
-          <a:p>
-            <a:pPr marL="457200" indent="-457200" algn="just">
-              <a:buFont typeface="Wingdings" panose="05000000000000000000" pitchFamily="2" charset="2"/>
-              <a:buChar char="q"/>
-            </a:pPr>
+              <a:t>stands for Dynamic HTML, which is a collection of technologies used together to create interactive and animated web pages.</a:t>
+            </a:r>
+          </a:p>
+          <a:p>
+            <a:pPr lvl="1" algn="just"/>
             <a:r>
               <a:rPr lang="en-US" sz="4000" dirty="0">
                 <a:latin typeface="Constantia" panose="02030602050306030303" pitchFamily="18" charset="0"/>
               </a:rPr>
-              <a:t>Support both visual design &amp; code editing environment.</a:t>
-            </a:r>
-          </a:p>
-          <a:p>
-            <a:pPr marL="457200" indent="-457200" algn="just">
-              <a:buFont typeface="Wingdings" panose="05000000000000000000" pitchFamily="2" charset="2"/>
-              <a:buChar char="q"/>
-            </a:pPr>
-            <a:endParaRPr lang="en-US" sz="4000" dirty="0">
-              <a:latin typeface="Constantia" panose="02030602050306030303" pitchFamily="18" charset="0"/>
-            </a:endParaRPr>
-          </a:p>
-          <a:p>
-            <a:pPr marL="457200" indent="-457200" algn="just">
-              <a:buFont typeface="Wingdings" panose="05000000000000000000" pitchFamily="2" charset="2"/>
-              <a:buChar char="q"/>
+              <a:t>DHTML is not a single technology.</a:t>
+            </a:r>
+          </a:p>
+          <a:p>
+            <a:pPr marL="1028700" lvl="1" indent="-571500" algn="just">
+              <a:buFont typeface="Arial" panose="020B0604020202020204" pitchFamily="34" charset="0"/>
+              <a:buChar char="•"/>
             </a:pPr>
             <a:r>
               <a:rPr lang="en-US" sz="4000" dirty="0">
                 <a:latin typeface="Constantia" panose="02030602050306030303" pitchFamily="18" charset="0"/>
               </a:rPr>
-              <a:t>Ideal for designing responsive and modern websites.</a:t>
-            </a:r>
-          </a:p>
-          <a:p>
-            <a:pPr marL="457200" indent="-457200" algn="just">
-              <a:buFont typeface="Wingdings" panose="05000000000000000000" pitchFamily="2" charset="2"/>
-              <a:buChar char="q"/>
+              <a:t>HTML (Hyper Text Markup Language)</a:t>
+            </a:r>
+          </a:p>
+          <a:p>
+            <a:pPr marL="1028700" lvl="1" indent="-571500" algn="just">
+              <a:buFont typeface="Arial" panose="020B0604020202020204" pitchFamily="34" charset="0"/>
+              <a:buChar char="•"/>
             </a:pPr>
-            <a:endParaRPr lang="en-US" sz="4000" dirty="0">
-              <a:latin typeface="Constantia" panose="02030602050306030303" pitchFamily="18" charset="0"/>
-            </a:endParaRPr>
-          </a:p>
-          <a:p>
-            <a:pPr marL="457200" indent="-457200" algn="just">
-              <a:buFont typeface="Wingdings" panose="05000000000000000000" pitchFamily="2" charset="2"/>
-              <a:buChar char="q"/>
-            </a:pPr>
-            <a:endParaRPr lang="en-US" sz="4000" dirty="0">
-              <a:latin typeface="Constantia" panose="02030602050306030303" pitchFamily="18" charset="0"/>
-            </a:endParaRPr>
-          </a:p>
-          <a:p>
-            <a:pPr marL="457200" indent="-457200" algn="just">
-              <a:buFont typeface="Wingdings" panose="05000000000000000000" pitchFamily="2" charset="2"/>
-              <a:buChar char="q"/>
-            </a:pPr>
-            <a:r>
-              <a:rPr lang="en-US" sz="4000" b="1" dirty="0">
-                <a:latin typeface="Constantia" panose="02030602050306030303" pitchFamily="18" charset="0"/>
-              </a:rPr>
-              <a:t>Key Features: </a:t>
-            </a:r>
-          </a:p>
-          <a:p>
-            <a:pPr marL="914400" lvl="1" indent="-457200" algn="just">
-              <a:buFont typeface="Wingdings" panose="05000000000000000000" pitchFamily="2" charset="2"/>
-              <a:buChar char="Ø"/>
-            </a:pPr>
-            <a:r>
-              <a:rPr lang="en-US" sz="4000" b="1" dirty="0">
-                <a:latin typeface="Constantia" panose="02030602050306030303" pitchFamily="18" charset="0"/>
-              </a:rPr>
-              <a:t>Dual Interface: </a:t>
-            </a:r>
             <a:r>
               <a:rPr lang="en-US" sz="4000" dirty="0">
                 <a:latin typeface="Constantia" panose="02030602050306030303" pitchFamily="18" charset="0"/>
               </a:rPr>
-              <a:t>Drag &amp; drop design view and edit code (HTML, CSS etc.).</a:t>
-            </a:r>
-          </a:p>
-          <a:p>
-            <a:pPr lvl="1" algn="just"/>
+              <a:t>CSS (Cascading Style Sheet)</a:t>
+            </a:r>
+          </a:p>
+          <a:p>
+            <a:pPr marL="1028700" lvl="1" indent="-571500" algn="just">
+              <a:buFont typeface="Arial" panose="020B0604020202020204" pitchFamily="34" charset="0"/>
+              <a:buChar char="•"/>
+            </a:pPr>
+            <a:r>
+              <a:rPr lang="en-US" sz="4000" dirty="0">
+                <a:latin typeface="Constantia" panose="02030602050306030303" pitchFamily="18" charset="0"/>
+              </a:rPr>
+              <a:t>JavaScript</a:t>
+            </a:r>
+          </a:p>
+          <a:p>
+            <a:pPr marL="1028700" lvl="1" indent="-571500" algn="just">
+              <a:buFont typeface="Arial" panose="020B0604020202020204" pitchFamily="34" charset="0"/>
+              <a:buChar char="•"/>
+            </a:pPr>
+            <a:r>
+              <a:rPr lang="en-US" sz="4000" dirty="0">
+                <a:latin typeface="Constantia" panose="02030602050306030303" pitchFamily="18" charset="0"/>
+              </a:rPr>
+              <a:t>DOM (D0cument Object Model)</a:t>
+            </a:r>
+          </a:p>
+          <a:p>
+            <a:pPr marL="1028700" lvl="1" indent="-571500" algn="just">
+              <a:buFont typeface="Arial" panose="020B0604020202020204" pitchFamily="34" charset="0"/>
+              <a:buChar char="•"/>
+            </a:pPr>
             <a:endParaRPr lang="en-US" sz="4000" dirty="0">
               <a:latin typeface="Constantia" panose="02030602050306030303" pitchFamily="18" charset="0"/>
             </a:endParaRPr>
@@ -4633,6 +5141,1829 @@
     <p:extLst>
       <p:ext uri="{BB962C8B-B14F-4D97-AF65-F5344CB8AC3E}">
         <p14:creationId xmlns:p14="http://schemas.microsoft.com/office/powerpoint/2010/main" val="3355533253"/>
+      </p:ext>
+    </p:extLst>
+  </p:cSld>
+  <p:clrMapOvr>
+    <a:masterClrMapping/>
+  </p:clrMapOvr>
+  <p:timing>
+    <p:tnLst>
+      <p:par>
+        <p:cTn id="1" dur="indefinite" restart="never" nodeType="tmRoot">
+          <p:childTnLst>
+            <p:seq concurrent="1" nextAc="seek">
+              <p:cTn id="2" dur="indefinite" nodeType="mainSeq">
+                <p:childTnLst>
+                  <p:par>
+                    <p:cTn id="3" fill="hold">
+                      <p:stCondLst>
+                        <p:cond delay="indefinite"/>
+                      </p:stCondLst>
+                      <p:childTnLst>
+                        <p:par>
+                          <p:cTn id="4" fill="hold">
+                            <p:stCondLst>
+                              <p:cond delay="0"/>
+                            </p:stCondLst>
+                            <p:childTnLst>
+                              <p:par>
+                                <p:cTn id="5" presetID="10" presetClass="entr" presetSubtype="0" fill="hold" nodeType="clickEffect">
+                                  <p:stCondLst>
+                                    <p:cond delay="0"/>
+                                  </p:stCondLst>
+                                  <p:childTnLst>
+                                    <p:set>
+                                      <p:cBhvr>
+                                        <p:cTn id="6" dur="1" fill="hold">
+                                          <p:stCondLst>
+                                            <p:cond delay="0"/>
+                                          </p:stCondLst>
+                                        </p:cTn>
+                                        <p:tgtEl>
+                                          <p:spTgt spid="19">
+                                            <p:txEl>
+                                              <p:pRg st="0" end="0"/>
+                                            </p:txEl>
+                                          </p:spTgt>
+                                        </p:tgtEl>
+                                        <p:attrNameLst>
+                                          <p:attrName>style.visibility</p:attrName>
+                                        </p:attrNameLst>
+                                      </p:cBhvr>
+                                      <p:to>
+                                        <p:strVal val="visible"/>
+                                      </p:to>
+                                    </p:set>
+                                    <p:animEffect transition="in" filter="fade">
+                                      <p:cBhvr>
+                                        <p:cTn id="7" dur="500"/>
+                                        <p:tgtEl>
+                                          <p:spTgt spid="19">
+                                            <p:txEl>
+                                              <p:pRg st="0" end="0"/>
+                                            </p:txEl>
+                                          </p:spTgt>
+                                        </p:tgtEl>
+                                      </p:cBhvr>
+                                    </p:animEffect>
+                                  </p:childTnLst>
+                                </p:cTn>
+                              </p:par>
+                            </p:childTnLst>
+                          </p:cTn>
+                        </p:par>
+                      </p:childTnLst>
+                    </p:cTn>
+                  </p:par>
+                  <p:par>
+                    <p:cTn id="8" fill="hold">
+                      <p:stCondLst>
+                        <p:cond delay="indefinite"/>
+                      </p:stCondLst>
+                      <p:childTnLst>
+                        <p:par>
+                          <p:cTn id="9" fill="hold">
+                            <p:stCondLst>
+                              <p:cond delay="0"/>
+                            </p:stCondLst>
+                            <p:childTnLst>
+                              <p:par>
+                                <p:cTn id="10" presetID="10" presetClass="entr" presetSubtype="0" fill="hold" nodeType="clickEffect">
+                                  <p:stCondLst>
+                                    <p:cond delay="0"/>
+                                  </p:stCondLst>
+                                  <p:childTnLst>
+                                    <p:set>
+                                      <p:cBhvr>
+                                        <p:cTn id="11" dur="1" fill="hold">
+                                          <p:stCondLst>
+                                            <p:cond delay="0"/>
+                                          </p:stCondLst>
+                                        </p:cTn>
+                                        <p:tgtEl>
+                                          <p:spTgt spid="19">
+                                            <p:txEl>
+                                              <p:pRg st="1" end="1"/>
+                                            </p:txEl>
+                                          </p:spTgt>
+                                        </p:tgtEl>
+                                        <p:attrNameLst>
+                                          <p:attrName>style.visibility</p:attrName>
+                                        </p:attrNameLst>
+                                      </p:cBhvr>
+                                      <p:to>
+                                        <p:strVal val="visible"/>
+                                      </p:to>
+                                    </p:set>
+                                    <p:animEffect transition="in" filter="fade">
+                                      <p:cBhvr>
+                                        <p:cTn id="12" dur="500"/>
+                                        <p:tgtEl>
+                                          <p:spTgt spid="19">
+                                            <p:txEl>
+                                              <p:pRg st="1" end="1"/>
+                                            </p:txEl>
+                                          </p:spTgt>
+                                        </p:tgtEl>
+                                      </p:cBhvr>
+                                    </p:animEffect>
+                                  </p:childTnLst>
+                                </p:cTn>
+                              </p:par>
+                            </p:childTnLst>
+                          </p:cTn>
+                        </p:par>
+                      </p:childTnLst>
+                    </p:cTn>
+                  </p:par>
+                  <p:par>
+                    <p:cTn id="13" fill="hold">
+                      <p:stCondLst>
+                        <p:cond delay="indefinite"/>
+                      </p:stCondLst>
+                      <p:childTnLst>
+                        <p:par>
+                          <p:cTn id="14" fill="hold">
+                            <p:stCondLst>
+                              <p:cond delay="0"/>
+                            </p:stCondLst>
+                            <p:childTnLst>
+                              <p:par>
+                                <p:cTn id="15" presetID="10" presetClass="entr" presetSubtype="0" fill="hold" nodeType="clickEffect">
+                                  <p:stCondLst>
+                                    <p:cond delay="0"/>
+                                  </p:stCondLst>
+                                  <p:childTnLst>
+                                    <p:set>
+                                      <p:cBhvr>
+                                        <p:cTn id="16" dur="1" fill="hold">
+                                          <p:stCondLst>
+                                            <p:cond delay="0"/>
+                                          </p:stCondLst>
+                                        </p:cTn>
+                                        <p:tgtEl>
+                                          <p:spTgt spid="19">
+                                            <p:txEl>
+                                              <p:pRg st="2" end="2"/>
+                                            </p:txEl>
+                                          </p:spTgt>
+                                        </p:tgtEl>
+                                        <p:attrNameLst>
+                                          <p:attrName>style.visibility</p:attrName>
+                                        </p:attrNameLst>
+                                      </p:cBhvr>
+                                      <p:to>
+                                        <p:strVal val="visible"/>
+                                      </p:to>
+                                    </p:set>
+                                    <p:animEffect transition="in" filter="fade">
+                                      <p:cBhvr>
+                                        <p:cTn id="17" dur="500"/>
+                                        <p:tgtEl>
+                                          <p:spTgt spid="19">
+                                            <p:txEl>
+                                              <p:pRg st="2" end="2"/>
+                                            </p:txEl>
+                                          </p:spTgt>
+                                        </p:tgtEl>
+                                      </p:cBhvr>
+                                    </p:animEffect>
+                                  </p:childTnLst>
+                                </p:cTn>
+                              </p:par>
+                            </p:childTnLst>
+                          </p:cTn>
+                        </p:par>
+                      </p:childTnLst>
+                    </p:cTn>
+                  </p:par>
+                  <p:par>
+                    <p:cTn id="18" fill="hold">
+                      <p:stCondLst>
+                        <p:cond delay="indefinite"/>
+                      </p:stCondLst>
+                      <p:childTnLst>
+                        <p:par>
+                          <p:cTn id="19" fill="hold">
+                            <p:stCondLst>
+                              <p:cond delay="0"/>
+                            </p:stCondLst>
+                            <p:childTnLst>
+                              <p:par>
+                                <p:cTn id="20" presetID="10" presetClass="entr" presetSubtype="0" fill="hold" nodeType="clickEffect">
+                                  <p:stCondLst>
+                                    <p:cond delay="0"/>
+                                  </p:stCondLst>
+                                  <p:childTnLst>
+                                    <p:set>
+                                      <p:cBhvr>
+                                        <p:cTn id="21" dur="1" fill="hold">
+                                          <p:stCondLst>
+                                            <p:cond delay="0"/>
+                                          </p:stCondLst>
+                                        </p:cTn>
+                                        <p:tgtEl>
+                                          <p:spTgt spid="19">
+                                            <p:txEl>
+                                              <p:pRg st="3" end="3"/>
+                                            </p:txEl>
+                                          </p:spTgt>
+                                        </p:tgtEl>
+                                        <p:attrNameLst>
+                                          <p:attrName>style.visibility</p:attrName>
+                                        </p:attrNameLst>
+                                      </p:cBhvr>
+                                      <p:to>
+                                        <p:strVal val="visible"/>
+                                      </p:to>
+                                    </p:set>
+                                    <p:animEffect transition="in" filter="fade">
+                                      <p:cBhvr>
+                                        <p:cTn id="22" dur="500"/>
+                                        <p:tgtEl>
+                                          <p:spTgt spid="19">
+                                            <p:txEl>
+                                              <p:pRg st="3" end="3"/>
+                                            </p:txEl>
+                                          </p:spTgt>
+                                        </p:tgtEl>
+                                      </p:cBhvr>
+                                    </p:animEffect>
+                                  </p:childTnLst>
+                                </p:cTn>
+                              </p:par>
+                            </p:childTnLst>
+                          </p:cTn>
+                        </p:par>
+                      </p:childTnLst>
+                    </p:cTn>
+                  </p:par>
+                  <p:par>
+                    <p:cTn id="23" fill="hold">
+                      <p:stCondLst>
+                        <p:cond delay="indefinite"/>
+                      </p:stCondLst>
+                      <p:childTnLst>
+                        <p:par>
+                          <p:cTn id="24" fill="hold">
+                            <p:stCondLst>
+                              <p:cond delay="0"/>
+                            </p:stCondLst>
+                            <p:childTnLst>
+                              <p:par>
+                                <p:cTn id="25" presetID="10" presetClass="entr" presetSubtype="0" fill="hold" nodeType="clickEffect">
+                                  <p:stCondLst>
+                                    <p:cond delay="0"/>
+                                  </p:stCondLst>
+                                  <p:childTnLst>
+                                    <p:set>
+                                      <p:cBhvr>
+                                        <p:cTn id="26" dur="1" fill="hold">
+                                          <p:stCondLst>
+                                            <p:cond delay="0"/>
+                                          </p:stCondLst>
+                                        </p:cTn>
+                                        <p:tgtEl>
+                                          <p:spTgt spid="19">
+                                            <p:txEl>
+                                              <p:pRg st="4" end="4"/>
+                                            </p:txEl>
+                                          </p:spTgt>
+                                        </p:tgtEl>
+                                        <p:attrNameLst>
+                                          <p:attrName>style.visibility</p:attrName>
+                                        </p:attrNameLst>
+                                      </p:cBhvr>
+                                      <p:to>
+                                        <p:strVal val="visible"/>
+                                      </p:to>
+                                    </p:set>
+                                    <p:animEffect transition="in" filter="fade">
+                                      <p:cBhvr>
+                                        <p:cTn id="27" dur="500"/>
+                                        <p:tgtEl>
+                                          <p:spTgt spid="19">
+                                            <p:txEl>
+                                              <p:pRg st="4" end="4"/>
+                                            </p:txEl>
+                                          </p:spTgt>
+                                        </p:tgtEl>
+                                      </p:cBhvr>
+                                    </p:animEffect>
+                                  </p:childTnLst>
+                                </p:cTn>
+                              </p:par>
+                            </p:childTnLst>
+                          </p:cTn>
+                        </p:par>
+                      </p:childTnLst>
+                    </p:cTn>
+                  </p:par>
+                  <p:par>
+                    <p:cTn id="28" fill="hold">
+                      <p:stCondLst>
+                        <p:cond delay="indefinite"/>
+                      </p:stCondLst>
+                      <p:childTnLst>
+                        <p:par>
+                          <p:cTn id="29" fill="hold">
+                            <p:stCondLst>
+                              <p:cond delay="0"/>
+                            </p:stCondLst>
+                            <p:childTnLst>
+                              <p:par>
+                                <p:cTn id="30" presetID="10" presetClass="entr" presetSubtype="0" fill="hold" nodeType="clickEffect">
+                                  <p:stCondLst>
+                                    <p:cond delay="0"/>
+                                  </p:stCondLst>
+                                  <p:childTnLst>
+                                    <p:set>
+                                      <p:cBhvr>
+                                        <p:cTn id="31" dur="1" fill="hold">
+                                          <p:stCondLst>
+                                            <p:cond delay="0"/>
+                                          </p:stCondLst>
+                                        </p:cTn>
+                                        <p:tgtEl>
+                                          <p:spTgt spid="19">
+                                            <p:txEl>
+                                              <p:pRg st="5" end="5"/>
+                                            </p:txEl>
+                                          </p:spTgt>
+                                        </p:tgtEl>
+                                        <p:attrNameLst>
+                                          <p:attrName>style.visibility</p:attrName>
+                                        </p:attrNameLst>
+                                      </p:cBhvr>
+                                      <p:to>
+                                        <p:strVal val="visible"/>
+                                      </p:to>
+                                    </p:set>
+                                    <p:animEffect transition="in" filter="fade">
+                                      <p:cBhvr>
+                                        <p:cTn id="32" dur="500"/>
+                                        <p:tgtEl>
+                                          <p:spTgt spid="19">
+                                            <p:txEl>
+                                              <p:pRg st="5" end="5"/>
+                                            </p:txEl>
+                                          </p:spTgt>
+                                        </p:tgtEl>
+                                      </p:cBhvr>
+                                    </p:animEffect>
+                                  </p:childTnLst>
+                                </p:cTn>
+                              </p:par>
+                            </p:childTnLst>
+                          </p:cTn>
+                        </p:par>
+                      </p:childTnLst>
+                    </p:cTn>
+                  </p:par>
+                </p:childTnLst>
+              </p:cTn>
+              <p:prevCondLst>
+                <p:cond evt="onPrev" delay="0">
+                  <p:tgtEl>
+                    <p:sldTgt/>
+                  </p:tgtEl>
+                </p:cond>
+              </p:prevCondLst>
+              <p:nextCondLst>
+                <p:cond evt="onNext" delay="0">
+                  <p:tgtEl>
+                    <p:sldTgt/>
+                  </p:tgtEl>
+                </p:cond>
+              </p:nextCondLst>
+            </p:seq>
+          </p:childTnLst>
+        </p:cTn>
+      </p:par>
+    </p:tnLst>
+  </p:timing>
+</p:sld>
+</file>
+
+<file path=ppt/slides/slide3.xml><?xml version="1.0" encoding="utf-8"?>
+<p:sld xmlns:a="http://schemas.openxmlformats.org/drawingml/2006/main" xmlns:r="http://schemas.openxmlformats.org/officeDocument/2006/relationships" xmlns:p="http://schemas.openxmlformats.org/presentationml/2006/main">
+  <p:cSld>
+    <p:spTree>
+      <p:nvGrpSpPr>
+        <p:cNvPr id="1" name="">
+          <a:extLst>
+            <a:ext uri="{FF2B5EF4-FFF2-40B4-BE49-F238E27FC236}">
+              <a16:creationId xmlns:a16="http://schemas.microsoft.com/office/drawing/2014/main" id="{839CAED7-882D-D4F1-FD99-D05DB8DAEED4}"/>
+            </a:ext>
+          </a:extLst>
+        </p:cNvPr>
+        <p:cNvGrpSpPr/>
+        <p:nvPr/>
+      </p:nvGrpSpPr>
+      <p:grpSpPr>
+        <a:xfrm>
+          <a:off x="0" y="0"/>
+          <a:ext cx="0" cy="0"/>
+          <a:chOff x="0" y="0"/>
+          <a:chExt cx="0" cy="0"/>
+        </a:xfrm>
+      </p:grpSpPr>
+      <p:grpSp>
+        <p:nvGrpSpPr>
+          <p:cNvPr id="8" name="Group 2">
+            <a:extLst>
+              <a:ext uri="{FF2B5EF4-FFF2-40B4-BE49-F238E27FC236}">
+                <a16:creationId xmlns:a16="http://schemas.microsoft.com/office/drawing/2014/main" id="{42021688-378A-2B54-84F1-52D3AC358393}"/>
+              </a:ext>
+            </a:extLst>
+          </p:cNvPr>
+          <p:cNvGrpSpPr/>
+          <p:nvPr/>
+        </p:nvGrpSpPr>
+        <p:grpSpPr>
+          <a:xfrm>
+            <a:off x="0" y="0"/>
+            <a:ext cx="1447800" cy="3086100"/>
+            <a:chOff x="0" y="0"/>
+            <a:chExt cx="615562" cy="812800"/>
+          </a:xfrm>
+        </p:grpSpPr>
+        <p:sp>
+          <p:nvSpPr>
+            <p:cNvPr id="11" name="Freeform 3">
+              <a:extLst>
+                <a:ext uri="{FF2B5EF4-FFF2-40B4-BE49-F238E27FC236}">
+                  <a16:creationId xmlns:a16="http://schemas.microsoft.com/office/drawing/2014/main" id="{4BC2D671-4C76-92B1-F751-1C7BEA015E54}"/>
+                </a:ext>
+              </a:extLst>
+            </p:cNvPr>
+            <p:cNvSpPr/>
+            <p:nvPr/>
+          </p:nvSpPr>
+          <p:spPr>
+            <a:xfrm>
+              <a:off x="0" y="0"/>
+              <a:ext cx="615562" cy="812800"/>
+            </a:xfrm>
+            <a:custGeom>
+              <a:avLst/>
+              <a:gdLst/>
+              <a:ahLst/>
+              <a:cxnLst/>
+              <a:rect l="l" t="t" r="r" b="b"/>
+              <a:pathLst>
+                <a:path w="615562" h="812800">
+                  <a:moveTo>
+                    <a:pt x="0" y="0"/>
+                  </a:moveTo>
+                  <a:lnTo>
+                    <a:pt x="615562" y="0"/>
+                  </a:lnTo>
+                  <a:lnTo>
+                    <a:pt x="615562" y="812800"/>
+                  </a:lnTo>
+                  <a:lnTo>
+                    <a:pt x="0" y="812800"/>
+                  </a:lnTo>
+                  <a:close/>
+                </a:path>
+              </a:pathLst>
+            </a:custGeom>
+            <a:solidFill>
+              <a:srgbClr val="F9ECB8"/>
+            </a:solidFill>
+          </p:spPr>
+        </p:sp>
+        <p:sp>
+          <p:nvSpPr>
+            <p:cNvPr id="14" name="TextBox 4">
+              <a:extLst>
+                <a:ext uri="{FF2B5EF4-FFF2-40B4-BE49-F238E27FC236}">
+                  <a16:creationId xmlns:a16="http://schemas.microsoft.com/office/drawing/2014/main" id="{708EA3C2-84CA-F188-FE56-9379AB7E613F}"/>
+                </a:ext>
+              </a:extLst>
+            </p:cNvPr>
+            <p:cNvSpPr txBox="1"/>
+            <p:nvPr/>
+          </p:nvSpPr>
+          <p:spPr>
+            <a:xfrm>
+              <a:off x="0" y="-38100"/>
+              <a:ext cx="615562" cy="850900"/>
+            </a:xfrm>
+            <a:prstGeom prst="rect">
+              <a:avLst/>
+            </a:prstGeom>
+          </p:spPr>
+          <p:txBody>
+            <a:bodyPr lIns="50800" tIns="50800" rIns="50800" bIns="50800" rtlCol="0" anchor="ctr"/>
+            <a:lstStyle/>
+            <a:p>
+              <a:pPr algn="ctr">
+                <a:lnSpc>
+                  <a:spcPts val="2659"/>
+                </a:lnSpc>
+              </a:pPr>
+              <a:endParaRPr/>
+            </a:p>
+          </p:txBody>
+        </p:sp>
+      </p:grpSp>
+      <p:grpSp>
+        <p:nvGrpSpPr>
+          <p:cNvPr id="15" name="Group 5">
+            <a:extLst>
+              <a:ext uri="{FF2B5EF4-FFF2-40B4-BE49-F238E27FC236}">
+                <a16:creationId xmlns:a16="http://schemas.microsoft.com/office/drawing/2014/main" id="{6D6A8A99-9C91-2DF5-FE91-17E1207521B5}"/>
+              </a:ext>
+            </a:extLst>
+          </p:cNvPr>
+          <p:cNvGrpSpPr/>
+          <p:nvPr/>
+        </p:nvGrpSpPr>
+        <p:grpSpPr>
+          <a:xfrm>
+            <a:off x="17115856" y="6591300"/>
+            <a:ext cx="1172144" cy="3695700"/>
+            <a:chOff x="0" y="0"/>
+            <a:chExt cx="308713" cy="1595797"/>
+          </a:xfrm>
+        </p:grpSpPr>
+        <p:sp>
+          <p:nvSpPr>
+            <p:cNvPr id="16" name="Freeform 6">
+              <a:extLst>
+                <a:ext uri="{FF2B5EF4-FFF2-40B4-BE49-F238E27FC236}">
+                  <a16:creationId xmlns:a16="http://schemas.microsoft.com/office/drawing/2014/main" id="{5779AC31-8017-7EEE-7244-EDBA79AEA565}"/>
+                </a:ext>
+              </a:extLst>
+            </p:cNvPr>
+            <p:cNvSpPr/>
+            <p:nvPr/>
+          </p:nvSpPr>
+          <p:spPr>
+            <a:xfrm>
+              <a:off x="0" y="0"/>
+              <a:ext cx="308713" cy="1595797"/>
+            </a:xfrm>
+            <a:custGeom>
+              <a:avLst/>
+              <a:gdLst/>
+              <a:ahLst/>
+              <a:cxnLst/>
+              <a:rect l="l" t="t" r="r" b="b"/>
+              <a:pathLst>
+                <a:path w="308713" h="1595797">
+                  <a:moveTo>
+                    <a:pt x="0" y="0"/>
+                  </a:moveTo>
+                  <a:lnTo>
+                    <a:pt x="308713" y="0"/>
+                  </a:lnTo>
+                  <a:lnTo>
+                    <a:pt x="308713" y="1595797"/>
+                  </a:lnTo>
+                  <a:lnTo>
+                    <a:pt x="0" y="1595797"/>
+                  </a:lnTo>
+                  <a:close/>
+                </a:path>
+              </a:pathLst>
+            </a:custGeom>
+            <a:solidFill>
+              <a:srgbClr val="FFC2CA"/>
+            </a:solidFill>
+          </p:spPr>
+        </p:sp>
+        <p:sp>
+          <p:nvSpPr>
+            <p:cNvPr id="17" name="TextBox 7">
+              <a:extLst>
+                <a:ext uri="{FF2B5EF4-FFF2-40B4-BE49-F238E27FC236}">
+                  <a16:creationId xmlns:a16="http://schemas.microsoft.com/office/drawing/2014/main" id="{7E3CF62E-2AF7-AB7C-E870-B1312924DF1C}"/>
+                </a:ext>
+              </a:extLst>
+            </p:cNvPr>
+            <p:cNvSpPr txBox="1"/>
+            <p:nvPr/>
+          </p:nvSpPr>
+          <p:spPr>
+            <a:xfrm>
+              <a:off x="0" y="-38100"/>
+              <a:ext cx="308713" cy="1633897"/>
+            </a:xfrm>
+            <a:prstGeom prst="rect">
+              <a:avLst/>
+            </a:prstGeom>
+          </p:spPr>
+          <p:txBody>
+            <a:bodyPr lIns="50800" tIns="50800" rIns="50800" bIns="50800" rtlCol="0" anchor="ctr"/>
+            <a:lstStyle/>
+            <a:p>
+              <a:pPr algn="ctr">
+                <a:lnSpc>
+                  <a:spcPts val="2659"/>
+                </a:lnSpc>
+              </a:pPr>
+              <a:endParaRPr/>
+            </a:p>
+          </p:txBody>
+        </p:sp>
+      </p:grpSp>
+      <p:sp>
+        <p:nvSpPr>
+          <p:cNvPr id="18" name="TextBox 9">
+            <a:extLst>
+              <a:ext uri="{FF2B5EF4-FFF2-40B4-BE49-F238E27FC236}">
+                <a16:creationId xmlns:a16="http://schemas.microsoft.com/office/drawing/2014/main" id="{C8DEDB91-5EE7-E096-A2B1-E2AF04A1B78D}"/>
+              </a:ext>
+            </a:extLst>
+          </p:cNvPr>
+          <p:cNvSpPr txBox="1"/>
+          <p:nvPr/>
+        </p:nvSpPr>
+        <p:spPr>
+          <a:xfrm>
+            <a:off x="1848545" y="856965"/>
+            <a:ext cx="9060331" cy="897682"/>
+          </a:xfrm>
+          <a:prstGeom prst="rect">
+            <a:avLst/>
+          </a:prstGeom>
+        </p:spPr>
+        <p:txBody>
+          <a:bodyPr wrap="square" lIns="0" tIns="0" rIns="0" bIns="0" rtlCol="0" anchor="t">
+            <a:spAutoFit/>
+          </a:bodyPr>
+          <a:lstStyle/>
+          <a:p>
+            <a:pPr algn="l">
+              <a:lnSpc>
+                <a:spcPts val="7000"/>
+              </a:lnSpc>
+            </a:pPr>
+            <a:r>
+              <a:rPr lang="en-US" sz="6000" b="1" dirty="0">
+                <a:latin typeface="Constantia" panose="02030602050306030303" pitchFamily="18" charset="0"/>
+              </a:rPr>
+              <a:t>DHTML</a:t>
+            </a:r>
+            <a:endParaRPr lang="en-US" sz="5000" b="1" spc="-100" dirty="0">
+              <a:solidFill>
+                <a:srgbClr val="2E2E2E"/>
+              </a:solidFill>
+              <a:latin typeface="Constantia" panose="02030602050306030303" pitchFamily="18" charset="0"/>
+              <a:ea typeface="Lato Bold"/>
+              <a:cs typeface="Lato Bold"/>
+              <a:sym typeface="Lato Bold"/>
+            </a:endParaRPr>
+          </a:p>
+        </p:txBody>
+      </p:sp>
+      <p:sp>
+        <p:nvSpPr>
+          <p:cNvPr id="19" name="TextBox 10">
+            <a:extLst>
+              <a:ext uri="{FF2B5EF4-FFF2-40B4-BE49-F238E27FC236}">
+                <a16:creationId xmlns:a16="http://schemas.microsoft.com/office/drawing/2014/main" id="{9F684563-BCF3-1839-DCF0-1D9275F57FBD}"/>
+              </a:ext>
+            </a:extLst>
+          </p:cNvPr>
+          <p:cNvSpPr txBox="1"/>
+          <p:nvPr/>
+        </p:nvSpPr>
+        <p:spPr>
+          <a:xfrm>
+            <a:off x="1821331" y="2180291"/>
+            <a:ext cx="14325600" cy="4308872"/>
+          </a:xfrm>
+          <a:prstGeom prst="rect">
+            <a:avLst/>
+          </a:prstGeom>
+        </p:spPr>
+        <p:txBody>
+          <a:bodyPr wrap="square" lIns="0" tIns="0" rIns="0" bIns="0" rtlCol="0" anchor="t">
+            <a:spAutoFit/>
+          </a:bodyPr>
+          <a:lstStyle/>
+          <a:p>
+            <a:pPr marL="1028700" lvl="1" indent="-571500" algn="just">
+              <a:buFont typeface="Arial" panose="020B0604020202020204" pitchFamily="34" charset="0"/>
+              <a:buChar char="•"/>
+            </a:pPr>
+            <a:r>
+              <a:rPr lang="en-US" sz="4000" b="1" dirty="0">
+                <a:latin typeface="Constantia" panose="02030602050306030303" pitchFamily="18" charset="0"/>
+              </a:rPr>
+              <a:t>HTML</a:t>
+            </a:r>
+            <a:r>
+              <a:rPr lang="en-US" sz="4000" dirty="0">
+                <a:latin typeface="Constantia" panose="02030602050306030303" pitchFamily="18" charset="0"/>
+              </a:rPr>
+              <a:t> provides structure of web page.</a:t>
+            </a:r>
+          </a:p>
+          <a:p>
+            <a:pPr marL="1028700" lvl="1" indent="-571500" algn="just">
+              <a:buFont typeface="Arial" panose="020B0604020202020204" pitchFamily="34" charset="0"/>
+              <a:buChar char="•"/>
+            </a:pPr>
+            <a:r>
+              <a:rPr lang="en-US" sz="4000" b="1" dirty="0">
+                <a:latin typeface="Constantia" panose="02030602050306030303" pitchFamily="18" charset="0"/>
+              </a:rPr>
+              <a:t>CSS </a:t>
+            </a:r>
+            <a:r>
+              <a:rPr lang="en-US" sz="4000" dirty="0">
+                <a:latin typeface="Constantia" panose="02030602050306030303" pitchFamily="18" charset="0"/>
+              </a:rPr>
+              <a:t>define the visual style (colors, fonts, layout) of HTML elements.</a:t>
+            </a:r>
+          </a:p>
+          <a:p>
+            <a:pPr marL="1028700" lvl="1" indent="-571500" algn="just">
+              <a:buFont typeface="Arial" panose="020B0604020202020204" pitchFamily="34" charset="0"/>
+              <a:buChar char="•"/>
+            </a:pPr>
+            <a:r>
+              <a:rPr lang="en-US" sz="4000" b="1" dirty="0">
+                <a:latin typeface="Constantia" panose="02030602050306030303" pitchFamily="18" charset="0"/>
+              </a:rPr>
+              <a:t>JavaScript </a:t>
+            </a:r>
+            <a:r>
+              <a:rPr lang="en-US" sz="4000" dirty="0">
+                <a:latin typeface="Constantia" panose="02030602050306030303" pitchFamily="18" charset="0"/>
+              </a:rPr>
+              <a:t>Provides interactivity and dynamic behavior, such as changing content or handling events like clicks.</a:t>
+            </a:r>
+          </a:p>
+          <a:p>
+            <a:pPr marL="1028700" lvl="1" indent="-571500" algn="just">
+              <a:buFont typeface="Arial" panose="020B0604020202020204" pitchFamily="34" charset="0"/>
+              <a:buChar char="•"/>
+            </a:pPr>
+            <a:r>
+              <a:rPr lang="en-US" sz="4000" b="1" dirty="0">
+                <a:latin typeface="Constantia" panose="02030602050306030303" pitchFamily="18" charset="0"/>
+              </a:rPr>
+              <a:t>DOM</a:t>
+            </a:r>
+            <a:r>
+              <a:rPr lang="en-US" sz="4000" dirty="0">
+                <a:latin typeface="Constantia" panose="02030602050306030303" pitchFamily="18" charset="0"/>
+              </a:rPr>
+              <a:t> Allows JavaScript to manipulate HTML and CSS elements, modifying the page content dynamically.</a:t>
+            </a:r>
+          </a:p>
+        </p:txBody>
+      </p:sp>
+    </p:spTree>
+    <p:extLst>
+      <p:ext uri="{BB962C8B-B14F-4D97-AF65-F5344CB8AC3E}">
+        <p14:creationId xmlns:p14="http://schemas.microsoft.com/office/powerpoint/2010/main" val="1048134576"/>
+      </p:ext>
+    </p:extLst>
+  </p:cSld>
+  <p:clrMapOvr>
+    <a:masterClrMapping/>
+  </p:clrMapOvr>
+  <p:timing>
+    <p:tnLst>
+      <p:par>
+        <p:cTn id="1" dur="indefinite" restart="never" nodeType="tmRoot">
+          <p:childTnLst>
+            <p:seq concurrent="1" nextAc="seek">
+              <p:cTn id="2" dur="indefinite" nodeType="mainSeq">
+                <p:childTnLst>
+                  <p:par>
+                    <p:cTn id="3" fill="hold">
+                      <p:stCondLst>
+                        <p:cond delay="indefinite"/>
+                      </p:stCondLst>
+                      <p:childTnLst>
+                        <p:par>
+                          <p:cTn id="4" fill="hold">
+                            <p:stCondLst>
+                              <p:cond delay="0"/>
+                            </p:stCondLst>
+                            <p:childTnLst>
+                              <p:par>
+                                <p:cTn id="5" presetID="10" presetClass="entr" presetSubtype="0" fill="hold" nodeType="clickEffect">
+                                  <p:stCondLst>
+                                    <p:cond delay="0"/>
+                                  </p:stCondLst>
+                                  <p:childTnLst>
+                                    <p:set>
+                                      <p:cBhvr>
+                                        <p:cTn id="6" dur="1" fill="hold">
+                                          <p:stCondLst>
+                                            <p:cond delay="0"/>
+                                          </p:stCondLst>
+                                        </p:cTn>
+                                        <p:tgtEl>
+                                          <p:spTgt spid="19">
+                                            <p:txEl>
+                                              <p:pRg st="0" end="0"/>
+                                            </p:txEl>
+                                          </p:spTgt>
+                                        </p:tgtEl>
+                                        <p:attrNameLst>
+                                          <p:attrName>style.visibility</p:attrName>
+                                        </p:attrNameLst>
+                                      </p:cBhvr>
+                                      <p:to>
+                                        <p:strVal val="visible"/>
+                                      </p:to>
+                                    </p:set>
+                                    <p:animEffect transition="in" filter="fade">
+                                      <p:cBhvr>
+                                        <p:cTn id="7" dur="500"/>
+                                        <p:tgtEl>
+                                          <p:spTgt spid="19">
+                                            <p:txEl>
+                                              <p:pRg st="0" end="0"/>
+                                            </p:txEl>
+                                          </p:spTgt>
+                                        </p:tgtEl>
+                                      </p:cBhvr>
+                                    </p:animEffect>
+                                  </p:childTnLst>
+                                </p:cTn>
+                              </p:par>
+                            </p:childTnLst>
+                          </p:cTn>
+                        </p:par>
+                      </p:childTnLst>
+                    </p:cTn>
+                  </p:par>
+                  <p:par>
+                    <p:cTn id="8" fill="hold">
+                      <p:stCondLst>
+                        <p:cond delay="indefinite"/>
+                      </p:stCondLst>
+                      <p:childTnLst>
+                        <p:par>
+                          <p:cTn id="9" fill="hold">
+                            <p:stCondLst>
+                              <p:cond delay="0"/>
+                            </p:stCondLst>
+                            <p:childTnLst>
+                              <p:par>
+                                <p:cTn id="10" presetID="10" presetClass="entr" presetSubtype="0" fill="hold" nodeType="clickEffect">
+                                  <p:stCondLst>
+                                    <p:cond delay="0"/>
+                                  </p:stCondLst>
+                                  <p:childTnLst>
+                                    <p:set>
+                                      <p:cBhvr>
+                                        <p:cTn id="11" dur="1" fill="hold">
+                                          <p:stCondLst>
+                                            <p:cond delay="0"/>
+                                          </p:stCondLst>
+                                        </p:cTn>
+                                        <p:tgtEl>
+                                          <p:spTgt spid="19">
+                                            <p:txEl>
+                                              <p:pRg st="1" end="1"/>
+                                            </p:txEl>
+                                          </p:spTgt>
+                                        </p:tgtEl>
+                                        <p:attrNameLst>
+                                          <p:attrName>style.visibility</p:attrName>
+                                        </p:attrNameLst>
+                                      </p:cBhvr>
+                                      <p:to>
+                                        <p:strVal val="visible"/>
+                                      </p:to>
+                                    </p:set>
+                                    <p:animEffect transition="in" filter="fade">
+                                      <p:cBhvr>
+                                        <p:cTn id="12" dur="500"/>
+                                        <p:tgtEl>
+                                          <p:spTgt spid="19">
+                                            <p:txEl>
+                                              <p:pRg st="1" end="1"/>
+                                            </p:txEl>
+                                          </p:spTgt>
+                                        </p:tgtEl>
+                                      </p:cBhvr>
+                                    </p:animEffect>
+                                  </p:childTnLst>
+                                </p:cTn>
+                              </p:par>
+                            </p:childTnLst>
+                          </p:cTn>
+                        </p:par>
+                      </p:childTnLst>
+                    </p:cTn>
+                  </p:par>
+                  <p:par>
+                    <p:cTn id="13" fill="hold">
+                      <p:stCondLst>
+                        <p:cond delay="indefinite"/>
+                      </p:stCondLst>
+                      <p:childTnLst>
+                        <p:par>
+                          <p:cTn id="14" fill="hold">
+                            <p:stCondLst>
+                              <p:cond delay="0"/>
+                            </p:stCondLst>
+                            <p:childTnLst>
+                              <p:par>
+                                <p:cTn id="15" presetID="10" presetClass="entr" presetSubtype="0" fill="hold" nodeType="clickEffect">
+                                  <p:stCondLst>
+                                    <p:cond delay="0"/>
+                                  </p:stCondLst>
+                                  <p:childTnLst>
+                                    <p:set>
+                                      <p:cBhvr>
+                                        <p:cTn id="16" dur="1" fill="hold">
+                                          <p:stCondLst>
+                                            <p:cond delay="0"/>
+                                          </p:stCondLst>
+                                        </p:cTn>
+                                        <p:tgtEl>
+                                          <p:spTgt spid="19">
+                                            <p:txEl>
+                                              <p:pRg st="2" end="2"/>
+                                            </p:txEl>
+                                          </p:spTgt>
+                                        </p:tgtEl>
+                                        <p:attrNameLst>
+                                          <p:attrName>style.visibility</p:attrName>
+                                        </p:attrNameLst>
+                                      </p:cBhvr>
+                                      <p:to>
+                                        <p:strVal val="visible"/>
+                                      </p:to>
+                                    </p:set>
+                                    <p:animEffect transition="in" filter="fade">
+                                      <p:cBhvr>
+                                        <p:cTn id="17" dur="500"/>
+                                        <p:tgtEl>
+                                          <p:spTgt spid="19">
+                                            <p:txEl>
+                                              <p:pRg st="2" end="2"/>
+                                            </p:txEl>
+                                          </p:spTgt>
+                                        </p:tgtEl>
+                                      </p:cBhvr>
+                                    </p:animEffect>
+                                  </p:childTnLst>
+                                </p:cTn>
+                              </p:par>
+                            </p:childTnLst>
+                          </p:cTn>
+                        </p:par>
+                      </p:childTnLst>
+                    </p:cTn>
+                  </p:par>
+                  <p:par>
+                    <p:cTn id="18" fill="hold">
+                      <p:stCondLst>
+                        <p:cond delay="indefinite"/>
+                      </p:stCondLst>
+                      <p:childTnLst>
+                        <p:par>
+                          <p:cTn id="19" fill="hold">
+                            <p:stCondLst>
+                              <p:cond delay="0"/>
+                            </p:stCondLst>
+                            <p:childTnLst>
+                              <p:par>
+                                <p:cTn id="20" presetID="10" presetClass="entr" presetSubtype="0" fill="hold" nodeType="clickEffect">
+                                  <p:stCondLst>
+                                    <p:cond delay="0"/>
+                                  </p:stCondLst>
+                                  <p:childTnLst>
+                                    <p:set>
+                                      <p:cBhvr>
+                                        <p:cTn id="21" dur="1" fill="hold">
+                                          <p:stCondLst>
+                                            <p:cond delay="0"/>
+                                          </p:stCondLst>
+                                        </p:cTn>
+                                        <p:tgtEl>
+                                          <p:spTgt spid="19">
+                                            <p:txEl>
+                                              <p:pRg st="3" end="3"/>
+                                            </p:txEl>
+                                          </p:spTgt>
+                                        </p:tgtEl>
+                                        <p:attrNameLst>
+                                          <p:attrName>style.visibility</p:attrName>
+                                        </p:attrNameLst>
+                                      </p:cBhvr>
+                                      <p:to>
+                                        <p:strVal val="visible"/>
+                                      </p:to>
+                                    </p:set>
+                                    <p:animEffect transition="in" filter="fade">
+                                      <p:cBhvr>
+                                        <p:cTn id="22" dur="500"/>
+                                        <p:tgtEl>
+                                          <p:spTgt spid="19">
+                                            <p:txEl>
+                                              <p:pRg st="3" end="3"/>
+                                            </p:txEl>
+                                          </p:spTgt>
+                                        </p:tgtEl>
+                                      </p:cBhvr>
+                                    </p:animEffect>
+                                  </p:childTnLst>
+                                </p:cTn>
+                              </p:par>
+                            </p:childTnLst>
+                          </p:cTn>
+                        </p:par>
+                      </p:childTnLst>
+                    </p:cTn>
+                  </p:par>
+                </p:childTnLst>
+              </p:cTn>
+              <p:prevCondLst>
+                <p:cond evt="onPrev" delay="0">
+                  <p:tgtEl>
+                    <p:sldTgt/>
+                  </p:tgtEl>
+                </p:cond>
+              </p:prevCondLst>
+              <p:nextCondLst>
+                <p:cond evt="onNext" delay="0">
+                  <p:tgtEl>
+                    <p:sldTgt/>
+                  </p:tgtEl>
+                </p:cond>
+              </p:nextCondLst>
+            </p:seq>
+          </p:childTnLst>
+        </p:cTn>
+      </p:par>
+    </p:tnLst>
+  </p:timing>
+</p:sld>
+</file>
+
+<file path=ppt/slides/slide4.xml><?xml version="1.0" encoding="utf-8"?>
+<p:sld xmlns:a="http://schemas.openxmlformats.org/drawingml/2006/main" xmlns:r="http://schemas.openxmlformats.org/officeDocument/2006/relationships" xmlns:p="http://schemas.openxmlformats.org/presentationml/2006/main">
+  <p:cSld>
+    <p:spTree>
+      <p:nvGrpSpPr>
+        <p:cNvPr id="1" name="">
+          <a:extLst>
+            <a:ext uri="{FF2B5EF4-FFF2-40B4-BE49-F238E27FC236}">
+              <a16:creationId xmlns:a16="http://schemas.microsoft.com/office/drawing/2014/main" id="{BE3F4C9C-0E6C-76C4-E321-A1EA6DE747FA}"/>
+            </a:ext>
+          </a:extLst>
+        </p:cNvPr>
+        <p:cNvGrpSpPr/>
+        <p:nvPr/>
+      </p:nvGrpSpPr>
+      <p:grpSpPr>
+        <a:xfrm>
+          <a:off x="0" y="0"/>
+          <a:ext cx="0" cy="0"/>
+          <a:chOff x="0" y="0"/>
+          <a:chExt cx="0" cy="0"/>
+        </a:xfrm>
+      </p:grpSpPr>
+      <p:grpSp>
+        <p:nvGrpSpPr>
+          <p:cNvPr id="8" name="Group 2">
+            <a:extLst>
+              <a:ext uri="{FF2B5EF4-FFF2-40B4-BE49-F238E27FC236}">
+                <a16:creationId xmlns:a16="http://schemas.microsoft.com/office/drawing/2014/main" id="{B254AE43-491D-B486-91A6-8E985B3C8F9F}"/>
+              </a:ext>
+            </a:extLst>
+          </p:cNvPr>
+          <p:cNvGrpSpPr/>
+          <p:nvPr/>
+        </p:nvGrpSpPr>
+        <p:grpSpPr>
+          <a:xfrm>
+            <a:off x="0" y="0"/>
+            <a:ext cx="1447800" cy="3086100"/>
+            <a:chOff x="0" y="0"/>
+            <a:chExt cx="615562" cy="812800"/>
+          </a:xfrm>
+        </p:grpSpPr>
+        <p:sp>
+          <p:nvSpPr>
+            <p:cNvPr id="11" name="Freeform 3">
+              <a:extLst>
+                <a:ext uri="{FF2B5EF4-FFF2-40B4-BE49-F238E27FC236}">
+                  <a16:creationId xmlns:a16="http://schemas.microsoft.com/office/drawing/2014/main" id="{4C67C176-6112-E0E7-A5C4-DD0F446D11BE}"/>
+                </a:ext>
+              </a:extLst>
+            </p:cNvPr>
+            <p:cNvSpPr/>
+            <p:nvPr/>
+          </p:nvSpPr>
+          <p:spPr>
+            <a:xfrm>
+              <a:off x="0" y="0"/>
+              <a:ext cx="615562" cy="812800"/>
+            </a:xfrm>
+            <a:custGeom>
+              <a:avLst/>
+              <a:gdLst/>
+              <a:ahLst/>
+              <a:cxnLst/>
+              <a:rect l="l" t="t" r="r" b="b"/>
+              <a:pathLst>
+                <a:path w="615562" h="812800">
+                  <a:moveTo>
+                    <a:pt x="0" y="0"/>
+                  </a:moveTo>
+                  <a:lnTo>
+                    <a:pt x="615562" y="0"/>
+                  </a:lnTo>
+                  <a:lnTo>
+                    <a:pt x="615562" y="812800"/>
+                  </a:lnTo>
+                  <a:lnTo>
+                    <a:pt x="0" y="812800"/>
+                  </a:lnTo>
+                  <a:close/>
+                </a:path>
+              </a:pathLst>
+            </a:custGeom>
+            <a:solidFill>
+              <a:srgbClr val="F9ECB8"/>
+            </a:solidFill>
+          </p:spPr>
+        </p:sp>
+        <p:sp>
+          <p:nvSpPr>
+            <p:cNvPr id="14" name="TextBox 4">
+              <a:extLst>
+                <a:ext uri="{FF2B5EF4-FFF2-40B4-BE49-F238E27FC236}">
+                  <a16:creationId xmlns:a16="http://schemas.microsoft.com/office/drawing/2014/main" id="{0888502F-7B78-00B2-0714-97F843EF8B65}"/>
+                </a:ext>
+              </a:extLst>
+            </p:cNvPr>
+            <p:cNvSpPr txBox="1"/>
+            <p:nvPr/>
+          </p:nvSpPr>
+          <p:spPr>
+            <a:xfrm>
+              <a:off x="0" y="-38100"/>
+              <a:ext cx="615562" cy="850900"/>
+            </a:xfrm>
+            <a:prstGeom prst="rect">
+              <a:avLst/>
+            </a:prstGeom>
+          </p:spPr>
+          <p:txBody>
+            <a:bodyPr lIns="50800" tIns="50800" rIns="50800" bIns="50800" rtlCol="0" anchor="ctr"/>
+            <a:lstStyle/>
+            <a:p>
+              <a:pPr algn="ctr">
+                <a:lnSpc>
+                  <a:spcPts val="2659"/>
+                </a:lnSpc>
+              </a:pPr>
+              <a:endParaRPr/>
+            </a:p>
+          </p:txBody>
+        </p:sp>
+      </p:grpSp>
+      <p:grpSp>
+        <p:nvGrpSpPr>
+          <p:cNvPr id="15" name="Group 5">
+            <a:extLst>
+              <a:ext uri="{FF2B5EF4-FFF2-40B4-BE49-F238E27FC236}">
+                <a16:creationId xmlns:a16="http://schemas.microsoft.com/office/drawing/2014/main" id="{BB7C1AE5-E319-654E-363E-F8A318A2A04B}"/>
+              </a:ext>
+            </a:extLst>
+          </p:cNvPr>
+          <p:cNvGrpSpPr/>
+          <p:nvPr/>
+        </p:nvGrpSpPr>
+        <p:grpSpPr>
+          <a:xfrm>
+            <a:off x="17115856" y="6591300"/>
+            <a:ext cx="1172144" cy="3695700"/>
+            <a:chOff x="0" y="0"/>
+            <a:chExt cx="308713" cy="1595797"/>
+          </a:xfrm>
+        </p:grpSpPr>
+        <p:sp>
+          <p:nvSpPr>
+            <p:cNvPr id="16" name="Freeform 6">
+              <a:extLst>
+                <a:ext uri="{FF2B5EF4-FFF2-40B4-BE49-F238E27FC236}">
+                  <a16:creationId xmlns:a16="http://schemas.microsoft.com/office/drawing/2014/main" id="{DB71BCB9-B292-986F-DA10-CF5FA269186D}"/>
+                </a:ext>
+              </a:extLst>
+            </p:cNvPr>
+            <p:cNvSpPr/>
+            <p:nvPr/>
+          </p:nvSpPr>
+          <p:spPr>
+            <a:xfrm>
+              <a:off x="0" y="0"/>
+              <a:ext cx="308713" cy="1595797"/>
+            </a:xfrm>
+            <a:custGeom>
+              <a:avLst/>
+              <a:gdLst/>
+              <a:ahLst/>
+              <a:cxnLst/>
+              <a:rect l="l" t="t" r="r" b="b"/>
+              <a:pathLst>
+                <a:path w="308713" h="1595797">
+                  <a:moveTo>
+                    <a:pt x="0" y="0"/>
+                  </a:moveTo>
+                  <a:lnTo>
+                    <a:pt x="308713" y="0"/>
+                  </a:lnTo>
+                  <a:lnTo>
+                    <a:pt x="308713" y="1595797"/>
+                  </a:lnTo>
+                  <a:lnTo>
+                    <a:pt x="0" y="1595797"/>
+                  </a:lnTo>
+                  <a:close/>
+                </a:path>
+              </a:pathLst>
+            </a:custGeom>
+            <a:solidFill>
+              <a:srgbClr val="FFC2CA"/>
+            </a:solidFill>
+          </p:spPr>
+        </p:sp>
+        <p:sp>
+          <p:nvSpPr>
+            <p:cNvPr id="17" name="TextBox 7">
+              <a:extLst>
+                <a:ext uri="{FF2B5EF4-FFF2-40B4-BE49-F238E27FC236}">
+                  <a16:creationId xmlns:a16="http://schemas.microsoft.com/office/drawing/2014/main" id="{C0DF94DA-3268-019F-90AE-EA650F19258C}"/>
+                </a:ext>
+              </a:extLst>
+            </p:cNvPr>
+            <p:cNvSpPr txBox="1"/>
+            <p:nvPr/>
+          </p:nvSpPr>
+          <p:spPr>
+            <a:xfrm>
+              <a:off x="0" y="-38100"/>
+              <a:ext cx="308713" cy="1633897"/>
+            </a:xfrm>
+            <a:prstGeom prst="rect">
+              <a:avLst/>
+            </a:prstGeom>
+          </p:spPr>
+          <p:txBody>
+            <a:bodyPr lIns="50800" tIns="50800" rIns="50800" bIns="50800" rtlCol="0" anchor="ctr"/>
+            <a:lstStyle/>
+            <a:p>
+              <a:pPr algn="ctr">
+                <a:lnSpc>
+                  <a:spcPts val="2659"/>
+                </a:lnSpc>
+              </a:pPr>
+              <a:endParaRPr/>
+            </a:p>
+          </p:txBody>
+        </p:sp>
+      </p:grpSp>
+      <p:sp>
+        <p:nvSpPr>
+          <p:cNvPr id="18" name="TextBox 9">
+            <a:extLst>
+              <a:ext uri="{FF2B5EF4-FFF2-40B4-BE49-F238E27FC236}">
+                <a16:creationId xmlns:a16="http://schemas.microsoft.com/office/drawing/2014/main" id="{D84ED6D5-CA96-0991-FEBE-5206347B83D6}"/>
+              </a:ext>
+            </a:extLst>
+          </p:cNvPr>
+          <p:cNvSpPr txBox="1"/>
+          <p:nvPr/>
+        </p:nvSpPr>
+        <p:spPr>
+          <a:xfrm>
+            <a:off x="2217269" y="856965"/>
+            <a:ext cx="9060331" cy="897682"/>
+          </a:xfrm>
+          <a:prstGeom prst="rect">
+            <a:avLst/>
+          </a:prstGeom>
+        </p:spPr>
+        <p:txBody>
+          <a:bodyPr wrap="square" lIns="0" tIns="0" rIns="0" bIns="0" rtlCol="0" anchor="t">
+            <a:spAutoFit/>
+          </a:bodyPr>
+          <a:lstStyle/>
+          <a:p>
+            <a:pPr algn="l">
+              <a:lnSpc>
+                <a:spcPts val="7000"/>
+              </a:lnSpc>
+            </a:pPr>
+            <a:r>
+              <a:rPr lang="en-US" sz="6000" b="1" dirty="0">
+                <a:latin typeface="Constantia" panose="02030602050306030303" pitchFamily="18" charset="0"/>
+              </a:rPr>
+              <a:t>IN SHORT DHTML</a:t>
+            </a:r>
+            <a:endParaRPr lang="en-US" sz="5000" b="1" spc="-100" dirty="0">
+              <a:solidFill>
+                <a:srgbClr val="2E2E2E"/>
+              </a:solidFill>
+              <a:latin typeface="Constantia" panose="02030602050306030303" pitchFamily="18" charset="0"/>
+              <a:ea typeface="Lato Bold"/>
+              <a:cs typeface="Lato Bold"/>
+              <a:sym typeface="Lato Bold"/>
+            </a:endParaRPr>
+          </a:p>
+        </p:txBody>
+      </p:sp>
+      <p:sp>
+        <p:nvSpPr>
+          <p:cNvPr id="19" name="TextBox 10">
+            <a:extLst>
+              <a:ext uri="{FF2B5EF4-FFF2-40B4-BE49-F238E27FC236}">
+                <a16:creationId xmlns:a16="http://schemas.microsoft.com/office/drawing/2014/main" id="{5513630F-FBCC-07D7-468A-63AE8096A1F4}"/>
+              </a:ext>
+            </a:extLst>
+          </p:cNvPr>
+          <p:cNvSpPr txBox="1"/>
+          <p:nvPr/>
+        </p:nvSpPr>
+        <p:spPr>
+          <a:xfrm>
+            <a:off x="1821331" y="2180291"/>
+            <a:ext cx="14325600" cy="3077766"/>
+          </a:xfrm>
+          <a:prstGeom prst="rect">
+            <a:avLst/>
+          </a:prstGeom>
+        </p:spPr>
+        <p:txBody>
+          <a:bodyPr wrap="square" lIns="0" tIns="0" rIns="0" bIns="0" rtlCol="0" anchor="t">
+            <a:spAutoFit/>
+          </a:bodyPr>
+          <a:lstStyle/>
+          <a:p>
+            <a:pPr lvl="1" algn="just"/>
+            <a:r>
+              <a:rPr lang="en-US" sz="4000" dirty="0">
+                <a:latin typeface="Constantia" panose="02030602050306030303" pitchFamily="18" charset="0"/>
+              </a:rPr>
+              <a:t>DHTML has the ability to change a webpages look, content and style once the document has loaded on our demand without changing or deleting everything already existing on the browser’s webpage.</a:t>
+            </a:r>
+            <a:endParaRPr lang="en-US" sz="4000" b="1" dirty="0">
+              <a:latin typeface="Constantia" panose="02030602050306030303" pitchFamily="18" charset="0"/>
+            </a:endParaRPr>
+          </a:p>
+          <a:p>
+            <a:pPr lvl="1" algn="just"/>
+            <a:endParaRPr lang="en-US" sz="4000" dirty="0">
+              <a:latin typeface="Constantia" panose="02030602050306030303" pitchFamily="18" charset="0"/>
+            </a:endParaRPr>
+          </a:p>
+        </p:txBody>
+      </p:sp>
+    </p:spTree>
+    <p:extLst>
+      <p:ext uri="{BB962C8B-B14F-4D97-AF65-F5344CB8AC3E}">
+        <p14:creationId xmlns:p14="http://schemas.microsoft.com/office/powerpoint/2010/main" val="4169062373"/>
+      </p:ext>
+    </p:extLst>
+  </p:cSld>
+  <p:clrMapOvr>
+    <a:masterClrMapping/>
+  </p:clrMapOvr>
+  <p:timing>
+    <p:tnLst>
+      <p:par>
+        <p:cTn id="1" dur="indefinite" restart="never" nodeType="tmRoot">
+          <p:childTnLst>
+            <p:seq concurrent="1" nextAc="seek">
+              <p:cTn id="2" dur="indefinite" nodeType="mainSeq">
+                <p:childTnLst>
+                  <p:par>
+                    <p:cTn id="3" fill="hold">
+                      <p:stCondLst>
+                        <p:cond delay="indefinite"/>
+                      </p:stCondLst>
+                      <p:childTnLst>
+                        <p:par>
+                          <p:cTn id="4" fill="hold">
+                            <p:stCondLst>
+                              <p:cond delay="0"/>
+                            </p:stCondLst>
+                            <p:childTnLst>
+                              <p:par>
+                                <p:cTn id="5" presetID="10" presetClass="entr" presetSubtype="0" fill="hold" nodeType="clickEffect">
+                                  <p:stCondLst>
+                                    <p:cond delay="0"/>
+                                  </p:stCondLst>
+                                  <p:childTnLst>
+                                    <p:set>
+                                      <p:cBhvr>
+                                        <p:cTn id="6" dur="1" fill="hold">
+                                          <p:stCondLst>
+                                            <p:cond delay="0"/>
+                                          </p:stCondLst>
+                                        </p:cTn>
+                                        <p:tgtEl>
+                                          <p:spTgt spid="19">
+                                            <p:txEl>
+                                              <p:pRg st="0" end="0"/>
+                                            </p:txEl>
+                                          </p:spTgt>
+                                        </p:tgtEl>
+                                        <p:attrNameLst>
+                                          <p:attrName>style.visibility</p:attrName>
+                                        </p:attrNameLst>
+                                      </p:cBhvr>
+                                      <p:to>
+                                        <p:strVal val="visible"/>
+                                      </p:to>
+                                    </p:set>
+                                    <p:animEffect transition="in" filter="fade">
+                                      <p:cBhvr>
+                                        <p:cTn id="7" dur="500"/>
+                                        <p:tgtEl>
+                                          <p:spTgt spid="19">
+                                            <p:txEl>
+                                              <p:pRg st="0" end="0"/>
+                                            </p:txEl>
+                                          </p:spTgt>
+                                        </p:tgtEl>
+                                      </p:cBhvr>
+                                    </p:animEffect>
+                                  </p:childTnLst>
+                                </p:cTn>
+                              </p:par>
+                            </p:childTnLst>
+                          </p:cTn>
+                        </p:par>
+                      </p:childTnLst>
+                    </p:cTn>
+                  </p:par>
+                </p:childTnLst>
+              </p:cTn>
+              <p:prevCondLst>
+                <p:cond evt="onPrev" delay="0">
+                  <p:tgtEl>
+                    <p:sldTgt/>
+                  </p:tgtEl>
+                </p:cond>
+              </p:prevCondLst>
+              <p:nextCondLst>
+                <p:cond evt="onNext" delay="0">
+                  <p:tgtEl>
+                    <p:sldTgt/>
+                  </p:tgtEl>
+                </p:cond>
+              </p:nextCondLst>
+            </p:seq>
+          </p:childTnLst>
+        </p:cTn>
+      </p:par>
+    </p:tnLst>
+  </p:timing>
+</p:sld>
+</file>
+
+<file path=ppt/slides/slide5.xml><?xml version="1.0" encoding="utf-8"?>
+<p:sld xmlns:a="http://schemas.openxmlformats.org/drawingml/2006/main" xmlns:r="http://schemas.openxmlformats.org/officeDocument/2006/relationships" xmlns:p="http://schemas.openxmlformats.org/presentationml/2006/main">
+  <p:cSld>
+    <p:spTree>
+      <p:nvGrpSpPr>
+        <p:cNvPr id="1" name="">
+          <a:extLst>
+            <a:ext uri="{FF2B5EF4-FFF2-40B4-BE49-F238E27FC236}">
+              <a16:creationId xmlns:a16="http://schemas.microsoft.com/office/drawing/2014/main" id="{3B74B404-34F9-739D-08ED-A39B767AA330}"/>
+            </a:ext>
+          </a:extLst>
+        </p:cNvPr>
+        <p:cNvGrpSpPr/>
+        <p:nvPr/>
+      </p:nvGrpSpPr>
+      <p:grpSpPr>
+        <a:xfrm>
+          <a:off x="0" y="0"/>
+          <a:ext cx="0" cy="0"/>
+          <a:chOff x="0" y="0"/>
+          <a:chExt cx="0" cy="0"/>
+        </a:xfrm>
+      </p:grpSpPr>
+      <p:grpSp>
+        <p:nvGrpSpPr>
+          <p:cNvPr id="8" name="Group 2">
+            <a:extLst>
+              <a:ext uri="{FF2B5EF4-FFF2-40B4-BE49-F238E27FC236}">
+                <a16:creationId xmlns:a16="http://schemas.microsoft.com/office/drawing/2014/main" id="{07512475-4CDF-3A17-0737-7BBE4DB2F034}"/>
+              </a:ext>
+            </a:extLst>
+          </p:cNvPr>
+          <p:cNvGrpSpPr/>
+          <p:nvPr/>
+        </p:nvGrpSpPr>
+        <p:grpSpPr>
+          <a:xfrm>
+            <a:off x="0" y="0"/>
+            <a:ext cx="1447800" cy="3086100"/>
+            <a:chOff x="0" y="0"/>
+            <a:chExt cx="615562" cy="812800"/>
+          </a:xfrm>
+        </p:grpSpPr>
+        <p:sp>
+          <p:nvSpPr>
+            <p:cNvPr id="11" name="Freeform 3">
+              <a:extLst>
+                <a:ext uri="{FF2B5EF4-FFF2-40B4-BE49-F238E27FC236}">
+                  <a16:creationId xmlns:a16="http://schemas.microsoft.com/office/drawing/2014/main" id="{9FA833A6-CF8F-AEAD-5C3B-09BB95A2EE52}"/>
+                </a:ext>
+              </a:extLst>
+            </p:cNvPr>
+            <p:cNvSpPr/>
+            <p:nvPr/>
+          </p:nvSpPr>
+          <p:spPr>
+            <a:xfrm>
+              <a:off x="0" y="0"/>
+              <a:ext cx="615562" cy="812800"/>
+            </a:xfrm>
+            <a:custGeom>
+              <a:avLst/>
+              <a:gdLst/>
+              <a:ahLst/>
+              <a:cxnLst/>
+              <a:rect l="l" t="t" r="r" b="b"/>
+              <a:pathLst>
+                <a:path w="615562" h="812800">
+                  <a:moveTo>
+                    <a:pt x="0" y="0"/>
+                  </a:moveTo>
+                  <a:lnTo>
+                    <a:pt x="615562" y="0"/>
+                  </a:lnTo>
+                  <a:lnTo>
+                    <a:pt x="615562" y="812800"/>
+                  </a:lnTo>
+                  <a:lnTo>
+                    <a:pt x="0" y="812800"/>
+                  </a:lnTo>
+                  <a:close/>
+                </a:path>
+              </a:pathLst>
+            </a:custGeom>
+            <a:solidFill>
+              <a:srgbClr val="F9ECB8"/>
+            </a:solidFill>
+          </p:spPr>
+        </p:sp>
+        <p:sp>
+          <p:nvSpPr>
+            <p:cNvPr id="14" name="TextBox 4">
+              <a:extLst>
+                <a:ext uri="{FF2B5EF4-FFF2-40B4-BE49-F238E27FC236}">
+                  <a16:creationId xmlns:a16="http://schemas.microsoft.com/office/drawing/2014/main" id="{7066D02B-7D45-05B2-13DC-E407AEB612B8}"/>
+                </a:ext>
+              </a:extLst>
+            </p:cNvPr>
+            <p:cNvSpPr txBox="1"/>
+            <p:nvPr/>
+          </p:nvSpPr>
+          <p:spPr>
+            <a:xfrm>
+              <a:off x="0" y="-38100"/>
+              <a:ext cx="615562" cy="850900"/>
+            </a:xfrm>
+            <a:prstGeom prst="rect">
+              <a:avLst/>
+            </a:prstGeom>
+          </p:spPr>
+          <p:txBody>
+            <a:bodyPr lIns="50800" tIns="50800" rIns="50800" bIns="50800" rtlCol="0" anchor="ctr"/>
+            <a:lstStyle/>
+            <a:p>
+              <a:pPr algn="ctr">
+                <a:lnSpc>
+                  <a:spcPts val="2659"/>
+                </a:lnSpc>
+              </a:pPr>
+              <a:endParaRPr/>
+            </a:p>
+          </p:txBody>
+        </p:sp>
+      </p:grpSp>
+      <p:grpSp>
+        <p:nvGrpSpPr>
+          <p:cNvPr id="15" name="Group 5">
+            <a:extLst>
+              <a:ext uri="{FF2B5EF4-FFF2-40B4-BE49-F238E27FC236}">
+                <a16:creationId xmlns:a16="http://schemas.microsoft.com/office/drawing/2014/main" id="{8CCECCF5-DA8C-32A3-7720-56EE7C4D8207}"/>
+              </a:ext>
+            </a:extLst>
+          </p:cNvPr>
+          <p:cNvGrpSpPr/>
+          <p:nvPr/>
+        </p:nvGrpSpPr>
+        <p:grpSpPr>
+          <a:xfrm>
+            <a:off x="17115856" y="6591300"/>
+            <a:ext cx="1172144" cy="3695700"/>
+            <a:chOff x="0" y="0"/>
+            <a:chExt cx="308713" cy="1595797"/>
+          </a:xfrm>
+        </p:grpSpPr>
+        <p:sp>
+          <p:nvSpPr>
+            <p:cNvPr id="16" name="Freeform 6">
+              <a:extLst>
+                <a:ext uri="{FF2B5EF4-FFF2-40B4-BE49-F238E27FC236}">
+                  <a16:creationId xmlns:a16="http://schemas.microsoft.com/office/drawing/2014/main" id="{0BD93670-ADC0-66DA-067B-64908FC66B9F}"/>
+                </a:ext>
+              </a:extLst>
+            </p:cNvPr>
+            <p:cNvSpPr/>
+            <p:nvPr/>
+          </p:nvSpPr>
+          <p:spPr>
+            <a:xfrm>
+              <a:off x="0" y="0"/>
+              <a:ext cx="308713" cy="1595797"/>
+            </a:xfrm>
+            <a:custGeom>
+              <a:avLst/>
+              <a:gdLst/>
+              <a:ahLst/>
+              <a:cxnLst/>
+              <a:rect l="l" t="t" r="r" b="b"/>
+              <a:pathLst>
+                <a:path w="308713" h="1595797">
+                  <a:moveTo>
+                    <a:pt x="0" y="0"/>
+                  </a:moveTo>
+                  <a:lnTo>
+                    <a:pt x="308713" y="0"/>
+                  </a:lnTo>
+                  <a:lnTo>
+                    <a:pt x="308713" y="1595797"/>
+                  </a:lnTo>
+                  <a:lnTo>
+                    <a:pt x="0" y="1595797"/>
+                  </a:lnTo>
+                  <a:close/>
+                </a:path>
+              </a:pathLst>
+            </a:custGeom>
+            <a:solidFill>
+              <a:srgbClr val="FFC2CA"/>
+            </a:solidFill>
+          </p:spPr>
+        </p:sp>
+        <p:sp>
+          <p:nvSpPr>
+            <p:cNvPr id="17" name="TextBox 7">
+              <a:extLst>
+                <a:ext uri="{FF2B5EF4-FFF2-40B4-BE49-F238E27FC236}">
+                  <a16:creationId xmlns:a16="http://schemas.microsoft.com/office/drawing/2014/main" id="{BB73D594-45A2-2030-8CE3-906665E31DF9}"/>
+                </a:ext>
+              </a:extLst>
+            </p:cNvPr>
+            <p:cNvSpPr txBox="1"/>
+            <p:nvPr/>
+          </p:nvSpPr>
+          <p:spPr>
+            <a:xfrm>
+              <a:off x="0" y="-38100"/>
+              <a:ext cx="308713" cy="1633897"/>
+            </a:xfrm>
+            <a:prstGeom prst="rect">
+              <a:avLst/>
+            </a:prstGeom>
+          </p:spPr>
+          <p:txBody>
+            <a:bodyPr lIns="50800" tIns="50800" rIns="50800" bIns="50800" rtlCol="0" anchor="ctr"/>
+            <a:lstStyle/>
+            <a:p>
+              <a:pPr algn="ctr">
+                <a:lnSpc>
+                  <a:spcPts val="2659"/>
+                </a:lnSpc>
+              </a:pPr>
+              <a:endParaRPr/>
+            </a:p>
+          </p:txBody>
+        </p:sp>
+      </p:grpSp>
+      <p:sp>
+        <p:nvSpPr>
+          <p:cNvPr id="18" name="TextBox 9">
+            <a:extLst>
+              <a:ext uri="{FF2B5EF4-FFF2-40B4-BE49-F238E27FC236}">
+                <a16:creationId xmlns:a16="http://schemas.microsoft.com/office/drawing/2014/main" id="{AD5F6C9D-694D-1DAC-C0DC-EC89FC93AB74}"/>
+              </a:ext>
+            </a:extLst>
+          </p:cNvPr>
+          <p:cNvSpPr txBox="1"/>
+          <p:nvPr/>
+        </p:nvSpPr>
+        <p:spPr>
+          <a:xfrm>
+            <a:off x="2217269" y="856965"/>
+            <a:ext cx="9060331" cy="897682"/>
+          </a:xfrm>
+          <a:prstGeom prst="rect">
+            <a:avLst/>
+          </a:prstGeom>
+        </p:spPr>
+        <p:txBody>
+          <a:bodyPr wrap="square" lIns="0" tIns="0" rIns="0" bIns="0" rtlCol="0" anchor="t">
+            <a:spAutoFit/>
+          </a:bodyPr>
+          <a:lstStyle/>
+          <a:p>
+            <a:pPr algn="l">
+              <a:lnSpc>
+                <a:spcPts val="7000"/>
+              </a:lnSpc>
+            </a:pPr>
+            <a:r>
+              <a:rPr lang="en-US" sz="6000" b="1" dirty="0">
+                <a:latin typeface="Constantia" panose="02030602050306030303" pitchFamily="18" charset="0"/>
+              </a:rPr>
+              <a:t>JavaScript</a:t>
+            </a:r>
+            <a:endParaRPr lang="en-US" sz="5000" b="1" spc="-100" dirty="0">
+              <a:solidFill>
+                <a:srgbClr val="2E2E2E"/>
+              </a:solidFill>
+              <a:latin typeface="Constantia" panose="02030602050306030303" pitchFamily="18" charset="0"/>
+              <a:ea typeface="Lato Bold"/>
+              <a:cs typeface="Lato Bold"/>
+              <a:sym typeface="Lato Bold"/>
+            </a:endParaRPr>
+          </a:p>
+        </p:txBody>
+      </p:sp>
+      <p:sp>
+        <p:nvSpPr>
+          <p:cNvPr id="19" name="TextBox 10">
+            <a:extLst>
+              <a:ext uri="{FF2B5EF4-FFF2-40B4-BE49-F238E27FC236}">
+                <a16:creationId xmlns:a16="http://schemas.microsoft.com/office/drawing/2014/main" id="{59A9F902-CC50-A310-2E93-19924C2B0583}"/>
+              </a:ext>
+            </a:extLst>
+          </p:cNvPr>
+          <p:cNvSpPr txBox="1"/>
+          <p:nvPr/>
+        </p:nvSpPr>
+        <p:spPr>
+          <a:xfrm>
+            <a:off x="1821331" y="2180291"/>
+            <a:ext cx="14325600" cy="3693319"/>
+          </a:xfrm>
+          <a:prstGeom prst="rect">
+            <a:avLst/>
+          </a:prstGeom>
+        </p:spPr>
+        <p:txBody>
+          <a:bodyPr wrap="square" lIns="0" tIns="0" rIns="0" bIns="0" rtlCol="0" anchor="t">
+            <a:spAutoFit/>
+          </a:bodyPr>
+          <a:lstStyle/>
+          <a:p>
+            <a:pPr lvl="1" algn="just"/>
+            <a:r>
+              <a:rPr lang="en-US" sz="4000" dirty="0">
+                <a:latin typeface="Constantia" panose="02030602050306030303" pitchFamily="18" charset="0"/>
+              </a:rPr>
+              <a:t>JavaScript is a high-level, interpreted programming language that enables developers to add interactivity to websites.</a:t>
+            </a:r>
+          </a:p>
+          <a:p>
+            <a:pPr lvl="1" algn="just"/>
+            <a:endParaRPr lang="en-US" sz="4000" dirty="0">
+              <a:latin typeface="Constantia" panose="02030602050306030303" pitchFamily="18" charset="0"/>
+            </a:endParaRPr>
+          </a:p>
+          <a:p>
+            <a:pPr lvl="1" algn="just"/>
+            <a:r>
+              <a:rPr lang="en-US" sz="4000" dirty="0">
+                <a:latin typeface="Constantia" panose="02030602050306030303" pitchFamily="18" charset="0"/>
+              </a:rPr>
+              <a:t>JavaScript is essential for web development, enabling features like form validation, interactive maps, animations, and dynamic content updates.</a:t>
+            </a:r>
+          </a:p>
+        </p:txBody>
+      </p:sp>
+    </p:spTree>
+    <p:extLst>
+      <p:ext uri="{BB962C8B-B14F-4D97-AF65-F5344CB8AC3E}">
+        <p14:creationId xmlns:p14="http://schemas.microsoft.com/office/powerpoint/2010/main" val="2597016470"/>
       </p:ext>
     </p:extLst>
   </p:cSld>
@@ -4769,6 +7100,564 @@
                       </p:childTnLst>
                     </p:cTn>
                   </p:par>
+                </p:childTnLst>
+              </p:cTn>
+              <p:prevCondLst>
+                <p:cond evt="onPrev" delay="0">
+                  <p:tgtEl>
+                    <p:sldTgt/>
+                  </p:tgtEl>
+                </p:cond>
+              </p:prevCondLst>
+              <p:nextCondLst>
+                <p:cond evt="onNext" delay="0">
+                  <p:tgtEl>
+                    <p:sldTgt/>
+                  </p:tgtEl>
+                </p:cond>
+              </p:nextCondLst>
+            </p:seq>
+          </p:childTnLst>
+        </p:cTn>
+      </p:par>
+    </p:tnLst>
+  </p:timing>
+</p:sld>
+</file>
+
+<file path=ppt/slides/slide6.xml><?xml version="1.0" encoding="utf-8"?>
+<p:sld xmlns:a="http://schemas.openxmlformats.org/drawingml/2006/main" xmlns:r="http://schemas.openxmlformats.org/officeDocument/2006/relationships" xmlns:p="http://schemas.openxmlformats.org/presentationml/2006/main">
+  <p:cSld>
+    <p:spTree>
+      <p:nvGrpSpPr>
+        <p:cNvPr id="1" name="">
+          <a:extLst>
+            <a:ext uri="{FF2B5EF4-FFF2-40B4-BE49-F238E27FC236}">
+              <a16:creationId xmlns:a16="http://schemas.microsoft.com/office/drawing/2014/main" id="{54C71D12-4070-B5C3-AB67-7EE1CA8E58C5}"/>
+            </a:ext>
+          </a:extLst>
+        </p:cNvPr>
+        <p:cNvGrpSpPr/>
+        <p:nvPr/>
+      </p:nvGrpSpPr>
+      <p:grpSpPr>
+        <a:xfrm>
+          <a:off x="0" y="0"/>
+          <a:ext cx="0" cy="0"/>
+          <a:chOff x="0" y="0"/>
+          <a:chExt cx="0" cy="0"/>
+        </a:xfrm>
+      </p:grpSpPr>
+      <p:grpSp>
+        <p:nvGrpSpPr>
+          <p:cNvPr id="8" name="Group 2">
+            <a:extLst>
+              <a:ext uri="{FF2B5EF4-FFF2-40B4-BE49-F238E27FC236}">
+                <a16:creationId xmlns:a16="http://schemas.microsoft.com/office/drawing/2014/main" id="{1A16FCC5-EC45-C6B6-DC33-CB8869F6B3D0}"/>
+              </a:ext>
+            </a:extLst>
+          </p:cNvPr>
+          <p:cNvGrpSpPr/>
+          <p:nvPr/>
+        </p:nvGrpSpPr>
+        <p:grpSpPr>
+          <a:xfrm>
+            <a:off x="0" y="0"/>
+            <a:ext cx="1447800" cy="3086100"/>
+            <a:chOff x="0" y="0"/>
+            <a:chExt cx="615562" cy="812800"/>
+          </a:xfrm>
+        </p:grpSpPr>
+        <p:sp>
+          <p:nvSpPr>
+            <p:cNvPr id="11" name="Freeform 3">
+              <a:extLst>
+                <a:ext uri="{FF2B5EF4-FFF2-40B4-BE49-F238E27FC236}">
+                  <a16:creationId xmlns:a16="http://schemas.microsoft.com/office/drawing/2014/main" id="{77F98D97-1E6B-3454-90E5-DA59775D2198}"/>
+                </a:ext>
+              </a:extLst>
+            </p:cNvPr>
+            <p:cNvSpPr/>
+            <p:nvPr/>
+          </p:nvSpPr>
+          <p:spPr>
+            <a:xfrm>
+              <a:off x="0" y="0"/>
+              <a:ext cx="615562" cy="812800"/>
+            </a:xfrm>
+            <a:custGeom>
+              <a:avLst/>
+              <a:gdLst/>
+              <a:ahLst/>
+              <a:cxnLst/>
+              <a:rect l="l" t="t" r="r" b="b"/>
+              <a:pathLst>
+                <a:path w="615562" h="812800">
+                  <a:moveTo>
+                    <a:pt x="0" y="0"/>
+                  </a:moveTo>
+                  <a:lnTo>
+                    <a:pt x="615562" y="0"/>
+                  </a:lnTo>
+                  <a:lnTo>
+                    <a:pt x="615562" y="812800"/>
+                  </a:lnTo>
+                  <a:lnTo>
+                    <a:pt x="0" y="812800"/>
+                  </a:lnTo>
+                  <a:close/>
+                </a:path>
+              </a:pathLst>
+            </a:custGeom>
+            <a:solidFill>
+              <a:srgbClr val="F9ECB8"/>
+            </a:solidFill>
+          </p:spPr>
+        </p:sp>
+        <p:sp>
+          <p:nvSpPr>
+            <p:cNvPr id="14" name="TextBox 4">
+              <a:extLst>
+                <a:ext uri="{FF2B5EF4-FFF2-40B4-BE49-F238E27FC236}">
+                  <a16:creationId xmlns:a16="http://schemas.microsoft.com/office/drawing/2014/main" id="{3026FB99-8E66-CA8B-5105-F2C0776F02E0}"/>
+                </a:ext>
+              </a:extLst>
+            </p:cNvPr>
+            <p:cNvSpPr txBox="1"/>
+            <p:nvPr/>
+          </p:nvSpPr>
+          <p:spPr>
+            <a:xfrm>
+              <a:off x="0" y="-38100"/>
+              <a:ext cx="615562" cy="850900"/>
+            </a:xfrm>
+            <a:prstGeom prst="rect">
+              <a:avLst/>
+            </a:prstGeom>
+          </p:spPr>
+          <p:txBody>
+            <a:bodyPr lIns="50800" tIns="50800" rIns="50800" bIns="50800" rtlCol="0" anchor="ctr"/>
+            <a:lstStyle/>
+            <a:p>
+              <a:pPr algn="ctr">
+                <a:lnSpc>
+                  <a:spcPts val="2659"/>
+                </a:lnSpc>
+              </a:pPr>
+              <a:endParaRPr/>
+            </a:p>
+          </p:txBody>
+        </p:sp>
+      </p:grpSp>
+      <p:grpSp>
+        <p:nvGrpSpPr>
+          <p:cNvPr id="15" name="Group 5">
+            <a:extLst>
+              <a:ext uri="{FF2B5EF4-FFF2-40B4-BE49-F238E27FC236}">
+                <a16:creationId xmlns:a16="http://schemas.microsoft.com/office/drawing/2014/main" id="{D5874140-7033-A859-B974-DE52B6AF2E2B}"/>
+              </a:ext>
+            </a:extLst>
+          </p:cNvPr>
+          <p:cNvGrpSpPr/>
+          <p:nvPr/>
+        </p:nvGrpSpPr>
+        <p:grpSpPr>
+          <a:xfrm>
+            <a:off x="17115856" y="6591300"/>
+            <a:ext cx="1172144" cy="3695700"/>
+            <a:chOff x="0" y="0"/>
+            <a:chExt cx="308713" cy="1595797"/>
+          </a:xfrm>
+        </p:grpSpPr>
+        <p:sp>
+          <p:nvSpPr>
+            <p:cNvPr id="16" name="Freeform 6">
+              <a:extLst>
+                <a:ext uri="{FF2B5EF4-FFF2-40B4-BE49-F238E27FC236}">
+                  <a16:creationId xmlns:a16="http://schemas.microsoft.com/office/drawing/2014/main" id="{E6551940-4089-F274-189F-BF693371909D}"/>
+                </a:ext>
+              </a:extLst>
+            </p:cNvPr>
+            <p:cNvSpPr/>
+            <p:nvPr/>
+          </p:nvSpPr>
+          <p:spPr>
+            <a:xfrm>
+              <a:off x="0" y="0"/>
+              <a:ext cx="308713" cy="1595797"/>
+            </a:xfrm>
+            <a:custGeom>
+              <a:avLst/>
+              <a:gdLst/>
+              <a:ahLst/>
+              <a:cxnLst/>
+              <a:rect l="l" t="t" r="r" b="b"/>
+              <a:pathLst>
+                <a:path w="308713" h="1595797">
+                  <a:moveTo>
+                    <a:pt x="0" y="0"/>
+                  </a:moveTo>
+                  <a:lnTo>
+                    <a:pt x="308713" y="0"/>
+                  </a:lnTo>
+                  <a:lnTo>
+                    <a:pt x="308713" y="1595797"/>
+                  </a:lnTo>
+                  <a:lnTo>
+                    <a:pt x="0" y="1595797"/>
+                  </a:lnTo>
+                  <a:close/>
+                </a:path>
+              </a:pathLst>
+            </a:custGeom>
+            <a:solidFill>
+              <a:srgbClr val="FFC2CA"/>
+            </a:solidFill>
+          </p:spPr>
+        </p:sp>
+        <p:sp>
+          <p:nvSpPr>
+            <p:cNvPr id="17" name="TextBox 7">
+              <a:extLst>
+                <a:ext uri="{FF2B5EF4-FFF2-40B4-BE49-F238E27FC236}">
+                  <a16:creationId xmlns:a16="http://schemas.microsoft.com/office/drawing/2014/main" id="{C7ED15BF-29DD-6806-52A3-A80EF91F9AEB}"/>
+                </a:ext>
+              </a:extLst>
+            </p:cNvPr>
+            <p:cNvSpPr txBox="1"/>
+            <p:nvPr/>
+          </p:nvSpPr>
+          <p:spPr>
+            <a:xfrm>
+              <a:off x="0" y="-38100"/>
+              <a:ext cx="308713" cy="1633897"/>
+            </a:xfrm>
+            <a:prstGeom prst="rect">
+              <a:avLst/>
+            </a:prstGeom>
+          </p:spPr>
+          <p:txBody>
+            <a:bodyPr lIns="50800" tIns="50800" rIns="50800" bIns="50800" rtlCol="0" anchor="ctr"/>
+            <a:lstStyle/>
+            <a:p>
+              <a:pPr algn="ctr">
+                <a:lnSpc>
+                  <a:spcPts val="2659"/>
+                </a:lnSpc>
+              </a:pPr>
+              <a:endParaRPr/>
+            </a:p>
+          </p:txBody>
+        </p:sp>
+      </p:grpSp>
+      <p:sp>
+        <p:nvSpPr>
+          <p:cNvPr id="18" name="TextBox 9">
+            <a:extLst>
+              <a:ext uri="{FF2B5EF4-FFF2-40B4-BE49-F238E27FC236}">
+                <a16:creationId xmlns:a16="http://schemas.microsoft.com/office/drawing/2014/main" id="{DD3EA05F-19AC-56AC-4F9B-36C05333C331}"/>
+              </a:ext>
+            </a:extLst>
+          </p:cNvPr>
+          <p:cNvSpPr txBox="1"/>
+          <p:nvPr/>
+        </p:nvSpPr>
+        <p:spPr>
+          <a:xfrm>
+            <a:off x="2217269" y="856965"/>
+            <a:ext cx="9060331" cy="897682"/>
+          </a:xfrm>
+          <a:prstGeom prst="rect">
+            <a:avLst/>
+          </a:prstGeom>
+        </p:spPr>
+        <p:txBody>
+          <a:bodyPr wrap="square" lIns="0" tIns="0" rIns="0" bIns="0" rtlCol="0" anchor="t">
+            <a:spAutoFit/>
+          </a:bodyPr>
+          <a:lstStyle/>
+          <a:p>
+            <a:pPr algn="l">
+              <a:lnSpc>
+                <a:spcPts val="7000"/>
+              </a:lnSpc>
+            </a:pPr>
+            <a:r>
+              <a:rPr lang="en-US" sz="6000" b="1" dirty="0">
+                <a:latin typeface="Constantia" panose="02030602050306030303" pitchFamily="18" charset="0"/>
+              </a:rPr>
+              <a:t>JavaScript Basics</a:t>
+            </a:r>
+            <a:endParaRPr lang="en-US" sz="5000" b="1" spc="-100" dirty="0">
+              <a:solidFill>
+                <a:srgbClr val="2E2E2E"/>
+              </a:solidFill>
+              <a:latin typeface="Constantia" panose="02030602050306030303" pitchFamily="18" charset="0"/>
+              <a:ea typeface="Lato Bold"/>
+              <a:cs typeface="Lato Bold"/>
+              <a:sym typeface="Lato Bold"/>
+            </a:endParaRPr>
+          </a:p>
+        </p:txBody>
+      </p:sp>
+      <p:sp>
+        <p:nvSpPr>
+          <p:cNvPr id="19" name="TextBox 10">
+            <a:extLst>
+              <a:ext uri="{FF2B5EF4-FFF2-40B4-BE49-F238E27FC236}">
+                <a16:creationId xmlns:a16="http://schemas.microsoft.com/office/drawing/2014/main" id="{5DE25158-4417-200C-D914-9DB0EC648215}"/>
+              </a:ext>
+            </a:extLst>
+          </p:cNvPr>
+          <p:cNvSpPr txBox="1"/>
+          <p:nvPr/>
+        </p:nvSpPr>
+        <p:spPr>
+          <a:xfrm>
+            <a:off x="1821331" y="2180291"/>
+            <a:ext cx="14325600" cy="6155531"/>
+          </a:xfrm>
+          <a:prstGeom prst="rect">
+            <a:avLst/>
+          </a:prstGeom>
+        </p:spPr>
+        <p:txBody>
+          <a:bodyPr wrap="square" lIns="0" tIns="0" rIns="0" bIns="0" rtlCol="0" anchor="t">
+            <a:spAutoFit/>
+          </a:bodyPr>
+          <a:lstStyle/>
+          <a:p>
+            <a:pPr lvl="1" algn="just"/>
+            <a:r>
+              <a:rPr lang="en-US" sz="4000" b="1" dirty="0">
+                <a:latin typeface="Constantia" panose="02030602050306030303" pitchFamily="18" charset="0"/>
+              </a:rPr>
+              <a:t>Var:</a:t>
+            </a:r>
+            <a:r>
+              <a:rPr lang="en-US" sz="4000" dirty="0">
+                <a:latin typeface="Constantia" panose="02030602050306030303" pitchFamily="18" charset="0"/>
+              </a:rPr>
+              <a:t> The traditional way to declare a variable.</a:t>
+            </a:r>
+          </a:p>
+          <a:p>
+            <a:pPr lvl="1" algn="just"/>
+            <a:r>
+              <a:rPr lang="en-US" sz="4000" dirty="0">
+                <a:latin typeface="Constantia" panose="02030602050306030303" pitchFamily="18" charset="0"/>
+              </a:rPr>
+              <a:t>	Can be re-assigned and re-declared in the same scope.</a:t>
+            </a:r>
+          </a:p>
+          <a:p>
+            <a:pPr lvl="1" algn="just"/>
+            <a:endParaRPr lang="en-US" sz="4000" b="1" dirty="0">
+              <a:latin typeface="Constantia" panose="02030602050306030303" pitchFamily="18" charset="0"/>
+            </a:endParaRPr>
+          </a:p>
+          <a:p>
+            <a:pPr lvl="1" algn="just"/>
+            <a:r>
+              <a:rPr lang="en-US" sz="4000" b="1" dirty="0">
+                <a:latin typeface="Constantia" panose="02030602050306030303" pitchFamily="18" charset="0"/>
+              </a:rPr>
+              <a:t>Let: </a:t>
+            </a:r>
+            <a:r>
+              <a:rPr lang="en-US" sz="4000" dirty="0">
+                <a:latin typeface="Constantia" panose="02030602050306030303" pitchFamily="18" charset="0"/>
+              </a:rPr>
+              <a:t>A modern way to declare variables </a:t>
+            </a:r>
+          </a:p>
+          <a:p>
+            <a:pPr lvl="1" algn="just"/>
+            <a:r>
+              <a:rPr lang="en-US" sz="4000" dirty="0">
+                <a:latin typeface="Constantia" panose="02030602050306030303" pitchFamily="18" charset="0"/>
+              </a:rPr>
+              <a:t>	It is only accessible within the block. Cannot be redeclared but can be re-assigned.</a:t>
+            </a:r>
+          </a:p>
+          <a:p>
+            <a:pPr lvl="1" algn="just"/>
+            <a:endParaRPr lang="en-US" sz="4000" dirty="0">
+              <a:latin typeface="Constantia" panose="02030602050306030303" pitchFamily="18" charset="0"/>
+            </a:endParaRPr>
+          </a:p>
+          <a:p>
+            <a:pPr lvl="1" algn="just"/>
+            <a:r>
+              <a:rPr lang="en-US" sz="4000" b="1" dirty="0">
+                <a:latin typeface="Constantia" panose="02030602050306030303" pitchFamily="18" charset="0"/>
+              </a:rPr>
+              <a:t>Const: </a:t>
+            </a:r>
+            <a:r>
+              <a:rPr lang="en-US" sz="4000" dirty="0">
+                <a:latin typeface="Constantia" panose="02030602050306030303" pitchFamily="18" charset="0"/>
+              </a:rPr>
+              <a:t>If assigned to an object or array, the properties of the object or elements of the array can be modified.</a:t>
+            </a:r>
+            <a:endParaRPr lang="en-US" sz="4000" b="1" dirty="0">
+              <a:latin typeface="Constantia" panose="02030602050306030303" pitchFamily="18" charset="0"/>
+            </a:endParaRPr>
+          </a:p>
+          <a:p>
+            <a:pPr lvl="1" algn="just"/>
+            <a:r>
+              <a:rPr lang="en-US" sz="4000" dirty="0">
+                <a:latin typeface="Constantia" panose="02030602050306030303" pitchFamily="18" charset="0"/>
+              </a:rPr>
+              <a:t>Cannot be re-assigned or re-declared.</a:t>
+            </a:r>
+            <a:endParaRPr lang="en-US" sz="4000" b="1" dirty="0">
+              <a:latin typeface="Constantia" panose="02030602050306030303" pitchFamily="18" charset="0"/>
+            </a:endParaRPr>
+          </a:p>
+        </p:txBody>
+      </p:sp>
+    </p:spTree>
+    <p:extLst>
+      <p:ext uri="{BB962C8B-B14F-4D97-AF65-F5344CB8AC3E}">
+        <p14:creationId xmlns:p14="http://schemas.microsoft.com/office/powerpoint/2010/main" val="2454703070"/>
+      </p:ext>
+    </p:extLst>
+  </p:cSld>
+  <p:clrMapOvr>
+    <a:masterClrMapping/>
+  </p:clrMapOvr>
+  <p:timing>
+    <p:tnLst>
+      <p:par>
+        <p:cTn id="1" dur="indefinite" restart="never" nodeType="tmRoot">
+          <p:childTnLst>
+            <p:seq concurrent="1" nextAc="seek">
+              <p:cTn id="2" dur="indefinite" nodeType="mainSeq">
+                <p:childTnLst>
+                  <p:par>
+                    <p:cTn id="3" fill="hold">
+                      <p:stCondLst>
+                        <p:cond delay="indefinite"/>
+                      </p:stCondLst>
+                      <p:childTnLst>
+                        <p:par>
+                          <p:cTn id="4" fill="hold">
+                            <p:stCondLst>
+                              <p:cond delay="0"/>
+                            </p:stCondLst>
+                            <p:childTnLst>
+                              <p:par>
+                                <p:cTn id="5" presetID="10" presetClass="entr" presetSubtype="0" fill="hold" nodeType="clickEffect">
+                                  <p:stCondLst>
+                                    <p:cond delay="0"/>
+                                  </p:stCondLst>
+                                  <p:childTnLst>
+                                    <p:set>
+                                      <p:cBhvr>
+                                        <p:cTn id="6" dur="1" fill="hold">
+                                          <p:stCondLst>
+                                            <p:cond delay="0"/>
+                                          </p:stCondLst>
+                                        </p:cTn>
+                                        <p:tgtEl>
+                                          <p:spTgt spid="19">
+                                            <p:txEl>
+                                              <p:pRg st="0" end="0"/>
+                                            </p:txEl>
+                                          </p:spTgt>
+                                        </p:tgtEl>
+                                        <p:attrNameLst>
+                                          <p:attrName>style.visibility</p:attrName>
+                                        </p:attrNameLst>
+                                      </p:cBhvr>
+                                      <p:to>
+                                        <p:strVal val="visible"/>
+                                      </p:to>
+                                    </p:set>
+                                    <p:animEffect transition="in" filter="fade">
+                                      <p:cBhvr>
+                                        <p:cTn id="7" dur="500"/>
+                                        <p:tgtEl>
+                                          <p:spTgt spid="19">
+                                            <p:txEl>
+                                              <p:pRg st="0" end="0"/>
+                                            </p:txEl>
+                                          </p:spTgt>
+                                        </p:tgtEl>
+                                      </p:cBhvr>
+                                    </p:animEffect>
+                                  </p:childTnLst>
+                                </p:cTn>
+                              </p:par>
+                            </p:childTnLst>
+                          </p:cTn>
+                        </p:par>
+                      </p:childTnLst>
+                    </p:cTn>
+                  </p:par>
+                  <p:par>
+                    <p:cTn id="8" fill="hold">
+                      <p:stCondLst>
+                        <p:cond delay="indefinite"/>
+                      </p:stCondLst>
+                      <p:childTnLst>
+                        <p:par>
+                          <p:cTn id="9" fill="hold">
+                            <p:stCondLst>
+                              <p:cond delay="0"/>
+                            </p:stCondLst>
+                            <p:childTnLst>
+                              <p:par>
+                                <p:cTn id="10" presetID="10" presetClass="entr" presetSubtype="0" fill="hold" nodeType="clickEffect">
+                                  <p:stCondLst>
+                                    <p:cond delay="0"/>
+                                  </p:stCondLst>
+                                  <p:childTnLst>
+                                    <p:set>
+                                      <p:cBhvr>
+                                        <p:cTn id="11" dur="1" fill="hold">
+                                          <p:stCondLst>
+                                            <p:cond delay="0"/>
+                                          </p:stCondLst>
+                                        </p:cTn>
+                                        <p:tgtEl>
+                                          <p:spTgt spid="19">
+                                            <p:txEl>
+                                              <p:pRg st="1" end="1"/>
+                                            </p:txEl>
+                                          </p:spTgt>
+                                        </p:tgtEl>
+                                        <p:attrNameLst>
+                                          <p:attrName>style.visibility</p:attrName>
+                                        </p:attrNameLst>
+                                      </p:cBhvr>
+                                      <p:to>
+                                        <p:strVal val="visible"/>
+                                      </p:to>
+                                    </p:set>
+                                    <p:animEffect transition="in" filter="fade">
+                                      <p:cBhvr>
+                                        <p:cTn id="12" dur="500"/>
+                                        <p:tgtEl>
+                                          <p:spTgt spid="19">
+                                            <p:txEl>
+                                              <p:pRg st="1" end="1"/>
+                                            </p:txEl>
+                                          </p:spTgt>
+                                        </p:tgtEl>
+                                      </p:cBhvr>
+                                    </p:animEffect>
+                                  </p:childTnLst>
+                                </p:cTn>
+                              </p:par>
+                            </p:childTnLst>
+                          </p:cTn>
+                        </p:par>
+                      </p:childTnLst>
+                    </p:cTn>
+                  </p:par>
                   <p:par>
                     <p:cTn id="13" fill="hold">
                       <p:stCondLst>
@@ -4797,7 +7686,7 @@
                                         <p:tgtEl>
                                           <p:spTgt spid="19">
                                             <p:txEl>
-                                              <p:pRg st="4" end="4"/>
+                                              <p:pRg st="3" end="3"/>
                                             </p:txEl>
                                           </p:spTgt>
                                         </p:tgtEl>
@@ -4815,7 +7704,7 @@
                                         <p:tgtEl>
                                           <p:spTgt spid="19">
                                             <p:txEl>
-                                              <p:pRg st="4" end="4"/>
+                                              <p:pRg st="3" end="3"/>
                                             </p:txEl>
                                           </p:spTgt>
                                         </p:tgtEl>
@@ -4858,7 +7747,7 @@
                                         <p:tgtEl>
                                           <p:spTgt spid="19">
                                             <p:txEl>
-                                              <p:pRg st="7" end="7"/>
+                                              <p:pRg st="4" end="4"/>
                                             </p:txEl>
                                           </p:spTgt>
                                         </p:tgtEl>
@@ -4876,7 +7765,7 @@
                                         <p:tgtEl>
                                           <p:spTgt spid="19">
                                             <p:txEl>
-                                              <p:pRg st="7" end="7"/>
+                                              <p:pRg st="4" end="4"/>
                                             </p:txEl>
                                           </p:spTgt>
                                         </p:tgtEl>
@@ -4919,7 +7808,7 @@
                                         <p:tgtEl>
                                           <p:spTgt spid="19">
                                             <p:txEl>
-                                              <p:pRg st="8" end="8"/>
+                                              <p:pRg st="6" end="6"/>
                                             </p:txEl>
                                           </p:spTgt>
                                         </p:tgtEl>
@@ -4937,7 +7826,68 @@
                                         <p:tgtEl>
                                           <p:spTgt spid="19">
                                             <p:txEl>
-                                              <p:pRg st="8" end="8"/>
+                                              <p:pRg st="6" end="6"/>
+                                            </p:txEl>
+                                          </p:spTgt>
+                                        </p:tgtEl>
+                                      </p:cBhvr>
+                                    </p:animEffect>
+                                  </p:childTnLst>
+                                </p:cTn>
+                              </p:par>
+                            </p:childTnLst>
+                          </p:cTn>
+                        </p:par>
+                      </p:childTnLst>
+                    </p:cTn>
+                  </p:par>
+                  <p:par>
+                    <p:cTn id="28" fill="hold">
+                      <p:stCondLst>
+                        <p:cond delay="indefinite"/>
+                      </p:stCondLst>
+                      <p:childTnLst>
+                        <p:par>
+                          <p:cTn id="29" fill="hold">
+                            <p:stCondLst>
+                              <p:cond delay="0"/>
+                            </p:stCondLst>
+                            <p:childTnLst>
+                              <p:par>
+                                <p:cTn id="30" presetID="10" presetClass="entr" presetSubtype="0" fill="hold" nodeType="clickEffect">
+                                  <p:stCondLst>
+                                    <p:cond delay="0"/>
+                                  </p:stCondLst>
+                                  <p:childTnLst>
+                                    <p:set>
+                                      <p:cBhvr>
+                                        <p:cTn id="31" dur="1" fill="hold">
+                                          <p:stCondLst>
+                                            <p:cond delay="0"/>
+                                          </p:stCondLst>
+                                        </p:cTn>
+                                        <p:tgtEl>
+                                          <p:spTgt spid="19">
+                                            <p:txEl>
+                                              <p:pRg st="7" end="7"/>
+                                            </p:txEl>
+                                          </p:spTgt>
+                                        </p:tgtEl>
+                                        <p:attrNameLst>
+                                          <p:attrName>style.visibility</p:attrName>
+                                        </p:attrNameLst>
+                                      </p:cBhvr>
+                                      <p:to>
+                                        <p:strVal val="visible"/>
+                                      </p:to>
+                                    </p:set>
+                                    <p:animEffect transition="in" filter="fade">
+                                      <p:cBhvr>
+                                        <p:cTn id="32" dur="500"/>
+                                        <p:tgtEl>
+                                          <p:spTgt spid="19">
+                                            <p:txEl>
+                                              <p:pRg st="7" end="7"/>
                                             </p:txEl>
                                           </p:spTgt>
                                         </p:tgtEl>
@@ -4977,12 +7927,18 @@
 </p:sld>
 </file>
 
-<file path=ppt/slides/slide3.xml><?xml version="1.0" encoding="utf-8"?>
+<file path=ppt/slides/slide7.xml><?xml version="1.0" encoding="utf-8"?>
 <p:sld xmlns:a="http://schemas.openxmlformats.org/drawingml/2006/main" xmlns:r="http://schemas.openxmlformats.org/officeDocument/2006/relationships" xmlns:p="http://schemas.openxmlformats.org/presentationml/2006/main">
   <p:cSld>
     <p:spTree>
       <p:nvGrpSpPr>
-        <p:cNvPr id="1" name=""/>
+        <p:cNvPr id="1" name="">
+          <a:extLst>
+            <a:ext uri="{FF2B5EF4-FFF2-40B4-BE49-F238E27FC236}">
+              <a16:creationId xmlns:a16="http://schemas.microsoft.com/office/drawing/2014/main" id="{B8A378EE-7F22-DA1F-DA56-5567CFE0959A}"/>
+            </a:ext>
+          </a:extLst>
+        </p:cNvPr>
         <p:cNvGrpSpPr/>
         <p:nvPr/>
       </p:nvGrpSpPr>
@@ -4996,28 +7952,40 @@
       </p:grpSpPr>
       <p:grpSp>
         <p:nvGrpSpPr>
-          <p:cNvPr id="2" name="Group 2"/>
+          <p:cNvPr id="8" name="Group 2">
+            <a:extLst>
+              <a:ext uri="{FF2B5EF4-FFF2-40B4-BE49-F238E27FC236}">
+                <a16:creationId xmlns:a16="http://schemas.microsoft.com/office/drawing/2014/main" id="{667043A4-2E02-E292-4A9D-E1669D75D187}"/>
+              </a:ext>
+            </a:extLst>
+          </p:cNvPr>
           <p:cNvGrpSpPr/>
           <p:nvPr/>
         </p:nvGrpSpPr>
         <p:grpSpPr>
           <a:xfrm>
-            <a:off x="1588329" y="2113980"/>
-            <a:ext cx="2878700" cy="6059040"/>
+            <a:off x="0" y="0"/>
+            <a:ext cx="1447800" cy="3086100"/>
             <a:chOff x="0" y="0"/>
-            <a:chExt cx="758176" cy="1595797"/>
+            <a:chExt cx="615562" cy="812800"/>
           </a:xfrm>
         </p:grpSpPr>
         <p:sp>
           <p:nvSpPr>
-            <p:cNvPr id="3" name="Freeform 3"/>
+            <p:cNvPr id="11" name="Freeform 3">
+              <a:extLst>
+                <a:ext uri="{FF2B5EF4-FFF2-40B4-BE49-F238E27FC236}">
+                  <a16:creationId xmlns:a16="http://schemas.microsoft.com/office/drawing/2014/main" id="{29A23DD3-313B-4A5C-71BA-C69F49289202}"/>
+                </a:ext>
+              </a:extLst>
+            </p:cNvPr>
             <p:cNvSpPr/>
             <p:nvPr/>
           </p:nvSpPr>
           <p:spPr>
             <a:xfrm>
               <a:off x="0" y="0"/>
-              <a:ext cx="758176" cy="1595797"/>
+              <a:ext cx="615562" cy="812800"/>
             </a:xfrm>
             <a:custGeom>
               <a:avLst/>
@@ -5026,15 +7994,116 @@
               <a:cxnLst/>
               <a:rect l="l" t="t" r="r" b="b"/>
               <a:pathLst>
-                <a:path w="758176" h="1595797">
+                <a:path w="615562" h="812800">
                   <a:moveTo>
                     <a:pt x="0" y="0"/>
                   </a:moveTo>
                   <a:lnTo>
-                    <a:pt x="758176" y="0"/>
+                    <a:pt x="615562" y="0"/>
                   </a:lnTo>
                   <a:lnTo>
-                    <a:pt x="758176" y="1595797"/>
+                    <a:pt x="615562" y="812800"/>
+                  </a:lnTo>
+                  <a:lnTo>
+                    <a:pt x="0" y="812800"/>
+                  </a:lnTo>
+                  <a:close/>
+                </a:path>
+              </a:pathLst>
+            </a:custGeom>
+            <a:solidFill>
+              <a:srgbClr val="F9ECB8"/>
+            </a:solidFill>
+          </p:spPr>
+        </p:sp>
+        <p:sp>
+          <p:nvSpPr>
+            <p:cNvPr id="14" name="TextBox 4">
+              <a:extLst>
+                <a:ext uri="{FF2B5EF4-FFF2-40B4-BE49-F238E27FC236}">
+                  <a16:creationId xmlns:a16="http://schemas.microsoft.com/office/drawing/2014/main" id="{8EE1AE14-4156-8F02-819D-94899CD94B5A}"/>
+                </a:ext>
+              </a:extLst>
+            </p:cNvPr>
+            <p:cNvSpPr txBox="1"/>
+            <p:nvPr/>
+          </p:nvSpPr>
+          <p:spPr>
+            <a:xfrm>
+              <a:off x="0" y="-38100"/>
+              <a:ext cx="615562" cy="850900"/>
+            </a:xfrm>
+            <a:prstGeom prst="rect">
+              <a:avLst/>
+            </a:prstGeom>
+          </p:spPr>
+          <p:txBody>
+            <a:bodyPr lIns="50800" tIns="50800" rIns="50800" bIns="50800" rtlCol="0" anchor="ctr"/>
+            <a:lstStyle/>
+            <a:p>
+              <a:pPr algn="ctr">
+                <a:lnSpc>
+                  <a:spcPts val="2659"/>
+                </a:lnSpc>
+              </a:pPr>
+              <a:endParaRPr/>
+            </a:p>
+          </p:txBody>
+        </p:sp>
+      </p:grpSp>
+      <p:grpSp>
+        <p:nvGrpSpPr>
+          <p:cNvPr id="15" name="Group 5">
+            <a:extLst>
+              <a:ext uri="{FF2B5EF4-FFF2-40B4-BE49-F238E27FC236}">
+                <a16:creationId xmlns:a16="http://schemas.microsoft.com/office/drawing/2014/main" id="{0500A6D7-9ADC-B928-1F2A-992126D5F686}"/>
+              </a:ext>
+            </a:extLst>
+          </p:cNvPr>
+          <p:cNvGrpSpPr/>
+          <p:nvPr/>
+        </p:nvGrpSpPr>
+        <p:grpSpPr>
+          <a:xfrm>
+            <a:off x="17115856" y="6591300"/>
+            <a:ext cx="1172144" cy="3695700"/>
+            <a:chOff x="0" y="0"/>
+            <a:chExt cx="308713" cy="1595797"/>
+          </a:xfrm>
+        </p:grpSpPr>
+        <p:sp>
+          <p:nvSpPr>
+            <p:cNvPr id="16" name="Freeform 6">
+              <a:extLst>
+                <a:ext uri="{FF2B5EF4-FFF2-40B4-BE49-F238E27FC236}">
+                  <a16:creationId xmlns:a16="http://schemas.microsoft.com/office/drawing/2014/main" id="{FA7C9A31-BA71-B63D-7028-3796466BCEA7}"/>
+                </a:ext>
+              </a:extLst>
+            </p:cNvPr>
+            <p:cNvSpPr/>
+            <p:nvPr/>
+          </p:nvSpPr>
+          <p:spPr>
+            <a:xfrm>
+              <a:off x="0" y="0"/>
+              <a:ext cx="308713" cy="1595797"/>
+            </a:xfrm>
+            <a:custGeom>
+              <a:avLst/>
+              <a:gdLst/>
+              <a:ahLst/>
+              <a:cxnLst/>
+              <a:rect l="l" t="t" r="r" b="b"/>
+              <a:pathLst>
+                <a:path w="308713" h="1595797">
+                  <a:moveTo>
+                    <a:pt x="0" y="0"/>
+                  </a:moveTo>
+                  <a:lnTo>
+                    <a:pt x="308713" y="0"/>
+                  </a:lnTo>
+                  <a:lnTo>
+                    <a:pt x="308713" y="1595797"/>
                   </a:lnTo>
                   <a:lnTo>
                     <a:pt x="0" y="1595797"/>
@@ -5050,14 +8119,20 @@
         </p:sp>
         <p:sp>
           <p:nvSpPr>
-            <p:cNvPr id="4" name="TextBox 4"/>
+            <p:cNvPr id="17" name="TextBox 7">
+              <a:extLst>
+                <a:ext uri="{FF2B5EF4-FFF2-40B4-BE49-F238E27FC236}">
+                  <a16:creationId xmlns:a16="http://schemas.microsoft.com/office/drawing/2014/main" id="{E760A44D-6D90-F514-B228-A8BA936D3E8E}"/>
+                </a:ext>
+              </a:extLst>
+            </p:cNvPr>
             <p:cNvSpPr txBox="1"/>
             <p:nvPr/>
           </p:nvSpPr>
           <p:spPr>
             <a:xfrm>
               <a:off x="0" y="-38100"/>
-              <a:ext cx="758176" cy="1633897"/>
+              <a:ext cx="308713" cy="1633897"/>
             </a:xfrm>
             <a:prstGeom prst="rect">
               <a:avLst/>
@@ -5079,170 +8154,178 @@
       </p:grpSp>
       <p:sp>
         <p:nvSpPr>
-          <p:cNvPr id="5" name="TextBox 5"/>
+          <p:cNvPr id="18" name="TextBox 9">
+            <a:extLst>
+              <a:ext uri="{FF2B5EF4-FFF2-40B4-BE49-F238E27FC236}">
+                <a16:creationId xmlns:a16="http://schemas.microsoft.com/office/drawing/2014/main" id="{CF22E201-06E0-11A5-4B03-4EA93B460EAE}"/>
+              </a:ext>
+            </a:extLst>
+          </p:cNvPr>
           <p:cNvSpPr txBox="1"/>
           <p:nvPr/>
         </p:nvSpPr>
         <p:spPr>
           <a:xfrm>
-            <a:off x="3724086" y="4173487"/>
-            <a:ext cx="7653319" cy="1795363"/>
+            <a:off x="2217269" y="856965"/>
+            <a:ext cx="9060331" cy="897682"/>
           </a:xfrm>
           <a:prstGeom prst="rect">
             <a:avLst/>
           </a:prstGeom>
         </p:spPr>
         <p:txBody>
-          <a:bodyPr lIns="0" tIns="0" rIns="0" bIns="0" rtlCol="0" anchor="t">
+          <a:bodyPr wrap="square" lIns="0" tIns="0" rIns="0" bIns="0" rtlCol="0" anchor="t">
             <a:spAutoFit/>
           </a:bodyPr>
           <a:lstStyle/>
           <a:p>
             <a:pPr algn="l">
               <a:lnSpc>
-                <a:spcPts val="13999"/>
+                <a:spcPts val="7000"/>
               </a:lnSpc>
             </a:pPr>
             <a:r>
-              <a:rPr lang="en-US" sz="13000" b="1" u="sng" dirty="0">
-                <a:solidFill>
-                  <a:srgbClr val="2E2E2E"/>
-                </a:solidFill>
+              <a:rPr lang="en-US" sz="6000" b="1" dirty="0">
                 <a:latin typeface="Constantia" panose="02030602050306030303" pitchFamily="18" charset="0"/>
-                <a:ea typeface="Lato Bold"/>
-                <a:cs typeface="Lato Bold"/>
-                <a:sym typeface="Lato Bold"/>
               </a:rPr>
-              <a:t>Q &amp; A</a:t>
-            </a:r>
+              <a:t>JavaScript Basics</a:t>
+            </a:r>
+            <a:endParaRPr lang="en-US" sz="5000" b="1" spc="-100" dirty="0">
+              <a:solidFill>
+                <a:srgbClr val="2E2E2E"/>
+              </a:solidFill>
+              <a:latin typeface="Constantia" panose="02030602050306030303" pitchFamily="18" charset="0"/>
+              <a:ea typeface="Lato Bold"/>
+              <a:cs typeface="Lato Bold"/>
+              <a:sym typeface="Lato Bold"/>
+            </a:endParaRPr>
           </a:p>
         </p:txBody>
       </p:sp>
-      <p:grpSp>
-        <p:nvGrpSpPr>
-          <p:cNvPr id="6" name="Group 6"/>
-          <p:cNvGrpSpPr/>
-          <p:nvPr/>
-        </p:nvGrpSpPr>
-        <p:grpSpPr>
-          <a:xfrm>
-            <a:off x="17259300" y="3803885"/>
-            <a:ext cx="1028700" cy="5454415"/>
-            <a:chOff x="0" y="0"/>
-            <a:chExt cx="270933" cy="1436554"/>
-          </a:xfrm>
-        </p:grpSpPr>
-        <p:sp>
-          <p:nvSpPr>
-            <p:cNvPr id="7" name="Freeform 7"/>
-            <p:cNvSpPr/>
-            <p:nvPr/>
-          </p:nvSpPr>
-          <p:spPr>
-            <a:xfrm>
-              <a:off x="0" y="0"/>
-              <a:ext cx="270933" cy="1436554"/>
-            </a:xfrm>
-            <a:custGeom>
-              <a:avLst/>
-              <a:gdLst/>
-              <a:ahLst/>
-              <a:cxnLst/>
-              <a:rect l="l" t="t" r="r" b="b"/>
-              <a:pathLst>
-                <a:path w="270933" h="1436554">
-                  <a:moveTo>
-                    <a:pt x="0" y="0"/>
-                  </a:moveTo>
-                  <a:lnTo>
-                    <a:pt x="270933" y="0"/>
-                  </a:lnTo>
-                  <a:lnTo>
-                    <a:pt x="270933" y="1436554"/>
-                  </a:lnTo>
-                  <a:lnTo>
-                    <a:pt x="0" y="1436554"/>
-                  </a:lnTo>
-                  <a:close/>
-                </a:path>
-              </a:pathLst>
-            </a:custGeom>
-            <a:solidFill>
-              <a:srgbClr val="FFC2CA"/>
-            </a:solidFill>
-          </p:spPr>
-        </p:sp>
-        <p:sp>
-          <p:nvSpPr>
-            <p:cNvPr id="8" name="TextBox 8"/>
-            <p:cNvSpPr txBox="1"/>
-            <p:nvPr/>
-          </p:nvSpPr>
-          <p:spPr>
-            <a:xfrm>
-              <a:off x="0" y="-38100"/>
-              <a:ext cx="270933" cy="1474654"/>
-            </a:xfrm>
-            <a:prstGeom prst="rect">
-              <a:avLst/>
-            </a:prstGeom>
-          </p:spPr>
-          <p:txBody>
-            <a:bodyPr lIns="50800" tIns="50800" rIns="50800" bIns="50800" rtlCol="0" anchor="ctr"/>
-            <a:lstStyle/>
-            <a:p>
-              <a:pPr algn="ctr">
-                <a:lnSpc>
-                  <a:spcPts val="2659"/>
-                </a:lnSpc>
-              </a:pPr>
-              <a:endParaRPr/>
-            </a:p>
-          </p:txBody>
-        </p:sp>
-      </p:grpSp>
       <p:sp>
         <p:nvSpPr>
-          <p:cNvPr id="10" name="TextBox 10"/>
+          <p:cNvPr id="19" name="TextBox 10">
+            <a:extLst>
+              <a:ext uri="{FF2B5EF4-FFF2-40B4-BE49-F238E27FC236}">
+                <a16:creationId xmlns:a16="http://schemas.microsoft.com/office/drawing/2014/main" id="{78DA44F5-322E-D210-D058-0D91E5641463}"/>
+              </a:ext>
+            </a:extLst>
+          </p:cNvPr>
           <p:cNvSpPr txBox="1"/>
           <p:nvPr/>
         </p:nvSpPr>
         <p:spPr>
           <a:xfrm>
-            <a:off x="5320274" y="3756260"/>
-            <a:ext cx="3536394" cy="373692"/>
+            <a:off x="1821331" y="2180291"/>
+            <a:ext cx="14325600" cy="6155531"/>
           </a:xfrm>
           <a:prstGeom prst="rect">
             <a:avLst/>
           </a:prstGeom>
         </p:spPr>
         <p:txBody>
-          <a:bodyPr lIns="0" tIns="0" rIns="0" bIns="0" rtlCol="0" anchor="t">
+          <a:bodyPr wrap="square" lIns="0" tIns="0" rIns="0" bIns="0" rtlCol="0" anchor="t">
             <a:spAutoFit/>
           </a:bodyPr>
           <a:lstStyle/>
           <a:p>
-            <a:pPr algn="l">
-              <a:lnSpc>
-                <a:spcPts val="2940"/>
-              </a:lnSpc>
-            </a:pPr>
-            <a:r>
-              <a:rPr lang="en-US" sz="2800" b="1" dirty="0">
-                <a:solidFill>
-                  <a:srgbClr val="796292"/>
-                </a:solidFill>
+            <a:pPr lvl="1" algn="just"/>
+            <a:r>
+              <a:rPr lang="en-US" sz="4000" b="1" dirty="0">
                 <a:latin typeface="Constantia" panose="02030602050306030303" pitchFamily="18" charset="0"/>
-                <a:ea typeface="Lato Bold"/>
-                <a:cs typeface="Lato Bold"/>
-                <a:sym typeface="Lato Bold"/>
               </a:rPr>
-              <a:t>Lecture Completed!</a:t>
-            </a:r>
+              <a:t>Var:</a:t>
+            </a:r>
+            <a:r>
+              <a:rPr lang="en-US" sz="4000" dirty="0">
+                <a:latin typeface="Constantia" panose="02030602050306030303" pitchFamily="18" charset="0"/>
+              </a:rPr>
+              <a:t> The traditional way to declare a variable.</a:t>
+            </a:r>
+          </a:p>
+          <a:p>
+            <a:pPr lvl="1" algn="just"/>
+            <a:r>
+              <a:rPr lang="en-US" sz="4000" dirty="0">
+                <a:latin typeface="Constantia" panose="02030602050306030303" pitchFamily="18" charset="0"/>
+              </a:rPr>
+              <a:t>	Can be re-assigned and re-declared in the same scope.</a:t>
+            </a:r>
+          </a:p>
+          <a:p>
+            <a:pPr lvl="1" algn="just"/>
+            <a:endParaRPr lang="en-US" sz="4000" b="1" dirty="0">
+              <a:latin typeface="Constantia" panose="02030602050306030303" pitchFamily="18" charset="0"/>
+            </a:endParaRPr>
+          </a:p>
+          <a:p>
+            <a:pPr lvl="1" algn="just"/>
+            <a:r>
+              <a:rPr lang="en-US" sz="4000" b="1" dirty="0">
+                <a:latin typeface="Constantia" panose="02030602050306030303" pitchFamily="18" charset="0"/>
+              </a:rPr>
+              <a:t>Let: </a:t>
+            </a:r>
+            <a:r>
+              <a:rPr lang="en-US" sz="4000" dirty="0">
+                <a:latin typeface="Constantia" panose="02030602050306030303" pitchFamily="18" charset="0"/>
+              </a:rPr>
+              <a:t>A modern way to declare variables </a:t>
+            </a:r>
+          </a:p>
+          <a:p>
+            <a:pPr lvl="1" algn="just"/>
+            <a:r>
+              <a:rPr lang="en-US" sz="4000" dirty="0">
+                <a:latin typeface="Constantia" panose="02030602050306030303" pitchFamily="18" charset="0"/>
+              </a:rPr>
+              <a:t>	It is only accessible within the block. Cannot be redeclared but can be re-assigned.</a:t>
+            </a:r>
+          </a:p>
+          <a:p>
+            <a:pPr lvl="1" algn="just"/>
+            <a:endParaRPr lang="en-US" sz="4000" dirty="0">
+              <a:latin typeface="Constantia" panose="02030602050306030303" pitchFamily="18" charset="0"/>
+            </a:endParaRPr>
+          </a:p>
+          <a:p>
+            <a:pPr lvl="1" algn="just"/>
+            <a:r>
+              <a:rPr lang="en-US" sz="4000" b="1" dirty="0">
+                <a:latin typeface="Constantia" panose="02030602050306030303" pitchFamily="18" charset="0"/>
+              </a:rPr>
+              <a:t>Const: </a:t>
+            </a:r>
+            <a:r>
+              <a:rPr lang="en-US" sz="4000" dirty="0">
+                <a:latin typeface="Constantia" panose="02030602050306030303" pitchFamily="18" charset="0"/>
+              </a:rPr>
+              <a:t>If assigned to an object or array, the properties of the object or elements of the array can be modified.</a:t>
+            </a:r>
+            <a:endParaRPr lang="en-US" sz="4000" b="1" dirty="0">
+              <a:latin typeface="Constantia" panose="02030602050306030303" pitchFamily="18" charset="0"/>
+            </a:endParaRPr>
+          </a:p>
+          <a:p>
+            <a:pPr lvl="1" algn="just"/>
+            <a:r>
+              <a:rPr lang="en-US" sz="4000" dirty="0">
+                <a:latin typeface="Constantia" panose="02030602050306030303" pitchFamily="18" charset="0"/>
+              </a:rPr>
+              <a:t>Cannot be re-assigned or re-declared.</a:t>
+            </a:r>
+            <a:endParaRPr lang="en-US" sz="4000" b="1" dirty="0">
+              <a:latin typeface="Constantia" panose="02030602050306030303" pitchFamily="18" charset="0"/>
+            </a:endParaRPr>
           </a:p>
         </p:txBody>
       </p:sp>
     </p:spTree>
+    <p:extLst>
+      <p:ext uri="{BB962C8B-B14F-4D97-AF65-F5344CB8AC3E}">
+        <p14:creationId xmlns:p14="http://schemas.microsoft.com/office/powerpoint/2010/main" val="3818361348"/>
+      </p:ext>
+    </p:extLst>
   </p:cSld>
   <p:clrMapOvr>
     <a:masterClrMapping/>
@@ -5268,7 +8351,7 @@
                             </p:stCondLst>
                             <p:childTnLst>
                               <p:par>
-                                <p:cTn id="5" presetID="22" presetClass="entr" presetSubtype="4" fill="hold" grpId="0" nodeType="clickEffect">
+                                <p:cTn id="5" presetID="10" presetClass="entr" presetSubtype="0" fill="hold" nodeType="clickEffect">
                                   <p:stCondLst>
                                     <p:cond delay="0"/>
                                   </p:stCondLst>
@@ -5281,7 +8364,11 @@
                                           </p:stCondLst>
                                         </p:cTn>
                                         <p:tgtEl>
-                                          <p:spTgt spid="10"/>
+                                          <p:spTgt spid="19">
+                                            <p:txEl>
+                                              <p:pRg st="0" end="0"/>
+                                            </p:txEl>
+                                          </p:spTgt>
                                         </p:tgtEl>
                                         <p:attrNameLst>
                                           <p:attrName>style.visibility</p:attrName>
@@ -5291,11 +8378,15 @@
                                         <p:strVal val="visible"/>
                                       </p:to>
                                     </p:set>
-                                    <p:animEffect transition="in" filter="wipe(down)">
+                                    <p:animEffect transition="in" filter="fade">
                                       <p:cBhvr>
                                         <p:cTn id="7" dur="500"/>
                                         <p:tgtEl>
-                                          <p:spTgt spid="10"/>
+                                          <p:spTgt spid="19">
+                                            <p:txEl>
+                                              <p:pRg st="0" end="0"/>
+                                            </p:txEl>
+                                          </p:spTgt>
                                         </p:tgtEl>
                                       </p:cBhvr>
                                     </p:animEffect>
@@ -5321,7 +8412,7 @@
                             </p:stCondLst>
                             <p:childTnLst>
                               <p:par>
-                                <p:cTn id="10" presetID="22" presetClass="entr" presetSubtype="4" fill="hold" grpId="0" nodeType="clickEffect">
+                                <p:cTn id="10" presetID="10" presetClass="entr" presetSubtype="0" fill="hold" nodeType="clickEffect">
                                   <p:stCondLst>
                                     <p:cond delay="0"/>
                                   </p:stCondLst>
@@ -5334,7 +8425,11 @@
                                           </p:stCondLst>
                                         </p:cTn>
                                         <p:tgtEl>
-                                          <p:spTgt spid="5"/>
+                                          <p:spTgt spid="19">
+                                            <p:txEl>
+                                              <p:pRg st="1" end="1"/>
+                                            </p:txEl>
+                                          </p:spTgt>
                                         </p:tgtEl>
                                         <p:attrNameLst>
                                           <p:attrName>style.visibility</p:attrName>
@@ -5344,11 +8439,259 @@
                                         <p:strVal val="visible"/>
                                       </p:to>
                                     </p:set>
-                                    <p:animEffect transition="in" filter="wipe(down)">
+                                    <p:animEffect transition="in" filter="fade">
                                       <p:cBhvr>
                                         <p:cTn id="12" dur="500"/>
                                         <p:tgtEl>
-                                          <p:spTgt spid="5"/>
+                                          <p:spTgt spid="19">
+                                            <p:txEl>
+                                              <p:pRg st="1" end="1"/>
+                                            </p:txEl>
+                                          </p:spTgt>
+                                        </p:tgtEl>
+                                      </p:cBhvr>
+                                    </p:animEffect>
+                                  </p:childTnLst>
+                                </p:cTn>
+                              </p:par>
+                            </p:childTnLst>
+                          </p:cTn>
+                        </p:par>
+                      </p:childTnLst>
+                    </p:cTn>
+                  </p:par>
+                  <p:par>
+                    <p:cTn id="13" fill="hold">
+                      <p:stCondLst>
+                        <p:cond delay="indefinite"/>
+                      </p:stCondLst>
+                      <p:childTnLst>
+                        <p:par>
+                          <p:cTn id="14" fill="hold">
+                            <p:stCondLst>
+                              <p:cond delay="0"/>
+                            </p:stCondLst>
+                            <p:childTnLst>
+                              <p:par>
+                                <p:cTn id="15" presetID="10" presetClass="entr" presetSubtype="0" fill="hold" nodeType="clickEffect">
+                                  <p:stCondLst>
+                                    <p:cond delay="0"/>
+                                  </p:stCondLst>
+                                  <p:childTnLst>
+                                    <p:set>
+                                      <p:cBhvr>
+                                        <p:cTn id="16" dur="1" fill="hold">
+                                          <p:stCondLst>
+                                            <p:cond delay="0"/>
+                                          </p:stCondLst>
+                                        </p:cTn>
+                                        <p:tgtEl>
+                                          <p:spTgt spid="19">
+                                            <p:txEl>
+                                              <p:pRg st="3" end="3"/>
+                                            </p:txEl>
+                                          </p:spTgt>
+                                        </p:tgtEl>
+                                        <p:attrNameLst>
+                                          <p:attrName>style.visibility</p:attrName>
+                                        </p:attrNameLst>
+                                      </p:cBhvr>
+                                      <p:to>
+                                        <p:strVal val="visible"/>
+                                      </p:to>
+                                    </p:set>
+                                    <p:animEffect transition="in" filter="fade">
+                                      <p:cBhvr>
+                                        <p:cTn id="17" dur="500"/>
+                                        <p:tgtEl>
+                                          <p:spTgt spid="19">
+                                            <p:txEl>
+                                              <p:pRg st="3" end="3"/>
+                                            </p:txEl>
+                                          </p:spTgt>
+                                        </p:tgtEl>
+                                      </p:cBhvr>
+                                    </p:animEffect>
+                                  </p:childTnLst>
+                                </p:cTn>
+                              </p:par>
+                            </p:childTnLst>
+                          </p:cTn>
+                        </p:par>
+                      </p:childTnLst>
+                    </p:cTn>
+                  </p:par>
+                  <p:par>
+                    <p:cTn id="18" fill="hold">
+                      <p:stCondLst>
+                        <p:cond delay="indefinite"/>
+                      </p:stCondLst>
+                      <p:childTnLst>
+                        <p:par>
+                          <p:cTn id="19" fill="hold">
+                            <p:stCondLst>
+                              <p:cond delay="0"/>
+                            </p:stCondLst>
+                            <p:childTnLst>
+                              <p:par>
+                                <p:cTn id="20" presetID="10" presetClass="entr" presetSubtype="0" fill="hold" nodeType="clickEffect">
+                                  <p:stCondLst>
+                                    <p:cond delay="0"/>
+                                  </p:stCondLst>
+                                  <p:childTnLst>
+                                    <p:set>
+                                      <p:cBhvr>
+                                        <p:cTn id="21" dur="1" fill="hold">
+                                          <p:stCondLst>
+                                            <p:cond delay="0"/>
+                                          </p:stCondLst>
+                                        </p:cTn>
+                                        <p:tgtEl>
+                                          <p:spTgt spid="19">
+                                            <p:txEl>
+                                              <p:pRg st="4" end="4"/>
+                                            </p:txEl>
+                                          </p:spTgt>
+                                        </p:tgtEl>
+                                        <p:attrNameLst>
+                                          <p:attrName>style.visibility</p:attrName>
+                                        </p:attrNameLst>
+                                      </p:cBhvr>
+                                      <p:to>
+                                        <p:strVal val="visible"/>
+                                      </p:to>
+                                    </p:set>
+                                    <p:animEffect transition="in" filter="fade">
+                                      <p:cBhvr>
+                                        <p:cTn id="22" dur="500"/>
+                                        <p:tgtEl>
+                                          <p:spTgt spid="19">
+                                            <p:txEl>
+                                              <p:pRg st="4" end="4"/>
+                                            </p:txEl>
+                                          </p:spTgt>
+                                        </p:tgtEl>
+                                      </p:cBhvr>
+                                    </p:animEffect>
+                                  </p:childTnLst>
+                                </p:cTn>
+                              </p:par>
+                            </p:childTnLst>
+                          </p:cTn>
+                        </p:par>
+                      </p:childTnLst>
+                    </p:cTn>
+                  </p:par>
+                  <p:par>
+                    <p:cTn id="23" fill="hold">
+                      <p:stCondLst>
+                        <p:cond delay="indefinite"/>
+                      </p:stCondLst>
+                      <p:childTnLst>
+                        <p:par>
+                          <p:cTn id="24" fill="hold">
+                            <p:stCondLst>
+                              <p:cond delay="0"/>
+                            </p:stCondLst>
+                            <p:childTnLst>
+                              <p:par>
+                                <p:cTn id="25" presetID="10" presetClass="entr" presetSubtype="0" fill="hold" nodeType="clickEffect">
+                                  <p:stCondLst>
+                                    <p:cond delay="0"/>
+                                  </p:stCondLst>
+                                  <p:childTnLst>
+                                    <p:set>
+                                      <p:cBhvr>
+                                        <p:cTn id="26" dur="1" fill="hold">
+                                          <p:stCondLst>
+                                            <p:cond delay="0"/>
+                                          </p:stCondLst>
+                                        </p:cTn>
+                                        <p:tgtEl>
+                                          <p:spTgt spid="19">
+                                            <p:txEl>
+                                              <p:pRg st="6" end="6"/>
+                                            </p:txEl>
+                                          </p:spTgt>
+                                        </p:tgtEl>
+                                        <p:attrNameLst>
+                                          <p:attrName>style.visibility</p:attrName>
+                                        </p:attrNameLst>
+                                      </p:cBhvr>
+                                      <p:to>
+                                        <p:strVal val="visible"/>
+                                      </p:to>
+                                    </p:set>
+                                    <p:animEffect transition="in" filter="fade">
+                                      <p:cBhvr>
+                                        <p:cTn id="27" dur="500"/>
+                                        <p:tgtEl>
+                                          <p:spTgt spid="19">
+                                            <p:txEl>
+                                              <p:pRg st="6" end="6"/>
+                                            </p:txEl>
+                                          </p:spTgt>
+                                        </p:tgtEl>
+                                      </p:cBhvr>
+                                    </p:animEffect>
+                                  </p:childTnLst>
+                                </p:cTn>
+                              </p:par>
+                            </p:childTnLst>
+                          </p:cTn>
+                        </p:par>
+                      </p:childTnLst>
+                    </p:cTn>
+                  </p:par>
+                  <p:par>
+                    <p:cTn id="28" fill="hold">
+                      <p:stCondLst>
+                        <p:cond delay="indefinite"/>
+                      </p:stCondLst>
+                      <p:childTnLst>
+                        <p:par>
+                          <p:cTn id="29" fill="hold">
+                            <p:stCondLst>
+                              <p:cond delay="0"/>
+                            </p:stCondLst>
+                            <p:childTnLst>
+                              <p:par>
+                                <p:cTn id="30" presetID="10" presetClass="entr" presetSubtype="0" fill="hold" nodeType="clickEffect">
+                                  <p:stCondLst>
+                                    <p:cond delay="0"/>
+                                  </p:stCondLst>
+                                  <p:childTnLst>
+                                    <p:set>
+                                      <p:cBhvr>
+                                        <p:cTn id="31" dur="1" fill="hold">
+                                          <p:stCondLst>
+                                            <p:cond delay="0"/>
+                                          </p:stCondLst>
+                                        </p:cTn>
+                                        <p:tgtEl>
+                                          <p:spTgt spid="19">
+                                            <p:txEl>
+                                              <p:pRg st="7" end="7"/>
+                                            </p:txEl>
+                                          </p:spTgt>
+                                        </p:tgtEl>
+                                        <p:attrNameLst>
+                                          <p:attrName>style.visibility</p:attrName>
+                                        </p:attrNameLst>
+                                      </p:cBhvr>
+                                      <p:to>
+                                        <p:strVal val="visible"/>
+                                      </p:to>
+                                    </p:set>
+                                    <p:animEffect transition="in" filter="fade">
+                                      <p:cBhvr>
+                                        <p:cTn id="32" dur="500"/>
+                                        <p:tgtEl>
+                                          <p:spTgt spid="19">
+                                            <p:txEl>
+                                              <p:pRg st="7" end="7"/>
+                                            </p:txEl>
+                                          </p:spTgt>
                                         </p:tgtEl>
                                       </p:cBhvr>
                                     </p:animEffect>
@@ -5382,9 +8725,2257 @@
         </p:cTn>
       </p:par>
     </p:tnLst>
+  </p:timing>
+</p:sld>
+</file>
+
+<file path=ppt/slides/slide8.xml><?xml version="1.0" encoding="utf-8"?>
+<p:sld xmlns:a="http://schemas.openxmlformats.org/drawingml/2006/main" xmlns:r="http://schemas.openxmlformats.org/officeDocument/2006/relationships" xmlns:p="http://schemas.openxmlformats.org/presentationml/2006/main">
+  <p:cSld>
+    <p:spTree>
+      <p:nvGrpSpPr>
+        <p:cNvPr id="1" name="">
+          <a:extLst>
+            <a:ext uri="{FF2B5EF4-FFF2-40B4-BE49-F238E27FC236}">
+              <a16:creationId xmlns:a16="http://schemas.microsoft.com/office/drawing/2014/main" id="{4FF99FF7-ED85-7B0D-E55C-4A8756BEA9B1}"/>
+            </a:ext>
+          </a:extLst>
+        </p:cNvPr>
+        <p:cNvGrpSpPr/>
+        <p:nvPr/>
+      </p:nvGrpSpPr>
+      <p:grpSpPr>
+        <a:xfrm>
+          <a:off x="0" y="0"/>
+          <a:ext cx="0" cy="0"/>
+          <a:chOff x="0" y="0"/>
+          <a:chExt cx="0" cy="0"/>
+        </a:xfrm>
+      </p:grpSpPr>
+      <p:grpSp>
+        <p:nvGrpSpPr>
+          <p:cNvPr id="8" name="Group 2">
+            <a:extLst>
+              <a:ext uri="{FF2B5EF4-FFF2-40B4-BE49-F238E27FC236}">
+                <a16:creationId xmlns:a16="http://schemas.microsoft.com/office/drawing/2014/main" id="{EEC0D611-A0CB-9FBB-F4E5-1A352CBDB6E2}"/>
+              </a:ext>
+            </a:extLst>
+          </p:cNvPr>
+          <p:cNvGrpSpPr/>
+          <p:nvPr/>
+        </p:nvGrpSpPr>
+        <p:grpSpPr>
+          <a:xfrm>
+            <a:off x="0" y="0"/>
+            <a:ext cx="1447800" cy="3086100"/>
+            <a:chOff x="0" y="0"/>
+            <a:chExt cx="615562" cy="812800"/>
+          </a:xfrm>
+        </p:grpSpPr>
+        <p:sp>
+          <p:nvSpPr>
+            <p:cNvPr id="11" name="Freeform 3">
+              <a:extLst>
+                <a:ext uri="{FF2B5EF4-FFF2-40B4-BE49-F238E27FC236}">
+                  <a16:creationId xmlns:a16="http://schemas.microsoft.com/office/drawing/2014/main" id="{2F96F31F-A7C3-483F-5D7C-DB2C64A76944}"/>
+                </a:ext>
+              </a:extLst>
+            </p:cNvPr>
+            <p:cNvSpPr/>
+            <p:nvPr/>
+          </p:nvSpPr>
+          <p:spPr>
+            <a:xfrm>
+              <a:off x="0" y="0"/>
+              <a:ext cx="615562" cy="812800"/>
+            </a:xfrm>
+            <a:custGeom>
+              <a:avLst/>
+              <a:gdLst/>
+              <a:ahLst/>
+              <a:cxnLst/>
+              <a:rect l="l" t="t" r="r" b="b"/>
+              <a:pathLst>
+                <a:path w="615562" h="812800">
+                  <a:moveTo>
+                    <a:pt x="0" y="0"/>
+                  </a:moveTo>
+                  <a:lnTo>
+                    <a:pt x="615562" y="0"/>
+                  </a:lnTo>
+                  <a:lnTo>
+                    <a:pt x="615562" y="812800"/>
+                  </a:lnTo>
+                  <a:lnTo>
+                    <a:pt x="0" y="812800"/>
+                  </a:lnTo>
+                  <a:close/>
+                </a:path>
+              </a:pathLst>
+            </a:custGeom>
+            <a:solidFill>
+              <a:srgbClr val="F9ECB8"/>
+            </a:solidFill>
+          </p:spPr>
+        </p:sp>
+        <p:sp>
+          <p:nvSpPr>
+            <p:cNvPr id="14" name="TextBox 4">
+              <a:extLst>
+                <a:ext uri="{FF2B5EF4-FFF2-40B4-BE49-F238E27FC236}">
+                  <a16:creationId xmlns:a16="http://schemas.microsoft.com/office/drawing/2014/main" id="{0A06387E-400A-7F0F-9207-0FE6545AA50B}"/>
+                </a:ext>
+              </a:extLst>
+            </p:cNvPr>
+            <p:cNvSpPr txBox="1"/>
+            <p:nvPr/>
+          </p:nvSpPr>
+          <p:spPr>
+            <a:xfrm>
+              <a:off x="0" y="-38100"/>
+              <a:ext cx="615562" cy="850900"/>
+            </a:xfrm>
+            <a:prstGeom prst="rect">
+              <a:avLst/>
+            </a:prstGeom>
+          </p:spPr>
+          <p:txBody>
+            <a:bodyPr lIns="50800" tIns="50800" rIns="50800" bIns="50800" rtlCol="0" anchor="ctr"/>
+            <a:lstStyle/>
+            <a:p>
+              <a:pPr algn="ctr">
+                <a:lnSpc>
+                  <a:spcPts val="2659"/>
+                </a:lnSpc>
+              </a:pPr>
+              <a:endParaRPr/>
+            </a:p>
+          </p:txBody>
+        </p:sp>
+      </p:grpSp>
+      <p:grpSp>
+        <p:nvGrpSpPr>
+          <p:cNvPr id="15" name="Group 5">
+            <a:extLst>
+              <a:ext uri="{FF2B5EF4-FFF2-40B4-BE49-F238E27FC236}">
+                <a16:creationId xmlns:a16="http://schemas.microsoft.com/office/drawing/2014/main" id="{62ED9237-12F3-C416-E809-6DEDD360E73C}"/>
+              </a:ext>
+            </a:extLst>
+          </p:cNvPr>
+          <p:cNvGrpSpPr/>
+          <p:nvPr/>
+        </p:nvGrpSpPr>
+        <p:grpSpPr>
+          <a:xfrm>
+            <a:off x="17115856" y="6591300"/>
+            <a:ext cx="1172144" cy="3695700"/>
+            <a:chOff x="0" y="0"/>
+            <a:chExt cx="308713" cy="1595797"/>
+          </a:xfrm>
+        </p:grpSpPr>
+        <p:sp>
+          <p:nvSpPr>
+            <p:cNvPr id="16" name="Freeform 6">
+              <a:extLst>
+                <a:ext uri="{FF2B5EF4-FFF2-40B4-BE49-F238E27FC236}">
+                  <a16:creationId xmlns:a16="http://schemas.microsoft.com/office/drawing/2014/main" id="{20F3A7CA-A51F-6C1D-AA7E-DE094C70828C}"/>
+                </a:ext>
+              </a:extLst>
+            </p:cNvPr>
+            <p:cNvSpPr/>
+            <p:nvPr/>
+          </p:nvSpPr>
+          <p:spPr>
+            <a:xfrm>
+              <a:off x="0" y="0"/>
+              <a:ext cx="308713" cy="1595797"/>
+            </a:xfrm>
+            <a:custGeom>
+              <a:avLst/>
+              <a:gdLst/>
+              <a:ahLst/>
+              <a:cxnLst/>
+              <a:rect l="l" t="t" r="r" b="b"/>
+              <a:pathLst>
+                <a:path w="308713" h="1595797">
+                  <a:moveTo>
+                    <a:pt x="0" y="0"/>
+                  </a:moveTo>
+                  <a:lnTo>
+                    <a:pt x="308713" y="0"/>
+                  </a:lnTo>
+                  <a:lnTo>
+                    <a:pt x="308713" y="1595797"/>
+                  </a:lnTo>
+                  <a:lnTo>
+                    <a:pt x="0" y="1595797"/>
+                  </a:lnTo>
+                  <a:close/>
+                </a:path>
+              </a:pathLst>
+            </a:custGeom>
+            <a:solidFill>
+              <a:srgbClr val="FFC2CA"/>
+            </a:solidFill>
+          </p:spPr>
+        </p:sp>
+        <p:sp>
+          <p:nvSpPr>
+            <p:cNvPr id="17" name="TextBox 7">
+              <a:extLst>
+                <a:ext uri="{FF2B5EF4-FFF2-40B4-BE49-F238E27FC236}">
+                  <a16:creationId xmlns:a16="http://schemas.microsoft.com/office/drawing/2014/main" id="{8AA31866-EA9D-506D-68B6-33BBBBE4D613}"/>
+                </a:ext>
+              </a:extLst>
+            </p:cNvPr>
+            <p:cNvSpPr txBox="1"/>
+            <p:nvPr/>
+          </p:nvSpPr>
+          <p:spPr>
+            <a:xfrm>
+              <a:off x="0" y="-38100"/>
+              <a:ext cx="308713" cy="1633897"/>
+            </a:xfrm>
+            <a:prstGeom prst="rect">
+              <a:avLst/>
+            </a:prstGeom>
+          </p:spPr>
+          <p:txBody>
+            <a:bodyPr lIns="50800" tIns="50800" rIns="50800" bIns="50800" rtlCol="0" anchor="ctr"/>
+            <a:lstStyle/>
+            <a:p>
+              <a:pPr algn="ctr">
+                <a:lnSpc>
+                  <a:spcPts val="2659"/>
+                </a:lnSpc>
+              </a:pPr>
+              <a:endParaRPr/>
+            </a:p>
+          </p:txBody>
+        </p:sp>
+      </p:grpSp>
+      <p:sp>
+        <p:nvSpPr>
+          <p:cNvPr id="18" name="TextBox 9">
+            <a:extLst>
+              <a:ext uri="{FF2B5EF4-FFF2-40B4-BE49-F238E27FC236}">
+                <a16:creationId xmlns:a16="http://schemas.microsoft.com/office/drawing/2014/main" id="{7C3F7015-4450-FBEF-5839-E27B33978669}"/>
+              </a:ext>
+            </a:extLst>
+          </p:cNvPr>
+          <p:cNvSpPr txBox="1"/>
+          <p:nvPr/>
+        </p:nvSpPr>
+        <p:spPr>
+          <a:xfrm>
+            <a:off x="2217269" y="856965"/>
+            <a:ext cx="9060331" cy="897682"/>
+          </a:xfrm>
+          <a:prstGeom prst="rect">
+            <a:avLst/>
+          </a:prstGeom>
+        </p:spPr>
+        <p:txBody>
+          <a:bodyPr wrap="square" lIns="0" tIns="0" rIns="0" bIns="0" rtlCol="0" anchor="t">
+            <a:spAutoFit/>
+          </a:bodyPr>
+          <a:lstStyle/>
+          <a:p>
+            <a:pPr algn="l">
+              <a:lnSpc>
+                <a:spcPts val="7000"/>
+              </a:lnSpc>
+            </a:pPr>
+            <a:r>
+              <a:rPr lang="en-US" sz="6000" b="1" spc="-100" dirty="0">
+                <a:solidFill>
+                  <a:srgbClr val="2E2E2E"/>
+                </a:solidFill>
+                <a:latin typeface="Constantia" panose="02030602050306030303" pitchFamily="18" charset="0"/>
+                <a:ea typeface="Lato Bold"/>
+                <a:cs typeface="Lato Bold"/>
+                <a:sym typeface="Lato Bold"/>
+              </a:rPr>
+              <a:t>Data Types</a:t>
+            </a:r>
+            <a:endParaRPr lang="en-US" sz="5000" b="1" spc="-100" dirty="0">
+              <a:solidFill>
+                <a:srgbClr val="2E2E2E"/>
+              </a:solidFill>
+              <a:latin typeface="Constantia" panose="02030602050306030303" pitchFamily="18" charset="0"/>
+              <a:ea typeface="Lato Bold"/>
+              <a:cs typeface="Lato Bold"/>
+              <a:sym typeface="Lato Bold"/>
+            </a:endParaRPr>
+          </a:p>
+        </p:txBody>
+      </p:sp>
+      <p:sp>
+        <p:nvSpPr>
+          <p:cNvPr id="2" name="Rectangle 1">
+            <a:extLst>
+              <a:ext uri="{FF2B5EF4-FFF2-40B4-BE49-F238E27FC236}">
+                <a16:creationId xmlns:a16="http://schemas.microsoft.com/office/drawing/2014/main" id="{B4E0BD9B-346E-DC8B-3012-34B2181B9E25}"/>
+              </a:ext>
+            </a:extLst>
+          </p:cNvPr>
+          <p:cNvSpPr>
+            <a:spLocks noChangeArrowheads="1"/>
+          </p:cNvSpPr>
+          <p:nvPr/>
+        </p:nvSpPr>
+        <p:spPr bwMode="auto">
+          <a:xfrm>
+            <a:off x="2217269" y="2400300"/>
+            <a:ext cx="14730636" cy="4832092"/>
+          </a:xfrm>
+          <a:prstGeom prst="rect">
+            <a:avLst/>
+          </a:prstGeom>
+          <a:noFill/>
+          <a:ln>
+            <a:noFill/>
+          </a:ln>
+          <a:effectLst/>
+          <a:extLst>
+            <a:ext uri="{909E8E84-426E-40DD-AFC4-6F175D3DCCD1}">
+              <a14:hiddenFill xmlns:a14="http://schemas.microsoft.com/office/drawing/2010/main">
+                <a:solidFill>
+                  <a:schemeClr val="accent1"/>
+                </a:solidFill>
+              </a14:hiddenFill>
+            </a:ext>
+            <a:ext uri="{91240B29-F687-4F45-9708-019B960494DF}">
+              <a14:hiddenLine xmlns:a14="http://schemas.microsoft.com/office/drawing/2010/main" w="9525">
+                <a:solidFill>
+                  <a:schemeClr val="tx1"/>
+                </a:solidFill>
+                <a:miter lim="800000"/>
+                <a:headEnd/>
+                <a:tailEnd/>
+              </a14:hiddenLine>
+            </a:ext>
+            <a:ext uri="{AF507438-7753-43E0-B8FC-AC1667EBCBE1}">
+              <a14:hiddenEffects xmlns:a14="http://schemas.microsoft.com/office/drawing/2010/main">
+                <a:effectLst>
+                  <a:outerShdw dist="35921" dir="2700000" algn="ctr" rotWithShape="0">
+                    <a:schemeClr val="bg2"/>
+                  </a:outerShdw>
+                </a:effectLst>
+              </a14:hiddenEffects>
+            </a:ext>
+          </a:extLst>
+        </p:spPr>
+        <p:txBody>
+          <a:bodyPr vert="horz" wrap="none" lIns="91440" tIns="45720" rIns="91440" bIns="45720" numCol="1" anchor="ctr" anchorCtr="0" compatLnSpc="1">
+            <a:prstTxWarp prst="textNoShape">
+              <a:avLst/>
+            </a:prstTxWarp>
+            <a:spAutoFit/>
+          </a:bodyPr>
+          <a:lstStyle/>
+          <a:p>
+            <a:pPr marL="571500" marR="0" lvl="0" indent="-571500" algn="l" defTabSz="914400" rtl="0" eaLnBrk="0" fontAlgn="base" latinLnBrk="0" hangingPunct="0">
+              <a:lnSpc>
+                <a:spcPct val="100000"/>
+              </a:lnSpc>
+              <a:spcBef>
+                <a:spcPct val="0"/>
+              </a:spcBef>
+              <a:spcAft>
+                <a:spcPct val="0"/>
+              </a:spcAft>
+              <a:buClrTx/>
+              <a:buSzTx/>
+              <a:buFont typeface="Wingdings" panose="05000000000000000000" pitchFamily="2" charset="2"/>
+              <a:buChar char="q"/>
+              <a:tabLst/>
+            </a:pPr>
+            <a:r>
+              <a:rPr kumimoji="0" lang="en-US" altLang="en-US" sz="4400" b="1" i="0" u="none" strike="noStrike" cap="none" normalizeH="0" baseline="0" dirty="0">
+                <a:ln>
+                  <a:noFill/>
+                </a:ln>
+                <a:solidFill>
+                  <a:schemeClr val="tx1"/>
+                </a:solidFill>
+                <a:effectLst/>
+                <a:latin typeface="Constantia" panose="02030602050306030303" pitchFamily="18" charset="0"/>
+              </a:rPr>
+              <a:t>String</a:t>
+            </a:r>
+            <a:r>
+              <a:rPr kumimoji="0" lang="en-US" altLang="en-US" sz="4400" b="0" i="0" u="none" strike="noStrike" cap="none" normalizeH="0" baseline="0" dirty="0">
+                <a:ln>
+                  <a:noFill/>
+                </a:ln>
+                <a:solidFill>
+                  <a:schemeClr val="tx1"/>
+                </a:solidFill>
+                <a:effectLst/>
+                <a:latin typeface="Constantia" panose="02030602050306030303" pitchFamily="18" charset="0"/>
+              </a:rPr>
+              <a:t>: Text values, e.g., "Hello World"</a:t>
+            </a:r>
+          </a:p>
+          <a:p>
+            <a:pPr marL="571500" marR="0" lvl="0" indent="-571500" algn="l" defTabSz="914400" rtl="0" eaLnBrk="0" fontAlgn="base" latinLnBrk="0" hangingPunct="0">
+              <a:lnSpc>
+                <a:spcPct val="100000"/>
+              </a:lnSpc>
+              <a:spcBef>
+                <a:spcPct val="0"/>
+              </a:spcBef>
+              <a:spcAft>
+                <a:spcPct val="0"/>
+              </a:spcAft>
+              <a:buClrTx/>
+              <a:buSzTx/>
+              <a:buFont typeface="Wingdings" panose="05000000000000000000" pitchFamily="2" charset="2"/>
+              <a:buChar char="q"/>
+              <a:tabLst/>
+            </a:pPr>
+            <a:r>
+              <a:rPr kumimoji="0" lang="en-US" altLang="en-US" sz="4400" b="1" i="0" u="none" strike="noStrike" cap="none" normalizeH="0" baseline="0" dirty="0">
+                <a:ln>
+                  <a:noFill/>
+                </a:ln>
+                <a:solidFill>
+                  <a:schemeClr val="tx1"/>
+                </a:solidFill>
+                <a:effectLst/>
+                <a:latin typeface="Constantia" panose="02030602050306030303" pitchFamily="18" charset="0"/>
+              </a:rPr>
+              <a:t>Number</a:t>
+            </a:r>
+            <a:r>
+              <a:rPr kumimoji="0" lang="en-US" altLang="en-US" sz="4400" b="0" i="0" u="none" strike="noStrike" cap="none" normalizeH="0" baseline="0" dirty="0">
+                <a:ln>
+                  <a:noFill/>
+                </a:ln>
+                <a:solidFill>
+                  <a:schemeClr val="tx1"/>
+                </a:solidFill>
+                <a:effectLst/>
+                <a:latin typeface="Constantia" panose="02030602050306030303" pitchFamily="18" charset="0"/>
+              </a:rPr>
+              <a:t>: Numeric values, e.g., 100, 25.5</a:t>
+            </a:r>
+          </a:p>
+          <a:p>
+            <a:pPr marL="571500" marR="0" lvl="0" indent="-571500" algn="l" defTabSz="914400" rtl="0" eaLnBrk="0" fontAlgn="base" latinLnBrk="0" hangingPunct="0">
+              <a:lnSpc>
+                <a:spcPct val="100000"/>
+              </a:lnSpc>
+              <a:spcBef>
+                <a:spcPct val="0"/>
+              </a:spcBef>
+              <a:spcAft>
+                <a:spcPct val="0"/>
+              </a:spcAft>
+              <a:buClrTx/>
+              <a:buSzTx/>
+              <a:buFont typeface="Wingdings" panose="05000000000000000000" pitchFamily="2" charset="2"/>
+              <a:buChar char="q"/>
+              <a:tabLst/>
+            </a:pPr>
+            <a:r>
+              <a:rPr kumimoji="0" lang="en-US" altLang="en-US" sz="4400" b="1" i="0" u="none" strike="noStrike" cap="none" normalizeH="0" baseline="0" dirty="0">
+                <a:ln>
+                  <a:noFill/>
+                </a:ln>
+                <a:solidFill>
+                  <a:schemeClr val="tx1"/>
+                </a:solidFill>
+                <a:effectLst/>
+                <a:latin typeface="Constantia" panose="02030602050306030303" pitchFamily="18" charset="0"/>
+              </a:rPr>
+              <a:t>Boolean</a:t>
+            </a:r>
+            <a:r>
+              <a:rPr kumimoji="0" lang="en-US" altLang="en-US" sz="4400" b="0" i="0" u="none" strike="noStrike" cap="none" normalizeH="0" baseline="0" dirty="0">
+                <a:ln>
+                  <a:noFill/>
+                </a:ln>
+                <a:solidFill>
+                  <a:schemeClr val="tx1"/>
+                </a:solidFill>
+                <a:effectLst/>
+                <a:latin typeface="Constantia" panose="02030602050306030303" pitchFamily="18" charset="0"/>
+              </a:rPr>
+              <a:t>: True or false values, e.g., true, false</a:t>
+            </a:r>
+          </a:p>
+          <a:p>
+            <a:pPr marL="571500" marR="0" lvl="0" indent="-571500" algn="l" defTabSz="914400" rtl="0" eaLnBrk="0" fontAlgn="base" latinLnBrk="0" hangingPunct="0">
+              <a:lnSpc>
+                <a:spcPct val="100000"/>
+              </a:lnSpc>
+              <a:spcBef>
+                <a:spcPct val="0"/>
+              </a:spcBef>
+              <a:spcAft>
+                <a:spcPct val="0"/>
+              </a:spcAft>
+              <a:buClrTx/>
+              <a:buSzTx/>
+              <a:buFont typeface="Wingdings" panose="05000000000000000000" pitchFamily="2" charset="2"/>
+              <a:buChar char="q"/>
+              <a:tabLst/>
+            </a:pPr>
+            <a:r>
+              <a:rPr kumimoji="0" lang="en-US" altLang="en-US" sz="4400" b="1" i="0" u="none" strike="noStrike" cap="none" normalizeH="0" baseline="0" dirty="0">
+                <a:ln>
+                  <a:noFill/>
+                </a:ln>
+                <a:solidFill>
+                  <a:schemeClr val="tx1"/>
+                </a:solidFill>
+                <a:effectLst/>
+                <a:latin typeface="Constantia" panose="02030602050306030303" pitchFamily="18" charset="0"/>
+              </a:rPr>
+              <a:t>Object</a:t>
+            </a:r>
+            <a:r>
+              <a:rPr kumimoji="0" lang="en-US" altLang="en-US" sz="4400" b="0" i="0" u="none" strike="noStrike" cap="none" normalizeH="0" baseline="0" dirty="0">
+                <a:ln>
+                  <a:noFill/>
+                </a:ln>
+                <a:solidFill>
+                  <a:schemeClr val="tx1"/>
+                </a:solidFill>
+                <a:effectLst/>
+                <a:latin typeface="Constantia" panose="02030602050306030303" pitchFamily="18" charset="0"/>
+              </a:rPr>
+              <a:t>: Key-value pairs, e.g., {name: "John", age: 25}</a:t>
+            </a:r>
+          </a:p>
+          <a:p>
+            <a:pPr marL="571500" marR="0" lvl="0" indent="-571500" algn="l" defTabSz="914400" rtl="0" eaLnBrk="0" fontAlgn="base" latinLnBrk="0" hangingPunct="0">
+              <a:lnSpc>
+                <a:spcPct val="100000"/>
+              </a:lnSpc>
+              <a:spcBef>
+                <a:spcPct val="0"/>
+              </a:spcBef>
+              <a:spcAft>
+                <a:spcPct val="0"/>
+              </a:spcAft>
+              <a:buClrTx/>
+              <a:buSzTx/>
+              <a:buFont typeface="Wingdings" panose="05000000000000000000" pitchFamily="2" charset="2"/>
+              <a:buChar char="q"/>
+              <a:tabLst/>
+            </a:pPr>
+            <a:r>
+              <a:rPr kumimoji="0" lang="en-US" altLang="en-US" sz="4400" b="1" i="0" u="none" strike="noStrike" cap="none" normalizeH="0" baseline="0" dirty="0">
+                <a:ln>
+                  <a:noFill/>
+                </a:ln>
+                <a:solidFill>
+                  <a:schemeClr val="tx1"/>
+                </a:solidFill>
+                <a:effectLst/>
+                <a:latin typeface="Constantia" panose="02030602050306030303" pitchFamily="18" charset="0"/>
+              </a:rPr>
+              <a:t>Array</a:t>
+            </a:r>
+            <a:r>
+              <a:rPr kumimoji="0" lang="en-US" altLang="en-US" sz="4400" b="0" i="0" u="none" strike="noStrike" cap="none" normalizeH="0" baseline="0" dirty="0">
+                <a:ln>
+                  <a:noFill/>
+                </a:ln>
+                <a:solidFill>
+                  <a:schemeClr val="tx1"/>
+                </a:solidFill>
+                <a:effectLst/>
+                <a:latin typeface="Constantia" panose="02030602050306030303" pitchFamily="18" charset="0"/>
+              </a:rPr>
+              <a:t>: Ordered list of values, e.g., [1, 2, 3]</a:t>
+            </a:r>
+          </a:p>
+          <a:p>
+            <a:pPr marL="571500" marR="0" lvl="0" indent="-571500" algn="l" defTabSz="914400" rtl="0" eaLnBrk="0" fontAlgn="base" latinLnBrk="0" hangingPunct="0">
+              <a:lnSpc>
+                <a:spcPct val="100000"/>
+              </a:lnSpc>
+              <a:spcBef>
+                <a:spcPct val="0"/>
+              </a:spcBef>
+              <a:spcAft>
+                <a:spcPct val="0"/>
+              </a:spcAft>
+              <a:buClrTx/>
+              <a:buSzTx/>
+              <a:buFont typeface="Wingdings" panose="05000000000000000000" pitchFamily="2" charset="2"/>
+              <a:buChar char="q"/>
+              <a:tabLst/>
+            </a:pPr>
+            <a:r>
+              <a:rPr kumimoji="0" lang="en-US" altLang="en-US" sz="4400" b="1" i="0" u="none" strike="noStrike" cap="none" normalizeH="0" baseline="0" dirty="0">
+                <a:ln>
+                  <a:noFill/>
+                </a:ln>
+                <a:solidFill>
+                  <a:schemeClr val="tx1"/>
+                </a:solidFill>
+                <a:effectLst/>
+                <a:latin typeface="Constantia" panose="02030602050306030303" pitchFamily="18" charset="0"/>
+              </a:rPr>
+              <a:t>Null</a:t>
+            </a:r>
+            <a:r>
+              <a:rPr kumimoji="0" lang="en-US" altLang="en-US" sz="4400" b="0" i="0" u="none" strike="noStrike" cap="none" normalizeH="0" baseline="0" dirty="0">
+                <a:ln>
+                  <a:noFill/>
+                </a:ln>
+                <a:solidFill>
+                  <a:schemeClr val="tx1"/>
+                </a:solidFill>
+                <a:effectLst/>
+                <a:latin typeface="Constantia" panose="02030602050306030303" pitchFamily="18" charset="0"/>
+              </a:rPr>
+              <a:t>: Represents no value, e.g., null</a:t>
+            </a:r>
+          </a:p>
+          <a:p>
+            <a:pPr marL="571500" marR="0" lvl="0" indent="-571500" algn="l" defTabSz="914400" rtl="0" eaLnBrk="0" fontAlgn="base" latinLnBrk="0" hangingPunct="0">
+              <a:lnSpc>
+                <a:spcPct val="100000"/>
+              </a:lnSpc>
+              <a:spcBef>
+                <a:spcPct val="0"/>
+              </a:spcBef>
+              <a:spcAft>
+                <a:spcPct val="0"/>
+              </a:spcAft>
+              <a:buClrTx/>
+              <a:buSzTx/>
+              <a:buFont typeface="Wingdings" panose="05000000000000000000" pitchFamily="2" charset="2"/>
+              <a:buChar char="q"/>
+              <a:tabLst/>
+            </a:pPr>
+            <a:r>
+              <a:rPr kumimoji="0" lang="en-US" altLang="en-US" sz="4400" b="1" i="0" u="none" strike="noStrike" cap="none" normalizeH="0" baseline="0" dirty="0">
+                <a:ln>
+                  <a:noFill/>
+                </a:ln>
+                <a:solidFill>
+                  <a:schemeClr val="tx1"/>
+                </a:solidFill>
+                <a:effectLst/>
+                <a:latin typeface="Constantia" panose="02030602050306030303" pitchFamily="18" charset="0"/>
+              </a:rPr>
+              <a:t>Undefined</a:t>
+            </a:r>
+            <a:r>
+              <a:rPr kumimoji="0" lang="en-US" altLang="en-US" sz="4400" b="0" i="0" u="none" strike="noStrike" cap="none" normalizeH="0" baseline="0" dirty="0">
+                <a:ln>
+                  <a:noFill/>
+                </a:ln>
+                <a:solidFill>
+                  <a:schemeClr val="tx1"/>
+                </a:solidFill>
+                <a:effectLst/>
+                <a:latin typeface="Constantia" panose="02030602050306030303" pitchFamily="18" charset="0"/>
+              </a:rPr>
+              <a:t>: A variable declared but not assigned a value. </a:t>
+            </a:r>
+          </a:p>
+        </p:txBody>
+      </p:sp>
+    </p:spTree>
+    <p:extLst>
+      <p:ext uri="{BB962C8B-B14F-4D97-AF65-F5344CB8AC3E}">
+        <p14:creationId xmlns:p14="http://schemas.microsoft.com/office/powerpoint/2010/main" val="3764256854"/>
+      </p:ext>
+    </p:extLst>
+  </p:cSld>
+  <p:clrMapOvr>
+    <a:masterClrMapping/>
+  </p:clrMapOvr>
+  <p:timing>
+    <p:tnLst>
+      <p:par>
+        <p:cTn id="1" dur="indefinite" restart="never" nodeType="tmRoot">
+          <p:childTnLst>
+            <p:seq concurrent="1" nextAc="seek">
+              <p:cTn id="2" dur="indefinite" nodeType="mainSeq">
+                <p:childTnLst>
+                  <p:par>
+                    <p:cTn id="3" fill="hold">
+                      <p:stCondLst>
+                        <p:cond delay="indefinite"/>
+                      </p:stCondLst>
+                      <p:childTnLst>
+                        <p:par>
+                          <p:cTn id="4" fill="hold">
+                            <p:stCondLst>
+                              <p:cond delay="0"/>
+                            </p:stCondLst>
+                            <p:childTnLst>
+                              <p:par>
+                                <p:cTn id="5" presetID="2" presetClass="entr" presetSubtype="4" fill="hold" grpId="0" nodeType="clickEffect">
+                                  <p:stCondLst>
+                                    <p:cond delay="0"/>
+                                  </p:stCondLst>
+                                  <p:childTnLst>
+                                    <p:set>
+                                      <p:cBhvr>
+                                        <p:cTn id="6" dur="1" fill="hold">
+                                          <p:stCondLst>
+                                            <p:cond delay="0"/>
+                                          </p:stCondLst>
+                                        </p:cTn>
+                                        <p:tgtEl>
+                                          <p:spTgt spid="2">
+                                            <p:txEl>
+                                              <p:pRg st="0" end="0"/>
+                                            </p:txEl>
+                                          </p:spTgt>
+                                        </p:tgtEl>
+                                        <p:attrNameLst>
+                                          <p:attrName>style.visibility</p:attrName>
+                                        </p:attrNameLst>
+                                      </p:cBhvr>
+                                      <p:to>
+                                        <p:strVal val="visible"/>
+                                      </p:to>
+                                    </p:set>
+                                    <p:anim calcmode="lin" valueType="num">
+                                      <p:cBhvr additive="base">
+                                        <p:cTn id="7" dur="500" fill="hold"/>
+                                        <p:tgtEl>
+                                          <p:spTgt spid="2">
+                                            <p:txEl>
+                                              <p:pRg st="0" end="0"/>
+                                            </p:txEl>
+                                          </p:spTgt>
+                                        </p:tgtEl>
+                                        <p:attrNameLst>
+                                          <p:attrName>ppt_x</p:attrName>
+                                        </p:attrNameLst>
+                                      </p:cBhvr>
+                                      <p:tavLst>
+                                        <p:tav tm="0">
+                                          <p:val>
+                                            <p:strVal val="#ppt_x"/>
+                                          </p:val>
+                                        </p:tav>
+                                        <p:tav tm="100000">
+                                          <p:val>
+                                            <p:strVal val="#ppt_x"/>
+                                          </p:val>
+                                        </p:tav>
+                                      </p:tavLst>
+                                    </p:anim>
+                                    <p:anim calcmode="lin" valueType="num">
+                                      <p:cBhvr additive="base">
+                                        <p:cTn id="8" dur="500" fill="hold"/>
+                                        <p:tgtEl>
+                                          <p:spTgt spid="2">
+                                            <p:txEl>
+                                              <p:pRg st="0" end="0"/>
+                                            </p:txEl>
+                                          </p:spTgt>
+                                        </p:tgtEl>
+                                        <p:attrNameLst>
+                                          <p:attrName>ppt_y</p:attrName>
+                                        </p:attrNameLst>
+                                      </p:cBhvr>
+                                      <p:tavLst>
+                                        <p:tav tm="0">
+                                          <p:val>
+                                            <p:strVal val="1+#ppt_h/2"/>
+                                          </p:val>
+                                        </p:tav>
+                                        <p:tav tm="100000">
+                                          <p:val>
+                                            <p:strVal val="#ppt_y"/>
+                                          </p:val>
+                                        </p:tav>
+                                      </p:tavLst>
+                                    </p:anim>
+                                  </p:childTnLst>
+                                </p:cTn>
+                              </p:par>
+                            </p:childTnLst>
+                          </p:cTn>
+                        </p:par>
+                      </p:childTnLst>
+                    </p:cTn>
+                  </p:par>
+                  <p:par>
+                    <p:cTn id="9" fill="hold">
+                      <p:stCondLst>
+                        <p:cond delay="indefinite"/>
+                      </p:stCondLst>
+                      <p:childTnLst>
+                        <p:par>
+                          <p:cTn id="10" fill="hold">
+                            <p:stCondLst>
+                              <p:cond delay="0"/>
+                            </p:stCondLst>
+                            <p:childTnLst>
+                              <p:par>
+                                <p:cTn id="11" presetID="2" presetClass="entr" presetSubtype="4" fill="hold" grpId="0" nodeType="clickEffect">
+                                  <p:stCondLst>
+                                    <p:cond delay="0"/>
+                                  </p:stCondLst>
+                                  <p:childTnLst>
+                                    <p:set>
+                                      <p:cBhvr>
+                                        <p:cTn id="12" dur="1" fill="hold">
+                                          <p:stCondLst>
+                                            <p:cond delay="0"/>
+                                          </p:stCondLst>
+                                        </p:cTn>
+                                        <p:tgtEl>
+                                          <p:spTgt spid="2">
+                                            <p:txEl>
+                                              <p:pRg st="1" end="1"/>
+                                            </p:txEl>
+                                          </p:spTgt>
+                                        </p:tgtEl>
+                                        <p:attrNameLst>
+                                          <p:attrName>style.visibility</p:attrName>
+                                        </p:attrNameLst>
+                                      </p:cBhvr>
+                                      <p:to>
+                                        <p:strVal val="visible"/>
+                                      </p:to>
+                                    </p:set>
+                                    <p:anim calcmode="lin" valueType="num">
+                                      <p:cBhvr additive="base">
+                                        <p:cTn id="13" dur="500" fill="hold"/>
+                                        <p:tgtEl>
+                                          <p:spTgt spid="2">
+                                            <p:txEl>
+                                              <p:pRg st="1" end="1"/>
+                                            </p:txEl>
+                                          </p:spTgt>
+                                        </p:tgtEl>
+                                        <p:attrNameLst>
+                                          <p:attrName>ppt_x</p:attrName>
+                                        </p:attrNameLst>
+                                      </p:cBhvr>
+                                      <p:tavLst>
+                                        <p:tav tm="0">
+                                          <p:val>
+                                            <p:strVal val="#ppt_x"/>
+                                          </p:val>
+                                        </p:tav>
+                                        <p:tav tm="100000">
+                                          <p:val>
+                                            <p:strVal val="#ppt_x"/>
+                                          </p:val>
+                                        </p:tav>
+                                      </p:tavLst>
+                                    </p:anim>
+                                    <p:anim calcmode="lin" valueType="num">
+                                      <p:cBhvr additive="base">
+                                        <p:cTn id="14" dur="500" fill="hold"/>
+                                        <p:tgtEl>
+                                          <p:spTgt spid="2">
+                                            <p:txEl>
+                                              <p:pRg st="1" end="1"/>
+                                            </p:txEl>
+                                          </p:spTgt>
+                                        </p:tgtEl>
+                                        <p:attrNameLst>
+                                          <p:attrName>ppt_y</p:attrName>
+                                        </p:attrNameLst>
+                                      </p:cBhvr>
+                                      <p:tavLst>
+                                        <p:tav tm="0">
+                                          <p:val>
+                                            <p:strVal val="1+#ppt_h/2"/>
+                                          </p:val>
+                                        </p:tav>
+                                        <p:tav tm="100000">
+                                          <p:val>
+                                            <p:strVal val="#ppt_y"/>
+                                          </p:val>
+                                        </p:tav>
+                                      </p:tavLst>
+                                    </p:anim>
+                                  </p:childTnLst>
+                                </p:cTn>
+                              </p:par>
+                            </p:childTnLst>
+                          </p:cTn>
+                        </p:par>
+                      </p:childTnLst>
+                    </p:cTn>
+                  </p:par>
+                  <p:par>
+                    <p:cTn id="15" fill="hold">
+                      <p:stCondLst>
+                        <p:cond delay="indefinite"/>
+                      </p:stCondLst>
+                      <p:childTnLst>
+                        <p:par>
+                          <p:cTn id="16" fill="hold">
+                            <p:stCondLst>
+                              <p:cond delay="0"/>
+                            </p:stCondLst>
+                            <p:childTnLst>
+                              <p:par>
+                                <p:cTn id="17" presetID="2" presetClass="entr" presetSubtype="4" fill="hold" grpId="0" nodeType="clickEffect">
+                                  <p:stCondLst>
+                                    <p:cond delay="0"/>
+                                  </p:stCondLst>
+                                  <p:childTnLst>
+                                    <p:set>
+                                      <p:cBhvr>
+                                        <p:cTn id="18" dur="1" fill="hold">
+                                          <p:stCondLst>
+                                            <p:cond delay="0"/>
+                                          </p:stCondLst>
+                                        </p:cTn>
+                                        <p:tgtEl>
+                                          <p:spTgt spid="2">
+                                            <p:txEl>
+                                              <p:pRg st="2" end="2"/>
+                                            </p:txEl>
+                                          </p:spTgt>
+                                        </p:tgtEl>
+                                        <p:attrNameLst>
+                                          <p:attrName>style.visibility</p:attrName>
+                                        </p:attrNameLst>
+                                      </p:cBhvr>
+                                      <p:to>
+                                        <p:strVal val="visible"/>
+                                      </p:to>
+                                    </p:set>
+                                    <p:anim calcmode="lin" valueType="num">
+                                      <p:cBhvr additive="base">
+                                        <p:cTn id="19" dur="500" fill="hold"/>
+                                        <p:tgtEl>
+                                          <p:spTgt spid="2">
+                                            <p:txEl>
+                                              <p:pRg st="2" end="2"/>
+                                            </p:txEl>
+                                          </p:spTgt>
+                                        </p:tgtEl>
+                                        <p:attrNameLst>
+                                          <p:attrName>ppt_x</p:attrName>
+                                        </p:attrNameLst>
+                                      </p:cBhvr>
+                                      <p:tavLst>
+                                        <p:tav tm="0">
+                                          <p:val>
+                                            <p:strVal val="#ppt_x"/>
+                                          </p:val>
+                                        </p:tav>
+                                        <p:tav tm="100000">
+                                          <p:val>
+                                            <p:strVal val="#ppt_x"/>
+                                          </p:val>
+                                        </p:tav>
+                                      </p:tavLst>
+                                    </p:anim>
+                                    <p:anim calcmode="lin" valueType="num">
+                                      <p:cBhvr additive="base">
+                                        <p:cTn id="20" dur="500" fill="hold"/>
+                                        <p:tgtEl>
+                                          <p:spTgt spid="2">
+                                            <p:txEl>
+                                              <p:pRg st="2" end="2"/>
+                                            </p:txEl>
+                                          </p:spTgt>
+                                        </p:tgtEl>
+                                        <p:attrNameLst>
+                                          <p:attrName>ppt_y</p:attrName>
+                                        </p:attrNameLst>
+                                      </p:cBhvr>
+                                      <p:tavLst>
+                                        <p:tav tm="0">
+                                          <p:val>
+                                            <p:strVal val="1+#ppt_h/2"/>
+                                          </p:val>
+                                        </p:tav>
+                                        <p:tav tm="100000">
+                                          <p:val>
+                                            <p:strVal val="#ppt_y"/>
+                                          </p:val>
+                                        </p:tav>
+                                      </p:tavLst>
+                                    </p:anim>
+                                  </p:childTnLst>
+                                </p:cTn>
+                              </p:par>
+                            </p:childTnLst>
+                          </p:cTn>
+                        </p:par>
+                      </p:childTnLst>
+                    </p:cTn>
+                  </p:par>
+                  <p:par>
+                    <p:cTn id="21" fill="hold">
+                      <p:stCondLst>
+                        <p:cond delay="indefinite"/>
+                      </p:stCondLst>
+                      <p:childTnLst>
+                        <p:par>
+                          <p:cTn id="22" fill="hold">
+                            <p:stCondLst>
+                              <p:cond delay="0"/>
+                            </p:stCondLst>
+                            <p:childTnLst>
+                              <p:par>
+                                <p:cTn id="23" presetID="2" presetClass="entr" presetSubtype="4" fill="hold" grpId="0" nodeType="clickEffect">
+                                  <p:stCondLst>
+                                    <p:cond delay="0"/>
+                                  </p:stCondLst>
+                                  <p:childTnLst>
+                                    <p:set>
+                                      <p:cBhvr>
+                                        <p:cTn id="24" dur="1" fill="hold">
+                                          <p:stCondLst>
+                                            <p:cond delay="0"/>
+                                          </p:stCondLst>
+                                        </p:cTn>
+                                        <p:tgtEl>
+                                          <p:spTgt spid="2">
+                                            <p:txEl>
+                                              <p:pRg st="3" end="3"/>
+                                            </p:txEl>
+                                          </p:spTgt>
+                                        </p:tgtEl>
+                                        <p:attrNameLst>
+                                          <p:attrName>style.visibility</p:attrName>
+                                        </p:attrNameLst>
+                                      </p:cBhvr>
+                                      <p:to>
+                                        <p:strVal val="visible"/>
+                                      </p:to>
+                                    </p:set>
+                                    <p:anim calcmode="lin" valueType="num">
+                                      <p:cBhvr additive="base">
+                                        <p:cTn id="25" dur="500" fill="hold"/>
+                                        <p:tgtEl>
+                                          <p:spTgt spid="2">
+                                            <p:txEl>
+                                              <p:pRg st="3" end="3"/>
+                                            </p:txEl>
+                                          </p:spTgt>
+                                        </p:tgtEl>
+                                        <p:attrNameLst>
+                                          <p:attrName>ppt_x</p:attrName>
+                                        </p:attrNameLst>
+                                      </p:cBhvr>
+                                      <p:tavLst>
+                                        <p:tav tm="0">
+                                          <p:val>
+                                            <p:strVal val="#ppt_x"/>
+                                          </p:val>
+                                        </p:tav>
+                                        <p:tav tm="100000">
+                                          <p:val>
+                                            <p:strVal val="#ppt_x"/>
+                                          </p:val>
+                                        </p:tav>
+                                      </p:tavLst>
+                                    </p:anim>
+                                    <p:anim calcmode="lin" valueType="num">
+                                      <p:cBhvr additive="base">
+                                        <p:cTn id="26" dur="500" fill="hold"/>
+                                        <p:tgtEl>
+                                          <p:spTgt spid="2">
+                                            <p:txEl>
+                                              <p:pRg st="3" end="3"/>
+                                            </p:txEl>
+                                          </p:spTgt>
+                                        </p:tgtEl>
+                                        <p:attrNameLst>
+                                          <p:attrName>ppt_y</p:attrName>
+                                        </p:attrNameLst>
+                                      </p:cBhvr>
+                                      <p:tavLst>
+                                        <p:tav tm="0">
+                                          <p:val>
+                                            <p:strVal val="1+#ppt_h/2"/>
+                                          </p:val>
+                                        </p:tav>
+                                        <p:tav tm="100000">
+                                          <p:val>
+                                            <p:strVal val="#ppt_y"/>
+                                          </p:val>
+                                        </p:tav>
+                                      </p:tavLst>
+                                    </p:anim>
+                                  </p:childTnLst>
+                                </p:cTn>
+                              </p:par>
+                            </p:childTnLst>
+                          </p:cTn>
+                        </p:par>
+                      </p:childTnLst>
+                    </p:cTn>
+                  </p:par>
+                  <p:par>
+                    <p:cTn id="27" fill="hold">
+                      <p:stCondLst>
+                        <p:cond delay="indefinite"/>
+                      </p:stCondLst>
+                      <p:childTnLst>
+                        <p:par>
+                          <p:cTn id="28" fill="hold">
+                            <p:stCondLst>
+                              <p:cond delay="0"/>
+                            </p:stCondLst>
+                            <p:childTnLst>
+                              <p:par>
+                                <p:cTn id="29" presetID="2" presetClass="entr" presetSubtype="4" fill="hold" grpId="0" nodeType="clickEffect">
+                                  <p:stCondLst>
+                                    <p:cond delay="0"/>
+                                  </p:stCondLst>
+                                  <p:childTnLst>
+                                    <p:set>
+                                      <p:cBhvr>
+                                        <p:cTn id="30" dur="1" fill="hold">
+                                          <p:stCondLst>
+                                            <p:cond delay="0"/>
+                                          </p:stCondLst>
+                                        </p:cTn>
+                                        <p:tgtEl>
+                                          <p:spTgt spid="2">
+                                            <p:txEl>
+                                              <p:pRg st="4" end="4"/>
+                                            </p:txEl>
+                                          </p:spTgt>
+                                        </p:tgtEl>
+                                        <p:attrNameLst>
+                                          <p:attrName>style.visibility</p:attrName>
+                                        </p:attrNameLst>
+                                      </p:cBhvr>
+                                      <p:to>
+                                        <p:strVal val="visible"/>
+                                      </p:to>
+                                    </p:set>
+                                    <p:anim calcmode="lin" valueType="num">
+                                      <p:cBhvr additive="base">
+                                        <p:cTn id="31" dur="500" fill="hold"/>
+                                        <p:tgtEl>
+                                          <p:spTgt spid="2">
+                                            <p:txEl>
+                                              <p:pRg st="4" end="4"/>
+                                            </p:txEl>
+                                          </p:spTgt>
+                                        </p:tgtEl>
+                                        <p:attrNameLst>
+                                          <p:attrName>ppt_x</p:attrName>
+                                        </p:attrNameLst>
+                                      </p:cBhvr>
+                                      <p:tavLst>
+                                        <p:tav tm="0">
+                                          <p:val>
+                                            <p:strVal val="#ppt_x"/>
+                                          </p:val>
+                                        </p:tav>
+                                        <p:tav tm="100000">
+                                          <p:val>
+                                            <p:strVal val="#ppt_x"/>
+                                          </p:val>
+                                        </p:tav>
+                                      </p:tavLst>
+                                    </p:anim>
+                                    <p:anim calcmode="lin" valueType="num">
+                                      <p:cBhvr additive="base">
+                                        <p:cTn id="32" dur="500" fill="hold"/>
+                                        <p:tgtEl>
+                                          <p:spTgt spid="2">
+                                            <p:txEl>
+                                              <p:pRg st="4" end="4"/>
+                                            </p:txEl>
+                                          </p:spTgt>
+                                        </p:tgtEl>
+                                        <p:attrNameLst>
+                                          <p:attrName>ppt_y</p:attrName>
+                                        </p:attrNameLst>
+                                      </p:cBhvr>
+                                      <p:tavLst>
+                                        <p:tav tm="0">
+                                          <p:val>
+                                            <p:strVal val="1+#ppt_h/2"/>
+                                          </p:val>
+                                        </p:tav>
+                                        <p:tav tm="100000">
+                                          <p:val>
+                                            <p:strVal val="#ppt_y"/>
+                                          </p:val>
+                                        </p:tav>
+                                      </p:tavLst>
+                                    </p:anim>
+                                  </p:childTnLst>
+                                </p:cTn>
+                              </p:par>
+                            </p:childTnLst>
+                          </p:cTn>
+                        </p:par>
+                      </p:childTnLst>
+                    </p:cTn>
+                  </p:par>
+                  <p:par>
+                    <p:cTn id="33" fill="hold">
+                      <p:stCondLst>
+                        <p:cond delay="indefinite"/>
+                      </p:stCondLst>
+                      <p:childTnLst>
+                        <p:par>
+                          <p:cTn id="34" fill="hold">
+                            <p:stCondLst>
+                              <p:cond delay="0"/>
+                            </p:stCondLst>
+                            <p:childTnLst>
+                              <p:par>
+                                <p:cTn id="35" presetID="2" presetClass="entr" presetSubtype="4" fill="hold" grpId="0" nodeType="clickEffect">
+                                  <p:stCondLst>
+                                    <p:cond delay="0"/>
+                                  </p:stCondLst>
+                                  <p:childTnLst>
+                                    <p:set>
+                                      <p:cBhvr>
+                                        <p:cTn id="36" dur="1" fill="hold">
+                                          <p:stCondLst>
+                                            <p:cond delay="0"/>
+                                          </p:stCondLst>
+                                        </p:cTn>
+                                        <p:tgtEl>
+                                          <p:spTgt spid="2">
+                                            <p:txEl>
+                                              <p:pRg st="5" end="5"/>
+                                            </p:txEl>
+                                          </p:spTgt>
+                                        </p:tgtEl>
+                                        <p:attrNameLst>
+                                          <p:attrName>style.visibility</p:attrName>
+                                        </p:attrNameLst>
+                                      </p:cBhvr>
+                                      <p:to>
+                                        <p:strVal val="visible"/>
+                                      </p:to>
+                                    </p:set>
+                                    <p:anim calcmode="lin" valueType="num">
+                                      <p:cBhvr additive="base">
+                                        <p:cTn id="37" dur="500" fill="hold"/>
+                                        <p:tgtEl>
+                                          <p:spTgt spid="2">
+                                            <p:txEl>
+                                              <p:pRg st="5" end="5"/>
+                                            </p:txEl>
+                                          </p:spTgt>
+                                        </p:tgtEl>
+                                        <p:attrNameLst>
+                                          <p:attrName>ppt_x</p:attrName>
+                                        </p:attrNameLst>
+                                      </p:cBhvr>
+                                      <p:tavLst>
+                                        <p:tav tm="0">
+                                          <p:val>
+                                            <p:strVal val="#ppt_x"/>
+                                          </p:val>
+                                        </p:tav>
+                                        <p:tav tm="100000">
+                                          <p:val>
+                                            <p:strVal val="#ppt_x"/>
+                                          </p:val>
+                                        </p:tav>
+                                      </p:tavLst>
+                                    </p:anim>
+                                    <p:anim calcmode="lin" valueType="num">
+                                      <p:cBhvr additive="base">
+                                        <p:cTn id="38" dur="500" fill="hold"/>
+                                        <p:tgtEl>
+                                          <p:spTgt spid="2">
+                                            <p:txEl>
+                                              <p:pRg st="5" end="5"/>
+                                            </p:txEl>
+                                          </p:spTgt>
+                                        </p:tgtEl>
+                                        <p:attrNameLst>
+                                          <p:attrName>ppt_y</p:attrName>
+                                        </p:attrNameLst>
+                                      </p:cBhvr>
+                                      <p:tavLst>
+                                        <p:tav tm="0">
+                                          <p:val>
+                                            <p:strVal val="1+#ppt_h/2"/>
+                                          </p:val>
+                                        </p:tav>
+                                        <p:tav tm="100000">
+                                          <p:val>
+                                            <p:strVal val="#ppt_y"/>
+                                          </p:val>
+                                        </p:tav>
+                                      </p:tavLst>
+                                    </p:anim>
+                                  </p:childTnLst>
+                                </p:cTn>
+                              </p:par>
+                            </p:childTnLst>
+                          </p:cTn>
+                        </p:par>
+                      </p:childTnLst>
+                    </p:cTn>
+                  </p:par>
+                  <p:par>
+                    <p:cTn id="39" fill="hold">
+                      <p:stCondLst>
+                        <p:cond delay="indefinite"/>
+                      </p:stCondLst>
+                      <p:childTnLst>
+                        <p:par>
+                          <p:cTn id="40" fill="hold">
+                            <p:stCondLst>
+                              <p:cond delay="0"/>
+                            </p:stCondLst>
+                            <p:childTnLst>
+                              <p:par>
+                                <p:cTn id="41" presetID="2" presetClass="entr" presetSubtype="4" fill="hold" grpId="0" nodeType="clickEffect">
+                                  <p:stCondLst>
+                                    <p:cond delay="0"/>
+                                  </p:stCondLst>
+                                  <p:childTnLst>
+                                    <p:set>
+                                      <p:cBhvr>
+                                        <p:cTn id="42" dur="1" fill="hold">
+                                          <p:stCondLst>
+                                            <p:cond delay="0"/>
+                                          </p:stCondLst>
+                                        </p:cTn>
+                                        <p:tgtEl>
+                                          <p:spTgt spid="2">
+                                            <p:txEl>
+                                              <p:pRg st="6" end="6"/>
+                                            </p:txEl>
+                                          </p:spTgt>
+                                        </p:tgtEl>
+                                        <p:attrNameLst>
+                                          <p:attrName>style.visibility</p:attrName>
+                                        </p:attrNameLst>
+                                      </p:cBhvr>
+                                      <p:to>
+                                        <p:strVal val="visible"/>
+                                      </p:to>
+                                    </p:set>
+                                    <p:anim calcmode="lin" valueType="num">
+                                      <p:cBhvr additive="base">
+                                        <p:cTn id="43" dur="500" fill="hold"/>
+                                        <p:tgtEl>
+                                          <p:spTgt spid="2">
+                                            <p:txEl>
+                                              <p:pRg st="6" end="6"/>
+                                            </p:txEl>
+                                          </p:spTgt>
+                                        </p:tgtEl>
+                                        <p:attrNameLst>
+                                          <p:attrName>ppt_x</p:attrName>
+                                        </p:attrNameLst>
+                                      </p:cBhvr>
+                                      <p:tavLst>
+                                        <p:tav tm="0">
+                                          <p:val>
+                                            <p:strVal val="#ppt_x"/>
+                                          </p:val>
+                                        </p:tav>
+                                        <p:tav tm="100000">
+                                          <p:val>
+                                            <p:strVal val="#ppt_x"/>
+                                          </p:val>
+                                        </p:tav>
+                                      </p:tavLst>
+                                    </p:anim>
+                                    <p:anim calcmode="lin" valueType="num">
+                                      <p:cBhvr additive="base">
+                                        <p:cTn id="44" dur="500" fill="hold"/>
+                                        <p:tgtEl>
+                                          <p:spTgt spid="2">
+                                            <p:txEl>
+                                              <p:pRg st="6" end="6"/>
+                                            </p:txEl>
+                                          </p:spTgt>
+                                        </p:tgtEl>
+                                        <p:attrNameLst>
+                                          <p:attrName>ppt_y</p:attrName>
+                                        </p:attrNameLst>
+                                      </p:cBhvr>
+                                      <p:tavLst>
+                                        <p:tav tm="0">
+                                          <p:val>
+                                            <p:strVal val="1+#ppt_h/2"/>
+                                          </p:val>
+                                        </p:tav>
+                                        <p:tav tm="100000">
+                                          <p:val>
+                                            <p:strVal val="#ppt_y"/>
+                                          </p:val>
+                                        </p:tav>
+                                      </p:tavLst>
+                                    </p:anim>
+                                  </p:childTnLst>
+                                </p:cTn>
+                              </p:par>
+                            </p:childTnLst>
+                          </p:cTn>
+                        </p:par>
+                      </p:childTnLst>
+                    </p:cTn>
+                  </p:par>
+                </p:childTnLst>
+              </p:cTn>
+              <p:prevCondLst>
+                <p:cond evt="onPrev" delay="0">
+                  <p:tgtEl>
+                    <p:sldTgt/>
+                  </p:tgtEl>
+                </p:cond>
+              </p:prevCondLst>
+              <p:nextCondLst>
+                <p:cond evt="onNext" delay="0">
+                  <p:tgtEl>
+                    <p:sldTgt/>
+                  </p:tgtEl>
+                </p:cond>
+              </p:nextCondLst>
+            </p:seq>
+          </p:childTnLst>
+        </p:cTn>
+      </p:par>
+    </p:tnLst>
     <p:bldLst>
-      <p:bldP spid="5" grpId="0"/>
-      <p:bldP spid="10" grpId="0"/>
+      <p:bldP spid="2" grpId="0" build="p"/>
+    </p:bldLst>
+  </p:timing>
+</p:sld>
+</file>
+
+<file path=ppt/slides/slide9.xml><?xml version="1.0" encoding="utf-8"?>
+<p:sld xmlns:a="http://schemas.openxmlformats.org/drawingml/2006/main" xmlns:r="http://schemas.openxmlformats.org/officeDocument/2006/relationships" xmlns:p="http://schemas.openxmlformats.org/presentationml/2006/main">
+  <p:cSld>
+    <p:spTree>
+      <p:nvGrpSpPr>
+        <p:cNvPr id="1" name="">
+          <a:extLst>
+            <a:ext uri="{FF2B5EF4-FFF2-40B4-BE49-F238E27FC236}">
+              <a16:creationId xmlns:a16="http://schemas.microsoft.com/office/drawing/2014/main" id="{11F147CC-6156-629D-C9C4-E1339F95AC91}"/>
+            </a:ext>
+          </a:extLst>
+        </p:cNvPr>
+        <p:cNvGrpSpPr/>
+        <p:nvPr/>
+      </p:nvGrpSpPr>
+      <p:grpSpPr>
+        <a:xfrm>
+          <a:off x="0" y="0"/>
+          <a:ext cx="0" cy="0"/>
+          <a:chOff x="0" y="0"/>
+          <a:chExt cx="0" cy="0"/>
+        </a:xfrm>
+      </p:grpSpPr>
+      <p:grpSp>
+        <p:nvGrpSpPr>
+          <p:cNvPr id="8" name="Group 2">
+            <a:extLst>
+              <a:ext uri="{FF2B5EF4-FFF2-40B4-BE49-F238E27FC236}">
+                <a16:creationId xmlns:a16="http://schemas.microsoft.com/office/drawing/2014/main" id="{095E4428-4E07-215C-1A99-71EE283815A0}"/>
+              </a:ext>
+            </a:extLst>
+          </p:cNvPr>
+          <p:cNvGrpSpPr/>
+          <p:nvPr/>
+        </p:nvGrpSpPr>
+        <p:grpSpPr>
+          <a:xfrm>
+            <a:off x="0" y="0"/>
+            <a:ext cx="1447800" cy="3086100"/>
+            <a:chOff x="0" y="0"/>
+            <a:chExt cx="615562" cy="812800"/>
+          </a:xfrm>
+        </p:grpSpPr>
+        <p:sp>
+          <p:nvSpPr>
+            <p:cNvPr id="11" name="Freeform 3">
+              <a:extLst>
+                <a:ext uri="{FF2B5EF4-FFF2-40B4-BE49-F238E27FC236}">
+                  <a16:creationId xmlns:a16="http://schemas.microsoft.com/office/drawing/2014/main" id="{D331D2F6-354D-E52E-A628-021A871639F2}"/>
+                </a:ext>
+              </a:extLst>
+            </p:cNvPr>
+            <p:cNvSpPr/>
+            <p:nvPr/>
+          </p:nvSpPr>
+          <p:spPr>
+            <a:xfrm>
+              <a:off x="0" y="0"/>
+              <a:ext cx="615562" cy="812800"/>
+            </a:xfrm>
+            <a:custGeom>
+              <a:avLst/>
+              <a:gdLst/>
+              <a:ahLst/>
+              <a:cxnLst/>
+              <a:rect l="l" t="t" r="r" b="b"/>
+              <a:pathLst>
+                <a:path w="615562" h="812800">
+                  <a:moveTo>
+                    <a:pt x="0" y="0"/>
+                  </a:moveTo>
+                  <a:lnTo>
+                    <a:pt x="615562" y="0"/>
+                  </a:lnTo>
+                  <a:lnTo>
+                    <a:pt x="615562" y="812800"/>
+                  </a:lnTo>
+                  <a:lnTo>
+                    <a:pt x="0" y="812800"/>
+                  </a:lnTo>
+                  <a:close/>
+                </a:path>
+              </a:pathLst>
+            </a:custGeom>
+            <a:solidFill>
+              <a:srgbClr val="F9ECB8"/>
+            </a:solidFill>
+          </p:spPr>
+        </p:sp>
+        <p:sp>
+          <p:nvSpPr>
+            <p:cNvPr id="14" name="TextBox 4">
+              <a:extLst>
+                <a:ext uri="{FF2B5EF4-FFF2-40B4-BE49-F238E27FC236}">
+                  <a16:creationId xmlns:a16="http://schemas.microsoft.com/office/drawing/2014/main" id="{E15E09B0-D691-A115-7E20-68FFD5301B4A}"/>
+                </a:ext>
+              </a:extLst>
+            </p:cNvPr>
+            <p:cNvSpPr txBox="1"/>
+            <p:nvPr/>
+          </p:nvSpPr>
+          <p:spPr>
+            <a:xfrm>
+              <a:off x="0" y="-38100"/>
+              <a:ext cx="615562" cy="850900"/>
+            </a:xfrm>
+            <a:prstGeom prst="rect">
+              <a:avLst/>
+            </a:prstGeom>
+          </p:spPr>
+          <p:txBody>
+            <a:bodyPr lIns="50800" tIns="50800" rIns="50800" bIns="50800" rtlCol="0" anchor="ctr"/>
+            <a:lstStyle/>
+            <a:p>
+              <a:pPr algn="ctr">
+                <a:lnSpc>
+                  <a:spcPts val="2659"/>
+                </a:lnSpc>
+              </a:pPr>
+              <a:endParaRPr/>
+            </a:p>
+          </p:txBody>
+        </p:sp>
+      </p:grpSp>
+      <p:grpSp>
+        <p:nvGrpSpPr>
+          <p:cNvPr id="15" name="Group 5">
+            <a:extLst>
+              <a:ext uri="{FF2B5EF4-FFF2-40B4-BE49-F238E27FC236}">
+                <a16:creationId xmlns:a16="http://schemas.microsoft.com/office/drawing/2014/main" id="{ADC5B005-22CD-903F-54DF-22C7BBE3B8A0}"/>
+              </a:ext>
+            </a:extLst>
+          </p:cNvPr>
+          <p:cNvGrpSpPr/>
+          <p:nvPr/>
+        </p:nvGrpSpPr>
+        <p:grpSpPr>
+          <a:xfrm>
+            <a:off x="17115856" y="6591300"/>
+            <a:ext cx="1172144" cy="3695700"/>
+            <a:chOff x="0" y="0"/>
+            <a:chExt cx="308713" cy="1595797"/>
+          </a:xfrm>
+        </p:grpSpPr>
+        <p:sp>
+          <p:nvSpPr>
+            <p:cNvPr id="16" name="Freeform 6">
+              <a:extLst>
+                <a:ext uri="{FF2B5EF4-FFF2-40B4-BE49-F238E27FC236}">
+                  <a16:creationId xmlns:a16="http://schemas.microsoft.com/office/drawing/2014/main" id="{22097AF2-2532-B967-516F-9A3B8BB392DE}"/>
+                </a:ext>
+              </a:extLst>
+            </p:cNvPr>
+            <p:cNvSpPr/>
+            <p:nvPr/>
+          </p:nvSpPr>
+          <p:spPr>
+            <a:xfrm>
+              <a:off x="0" y="0"/>
+              <a:ext cx="308713" cy="1595797"/>
+            </a:xfrm>
+            <a:custGeom>
+              <a:avLst/>
+              <a:gdLst/>
+              <a:ahLst/>
+              <a:cxnLst/>
+              <a:rect l="l" t="t" r="r" b="b"/>
+              <a:pathLst>
+                <a:path w="308713" h="1595797">
+                  <a:moveTo>
+                    <a:pt x="0" y="0"/>
+                  </a:moveTo>
+                  <a:lnTo>
+                    <a:pt x="308713" y="0"/>
+                  </a:lnTo>
+                  <a:lnTo>
+                    <a:pt x="308713" y="1595797"/>
+                  </a:lnTo>
+                  <a:lnTo>
+                    <a:pt x="0" y="1595797"/>
+                  </a:lnTo>
+                  <a:close/>
+                </a:path>
+              </a:pathLst>
+            </a:custGeom>
+            <a:solidFill>
+              <a:srgbClr val="FFC2CA"/>
+            </a:solidFill>
+          </p:spPr>
+        </p:sp>
+        <p:sp>
+          <p:nvSpPr>
+            <p:cNvPr id="17" name="TextBox 7">
+              <a:extLst>
+                <a:ext uri="{FF2B5EF4-FFF2-40B4-BE49-F238E27FC236}">
+                  <a16:creationId xmlns:a16="http://schemas.microsoft.com/office/drawing/2014/main" id="{A5F1DFD7-C832-0480-766D-D885515D880C}"/>
+                </a:ext>
+              </a:extLst>
+            </p:cNvPr>
+            <p:cNvSpPr txBox="1"/>
+            <p:nvPr/>
+          </p:nvSpPr>
+          <p:spPr>
+            <a:xfrm>
+              <a:off x="0" y="-38100"/>
+              <a:ext cx="308713" cy="1633897"/>
+            </a:xfrm>
+            <a:prstGeom prst="rect">
+              <a:avLst/>
+            </a:prstGeom>
+          </p:spPr>
+          <p:txBody>
+            <a:bodyPr lIns="50800" tIns="50800" rIns="50800" bIns="50800" rtlCol="0" anchor="ctr"/>
+            <a:lstStyle/>
+            <a:p>
+              <a:pPr algn="ctr">
+                <a:lnSpc>
+                  <a:spcPts val="2659"/>
+                </a:lnSpc>
+              </a:pPr>
+              <a:endParaRPr/>
+            </a:p>
+          </p:txBody>
+        </p:sp>
+      </p:grpSp>
+      <p:sp>
+        <p:nvSpPr>
+          <p:cNvPr id="18" name="TextBox 9">
+            <a:extLst>
+              <a:ext uri="{FF2B5EF4-FFF2-40B4-BE49-F238E27FC236}">
+                <a16:creationId xmlns:a16="http://schemas.microsoft.com/office/drawing/2014/main" id="{88D3B35C-88B8-6CF0-5766-291F5843C357}"/>
+              </a:ext>
+            </a:extLst>
+          </p:cNvPr>
+          <p:cNvSpPr txBox="1"/>
+          <p:nvPr/>
+        </p:nvSpPr>
+        <p:spPr>
+          <a:xfrm>
+            <a:off x="2217269" y="856965"/>
+            <a:ext cx="9060331" cy="897682"/>
+          </a:xfrm>
+          <a:prstGeom prst="rect">
+            <a:avLst/>
+          </a:prstGeom>
+        </p:spPr>
+        <p:txBody>
+          <a:bodyPr wrap="square" lIns="0" tIns="0" rIns="0" bIns="0" rtlCol="0" anchor="t">
+            <a:spAutoFit/>
+          </a:bodyPr>
+          <a:lstStyle/>
+          <a:p>
+            <a:pPr algn="l">
+              <a:lnSpc>
+                <a:spcPts val="7000"/>
+              </a:lnSpc>
+            </a:pPr>
+            <a:r>
+              <a:rPr lang="en-US" sz="6000" b="1" spc="-100" dirty="0">
+                <a:solidFill>
+                  <a:srgbClr val="2E2E2E"/>
+                </a:solidFill>
+                <a:latin typeface="Constantia" panose="02030602050306030303" pitchFamily="18" charset="0"/>
+                <a:ea typeface="Lato Bold"/>
+                <a:cs typeface="Lato Bold"/>
+                <a:sym typeface="Lato Bold"/>
+              </a:rPr>
+              <a:t>Functions</a:t>
+            </a:r>
+            <a:endParaRPr lang="en-US" sz="5000" b="1" spc="-100" dirty="0">
+              <a:solidFill>
+                <a:srgbClr val="2E2E2E"/>
+              </a:solidFill>
+              <a:latin typeface="Constantia" panose="02030602050306030303" pitchFamily="18" charset="0"/>
+              <a:ea typeface="Lato Bold"/>
+              <a:cs typeface="Lato Bold"/>
+              <a:sym typeface="Lato Bold"/>
+            </a:endParaRPr>
+          </a:p>
+        </p:txBody>
+      </p:sp>
+      <p:sp>
+        <p:nvSpPr>
+          <p:cNvPr id="2" name="Rectangle 1">
+            <a:extLst>
+              <a:ext uri="{FF2B5EF4-FFF2-40B4-BE49-F238E27FC236}">
+                <a16:creationId xmlns:a16="http://schemas.microsoft.com/office/drawing/2014/main" id="{D4F53AFD-822A-0FFD-98FA-7EBC8091E439}"/>
+              </a:ext>
+            </a:extLst>
+          </p:cNvPr>
+          <p:cNvSpPr>
+            <a:spLocks noChangeArrowheads="1"/>
+          </p:cNvSpPr>
+          <p:nvPr/>
+        </p:nvSpPr>
+        <p:spPr bwMode="auto">
+          <a:xfrm>
+            <a:off x="2217269" y="2019300"/>
+            <a:ext cx="14281025" cy="3785652"/>
+          </a:xfrm>
+          <a:prstGeom prst="rect">
+            <a:avLst/>
+          </a:prstGeom>
+          <a:noFill/>
+          <a:ln>
+            <a:noFill/>
+          </a:ln>
+          <a:effectLst/>
+          <a:extLst>
+            <a:ext uri="{909E8E84-426E-40DD-AFC4-6F175D3DCCD1}">
+              <a14:hiddenFill xmlns:a14="http://schemas.microsoft.com/office/drawing/2010/main">
+                <a:solidFill>
+                  <a:schemeClr val="accent1"/>
+                </a:solidFill>
+              </a14:hiddenFill>
+            </a:ext>
+            <a:ext uri="{91240B29-F687-4F45-9708-019B960494DF}">
+              <a14:hiddenLine xmlns:a14="http://schemas.microsoft.com/office/drawing/2010/main" w="9525">
+                <a:solidFill>
+                  <a:schemeClr val="tx1"/>
+                </a:solidFill>
+                <a:miter lim="800000"/>
+                <a:headEnd/>
+                <a:tailEnd/>
+              </a14:hiddenLine>
+            </a:ext>
+            <a:ext uri="{AF507438-7753-43E0-B8FC-AC1667EBCBE1}">
+              <a14:hiddenEffects xmlns:a14="http://schemas.microsoft.com/office/drawing/2010/main">
+                <a:effectLst>
+                  <a:outerShdw dist="35921" dir="2700000" algn="ctr" rotWithShape="0">
+                    <a:schemeClr val="bg2"/>
+                  </a:outerShdw>
+                </a:effectLst>
+              </a14:hiddenEffects>
+            </a:ext>
+          </a:extLst>
+        </p:spPr>
+        <p:txBody>
+          <a:bodyPr vert="horz" wrap="none" lIns="91440" tIns="45720" rIns="91440" bIns="45720" numCol="1" anchor="ctr" anchorCtr="0" compatLnSpc="1">
+            <a:prstTxWarp prst="textNoShape">
+              <a:avLst/>
+            </a:prstTxWarp>
+            <a:spAutoFit/>
+          </a:bodyPr>
+          <a:lstStyle/>
+          <a:p>
+            <a:pPr marR="0" lvl="0" algn="l" defTabSz="914400" rtl="0" eaLnBrk="0" fontAlgn="base" latinLnBrk="0" hangingPunct="0">
+              <a:lnSpc>
+                <a:spcPct val="100000"/>
+              </a:lnSpc>
+              <a:spcBef>
+                <a:spcPct val="0"/>
+              </a:spcBef>
+              <a:spcAft>
+                <a:spcPct val="0"/>
+              </a:spcAft>
+              <a:buClrTx/>
+              <a:buSzTx/>
+              <a:tabLst/>
+            </a:pPr>
+            <a:r>
+              <a:rPr lang="en-US" altLang="en-US" sz="4400" dirty="0">
+                <a:latin typeface="Constantia" panose="02030602050306030303" pitchFamily="18" charset="0"/>
+              </a:rPr>
+              <a:t>Functions are re-usable blocks of code that perform a task </a:t>
+            </a:r>
+          </a:p>
+          <a:p>
+            <a:pPr marR="0" lvl="0" algn="l" defTabSz="914400" rtl="0" eaLnBrk="0" fontAlgn="base" latinLnBrk="0" hangingPunct="0">
+              <a:lnSpc>
+                <a:spcPct val="100000"/>
+              </a:lnSpc>
+              <a:spcBef>
+                <a:spcPct val="0"/>
+              </a:spcBef>
+              <a:spcAft>
+                <a:spcPct val="0"/>
+              </a:spcAft>
+              <a:buClrTx/>
+              <a:buSzTx/>
+              <a:tabLst/>
+            </a:pPr>
+            <a:r>
+              <a:rPr lang="en-US" altLang="en-US" sz="4400" dirty="0">
+                <a:latin typeface="Constantia" panose="02030602050306030303" pitchFamily="18" charset="0"/>
+              </a:rPr>
+              <a:t>or return value.</a:t>
+            </a:r>
+          </a:p>
+          <a:p>
+            <a:pPr marR="0" lvl="0" algn="l" defTabSz="914400" rtl="0" eaLnBrk="0" fontAlgn="base" latinLnBrk="0" hangingPunct="0">
+              <a:lnSpc>
+                <a:spcPct val="100000"/>
+              </a:lnSpc>
+              <a:spcBef>
+                <a:spcPct val="0"/>
+              </a:spcBef>
+              <a:spcAft>
+                <a:spcPct val="0"/>
+              </a:spcAft>
+              <a:buClrTx/>
+              <a:buSzTx/>
+              <a:tabLst/>
+            </a:pPr>
+            <a:endParaRPr kumimoji="0" lang="en-US" altLang="en-US" sz="4400" b="0" i="0" u="none" strike="noStrike" cap="none" normalizeH="0" baseline="0" dirty="0">
+              <a:ln>
+                <a:noFill/>
+              </a:ln>
+              <a:solidFill>
+                <a:schemeClr val="tx1"/>
+              </a:solidFill>
+              <a:effectLst/>
+              <a:latin typeface="Constantia" panose="02030602050306030303" pitchFamily="18" charset="0"/>
+            </a:endParaRPr>
+          </a:p>
+          <a:p>
+            <a:pPr lvl="0" eaLnBrk="0" fontAlgn="base" hangingPunct="0">
+              <a:spcBef>
+                <a:spcPct val="0"/>
+              </a:spcBef>
+              <a:spcAft>
+                <a:spcPct val="0"/>
+              </a:spcAft>
+            </a:pPr>
+            <a:r>
+              <a:rPr lang="en-US" sz="3600" dirty="0"/>
+              <a:t>function </a:t>
+            </a:r>
+            <a:r>
+              <a:rPr lang="en-US" sz="3600" i="1" dirty="0"/>
+              <a:t>name</a:t>
+            </a:r>
+            <a:r>
+              <a:rPr lang="en-US" sz="3600" dirty="0"/>
+              <a:t>(</a:t>
+            </a:r>
+            <a:r>
+              <a:rPr lang="en-US" sz="3600" i="1" dirty="0"/>
+              <a:t>parameter1, parameter2, parameter3</a:t>
+            </a:r>
+            <a:r>
+              <a:rPr lang="en-US" sz="3600" dirty="0"/>
+              <a:t>) {</a:t>
+            </a:r>
+            <a:br>
+              <a:rPr lang="en-US" sz="3600" dirty="0"/>
+            </a:br>
+            <a:r>
+              <a:rPr lang="en-US" sz="3600" dirty="0"/>
+              <a:t>  // </a:t>
+            </a:r>
+            <a:r>
+              <a:rPr lang="en-US" sz="3600" i="1" dirty="0"/>
+              <a:t>code to be executed</a:t>
+            </a:r>
+            <a:br>
+              <a:rPr lang="en-US" sz="3600" dirty="0"/>
+            </a:br>
+            <a:r>
+              <a:rPr lang="en-US" sz="3600" dirty="0"/>
+              <a:t>}</a:t>
+            </a:r>
+            <a:endParaRPr kumimoji="0" lang="en-US" altLang="en-US" sz="3600" b="0" i="0" u="none" strike="noStrike" cap="none" normalizeH="0" baseline="0" dirty="0">
+              <a:ln>
+                <a:noFill/>
+              </a:ln>
+              <a:solidFill>
+                <a:schemeClr val="tx1"/>
+              </a:solidFill>
+              <a:effectLst/>
+              <a:latin typeface="Constantia" panose="02030602050306030303" pitchFamily="18" charset="0"/>
+            </a:endParaRPr>
+          </a:p>
+        </p:txBody>
+      </p:sp>
+    </p:spTree>
+    <p:extLst>
+      <p:ext uri="{BB962C8B-B14F-4D97-AF65-F5344CB8AC3E}">
+        <p14:creationId xmlns:p14="http://schemas.microsoft.com/office/powerpoint/2010/main" val="441138974"/>
+      </p:ext>
+    </p:extLst>
+  </p:cSld>
+  <p:clrMapOvr>
+    <a:masterClrMapping/>
+  </p:clrMapOvr>
+  <p:timing>
+    <p:tnLst>
+      <p:par>
+        <p:cTn id="1" dur="indefinite" restart="never" nodeType="tmRoot">
+          <p:childTnLst>
+            <p:seq concurrent="1" nextAc="seek">
+              <p:cTn id="2" dur="indefinite" nodeType="mainSeq">
+                <p:childTnLst>
+                  <p:par>
+                    <p:cTn id="3" fill="hold">
+                      <p:stCondLst>
+                        <p:cond delay="indefinite"/>
+                      </p:stCondLst>
+                      <p:childTnLst>
+                        <p:par>
+                          <p:cTn id="4" fill="hold">
+                            <p:stCondLst>
+                              <p:cond delay="0"/>
+                            </p:stCondLst>
+                            <p:childTnLst>
+                              <p:par>
+                                <p:cTn id="5" presetID="2" presetClass="entr" presetSubtype="4" fill="hold" grpId="0" nodeType="clickEffect">
+                                  <p:stCondLst>
+                                    <p:cond delay="0"/>
+                                  </p:stCondLst>
+                                  <p:childTnLst>
+                                    <p:set>
+                                      <p:cBhvr>
+                                        <p:cTn id="6" dur="1" fill="hold">
+                                          <p:stCondLst>
+                                            <p:cond delay="0"/>
+                                          </p:stCondLst>
+                                        </p:cTn>
+                                        <p:tgtEl>
+                                          <p:spTgt spid="2">
+                                            <p:txEl>
+                                              <p:pRg st="0" end="0"/>
+                                            </p:txEl>
+                                          </p:spTgt>
+                                        </p:tgtEl>
+                                        <p:attrNameLst>
+                                          <p:attrName>style.visibility</p:attrName>
+                                        </p:attrNameLst>
+                                      </p:cBhvr>
+                                      <p:to>
+                                        <p:strVal val="visible"/>
+                                      </p:to>
+                                    </p:set>
+                                    <p:anim calcmode="lin" valueType="num">
+                                      <p:cBhvr additive="base">
+                                        <p:cTn id="7" dur="500" fill="hold"/>
+                                        <p:tgtEl>
+                                          <p:spTgt spid="2">
+                                            <p:txEl>
+                                              <p:pRg st="0" end="0"/>
+                                            </p:txEl>
+                                          </p:spTgt>
+                                        </p:tgtEl>
+                                        <p:attrNameLst>
+                                          <p:attrName>ppt_x</p:attrName>
+                                        </p:attrNameLst>
+                                      </p:cBhvr>
+                                      <p:tavLst>
+                                        <p:tav tm="0">
+                                          <p:val>
+                                            <p:strVal val="#ppt_x"/>
+                                          </p:val>
+                                        </p:tav>
+                                        <p:tav tm="100000">
+                                          <p:val>
+                                            <p:strVal val="#ppt_x"/>
+                                          </p:val>
+                                        </p:tav>
+                                      </p:tavLst>
+                                    </p:anim>
+                                    <p:anim calcmode="lin" valueType="num">
+                                      <p:cBhvr additive="base">
+                                        <p:cTn id="8" dur="500" fill="hold"/>
+                                        <p:tgtEl>
+                                          <p:spTgt spid="2">
+                                            <p:txEl>
+                                              <p:pRg st="0" end="0"/>
+                                            </p:txEl>
+                                          </p:spTgt>
+                                        </p:tgtEl>
+                                        <p:attrNameLst>
+                                          <p:attrName>ppt_y</p:attrName>
+                                        </p:attrNameLst>
+                                      </p:cBhvr>
+                                      <p:tavLst>
+                                        <p:tav tm="0">
+                                          <p:val>
+                                            <p:strVal val="1+#ppt_h/2"/>
+                                          </p:val>
+                                        </p:tav>
+                                        <p:tav tm="100000">
+                                          <p:val>
+                                            <p:strVal val="#ppt_y"/>
+                                          </p:val>
+                                        </p:tav>
+                                      </p:tavLst>
+                                    </p:anim>
+                                  </p:childTnLst>
+                                </p:cTn>
+                              </p:par>
+                            </p:childTnLst>
+                          </p:cTn>
+                        </p:par>
+                      </p:childTnLst>
+                    </p:cTn>
+                  </p:par>
+                  <p:par>
+                    <p:cTn id="9" fill="hold">
+                      <p:stCondLst>
+                        <p:cond delay="indefinite"/>
+                      </p:stCondLst>
+                      <p:childTnLst>
+                        <p:par>
+                          <p:cTn id="10" fill="hold">
+                            <p:stCondLst>
+                              <p:cond delay="0"/>
+                            </p:stCondLst>
+                            <p:childTnLst>
+                              <p:par>
+                                <p:cTn id="11" presetID="2" presetClass="entr" presetSubtype="4" fill="hold" grpId="0" nodeType="clickEffect">
+                                  <p:stCondLst>
+                                    <p:cond delay="0"/>
+                                  </p:stCondLst>
+                                  <p:childTnLst>
+                                    <p:set>
+                                      <p:cBhvr>
+                                        <p:cTn id="12" dur="1" fill="hold">
+                                          <p:stCondLst>
+                                            <p:cond delay="0"/>
+                                          </p:stCondLst>
+                                        </p:cTn>
+                                        <p:tgtEl>
+                                          <p:spTgt spid="2">
+                                            <p:txEl>
+                                              <p:pRg st="1" end="1"/>
+                                            </p:txEl>
+                                          </p:spTgt>
+                                        </p:tgtEl>
+                                        <p:attrNameLst>
+                                          <p:attrName>style.visibility</p:attrName>
+                                        </p:attrNameLst>
+                                      </p:cBhvr>
+                                      <p:to>
+                                        <p:strVal val="visible"/>
+                                      </p:to>
+                                    </p:set>
+                                    <p:anim calcmode="lin" valueType="num">
+                                      <p:cBhvr additive="base">
+                                        <p:cTn id="13" dur="500" fill="hold"/>
+                                        <p:tgtEl>
+                                          <p:spTgt spid="2">
+                                            <p:txEl>
+                                              <p:pRg st="1" end="1"/>
+                                            </p:txEl>
+                                          </p:spTgt>
+                                        </p:tgtEl>
+                                        <p:attrNameLst>
+                                          <p:attrName>ppt_x</p:attrName>
+                                        </p:attrNameLst>
+                                      </p:cBhvr>
+                                      <p:tavLst>
+                                        <p:tav tm="0">
+                                          <p:val>
+                                            <p:strVal val="#ppt_x"/>
+                                          </p:val>
+                                        </p:tav>
+                                        <p:tav tm="100000">
+                                          <p:val>
+                                            <p:strVal val="#ppt_x"/>
+                                          </p:val>
+                                        </p:tav>
+                                      </p:tavLst>
+                                    </p:anim>
+                                    <p:anim calcmode="lin" valueType="num">
+                                      <p:cBhvr additive="base">
+                                        <p:cTn id="14" dur="500" fill="hold"/>
+                                        <p:tgtEl>
+                                          <p:spTgt spid="2">
+                                            <p:txEl>
+                                              <p:pRg st="1" end="1"/>
+                                            </p:txEl>
+                                          </p:spTgt>
+                                        </p:tgtEl>
+                                        <p:attrNameLst>
+                                          <p:attrName>ppt_y</p:attrName>
+                                        </p:attrNameLst>
+                                      </p:cBhvr>
+                                      <p:tavLst>
+                                        <p:tav tm="0">
+                                          <p:val>
+                                            <p:strVal val="1+#ppt_h/2"/>
+                                          </p:val>
+                                        </p:tav>
+                                        <p:tav tm="100000">
+                                          <p:val>
+                                            <p:strVal val="#ppt_y"/>
+                                          </p:val>
+                                        </p:tav>
+                                      </p:tavLst>
+                                    </p:anim>
+                                  </p:childTnLst>
+                                </p:cTn>
+                              </p:par>
+                            </p:childTnLst>
+                          </p:cTn>
+                        </p:par>
+                      </p:childTnLst>
+                    </p:cTn>
+                  </p:par>
+                  <p:par>
+                    <p:cTn id="15" fill="hold">
+                      <p:stCondLst>
+                        <p:cond delay="indefinite"/>
+                      </p:stCondLst>
+                      <p:childTnLst>
+                        <p:par>
+                          <p:cTn id="16" fill="hold">
+                            <p:stCondLst>
+                              <p:cond delay="0"/>
+                            </p:stCondLst>
+                            <p:childTnLst>
+                              <p:par>
+                                <p:cTn id="17" presetID="2" presetClass="entr" presetSubtype="4" fill="hold" grpId="0" nodeType="clickEffect">
+                                  <p:stCondLst>
+                                    <p:cond delay="0"/>
+                                  </p:stCondLst>
+                                  <p:childTnLst>
+                                    <p:set>
+                                      <p:cBhvr>
+                                        <p:cTn id="18" dur="1" fill="hold">
+                                          <p:stCondLst>
+                                            <p:cond delay="0"/>
+                                          </p:stCondLst>
+                                        </p:cTn>
+                                        <p:tgtEl>
+                                          <p:spTgt spid="2">
+                                            <p:txEl>
+                                              <p:pRg st="3" end="3"/>
+                                            </p:txEl>
+                                          </p:spTgt>
+                                        </p:tgtEl>
+                                        <p:attrNameLst>
+                                          <p:attrName>style.visibility</p:attrName>
+                                        </p:attrNameLst>
+                                      </p:cBhvr>
+                                      <p:to>
+                                        <p:strVal val="visible"/>
+                                      </p:to>
+                                    </p:set>
+                                    <p:anim calcmode="lin" valueType="num">
+                                      <p:cBhvr additive="base">
+                                        <p:cTn id="19" dur="500" fill="hold"/>
+                                        <p:tgtEl>
+                                          <p:spTgt spid="2">
+                                            <p:txEl>
+                                              <p:pRg st="3" end="3"/>
+                                            </p:txEl>
+                                          </p:spTgt>
+                                        </p:tgtEl>
+                                        <p:attrNameLst>
+                                          <p:attrName>ppt_x</p:attrName>
+                                        </p:attrNameLst>
+                                      </p:cBhvr>
+                                      <p:tavLst>
+                                        <p:tav tm="0">
+                                          <p:val>
+                                            <p:strVal val="#ppt_x"/>
+                                          </p:val>
+                                        </p:tav>
+                                        <p:tav tm="100000">
+                                          <p:val>
+                                            <p:strVal val="#ppt_x"/>
+                                          </p:val>
+                                        </p:tav>
+                                      </p:tavLst>
+                                    </p:anim>
+                                    <p:anim calcmode="lin" valueType="num">
+                                      <p:cBhvr additive="base">
+                                        <p:cTn id="20" dur="500" fill="hold"/>
+                                        <p:tgtEl>
+                                          <p:spTgt spid="2">
+                                            <p:txEl>
+                                              <p:pRg st="3" end="3"/>
+                                            </p:txEl>
+                                          </p:spTgt>
+                                        </p:tgtEl>
+                                        <p:attrNameLst>
+                                          <p:attrName>ppt_y</p:attrName>
+                                        </p:attrNameLst>
+                                      </p:cBhvr>
+                                      <p:tavLst>
+                                        <p:tav tm="0">
+                                          <p:val>
+                                            <p:strVal val="1+#ppt_h/2"/>
+                                          </p:val>
+                                        </p:tav>
+                                        <p:tav tm="100000">
+                                          <p:val>
+                                            <p:strVal val="#ppt_y"/>
+                                          </p:val>
+                                        </p:tav>
+                                      </p:tavLst>
+                                    </p:anim>
+                                  </p:childTnLst>
+                                </p:cTn>
+                              </p:par>
+                            </p:childTnLst>
+                          </p:cTn>
+                        </p:par>
+                      </p:childTnLst>
+                    </p:cTn>
+                  </p:par>
+                </p:childTnLst>
+              </p:cTn>
+              <p:prevCondLst>
+                <p:cond evt="onPrev" delay="0">
+                  <p:tgtEl>
+                    <p:sldTgt/>
+                  </p:tgtEl>
+                </p:cond>
+              </p:prevCondLst>
+              <p:nextCondLst>
+                <p:cond evt="onNext" delay="0">
+                  <p:tgtEl>
+                    <p:sldTgt/>
+                  </p:tgtEl>
+                </p:cond>
+              </p:nextCondLst>
+            </p:seq>
+          </p:childTnLst>
+        </p:cTn>
+      </p:par>
+    </p:tnLst>
+    <p:bldLst>
+      <p:bldP spid="2" grpId="0" build="p"/>
     </p:bldLst>
   </p:timing>
 </p:sld>
